--- a/Direct2D_Framework plan.pptx
+++ b/Direct2D_Framework plan.pptx
@@ -8,9 +8,11 @@
     <p:sldMasterId id="2147483796" r:id="rId4"/>
     <p:sldMasterId id="2147483813" r:id="rId5"/>
   </p:sldMasterIdLst>
+  <p:notesMasterIdLst>
+    <p:notesMasterId r:id="rId7"/>
+  </p:notesMasterIdLst>
   <p:sldIdLst>
     <p:sldId id="256" r:id="rId6"/>
-    <p:sldId id="257" r:id="rId7"/>
   </p:sldIdLst>
   <p:sldSz cx="12192000" cy="6858000"/>
   <p:notesSz cx="6858000" cy="9144000"/>
@@ -109,7 +111,362 @@
       </a:defRPr>
     </a:lvl9pPr>
   </p:defaultTextStyle>
+  <p:extLst>
+    <p:ext uri="{EFAFB233-063F-42B5-8137-9DF3F51BA10A}">
+      <p15:sldGuideLst xmlns:p15="http://schemas.microsoft.com/office/powerpoint/2012/main"/>
+    </p:ext>
+  </p:extLst>
 </p:presentation>
+</file>
+
+<file path=ppt/notesMasters/notesMaster1.xml><?xml version="1.0" encoding="utf-8"?>
+<p:notesMaster xmlns:a="http://schemas.openxmlformats.org/drawingml/2006/main" xmlns:r="http://schemas.openxmlformats.org/officeDocument/2006/relationships" xmlns:p="http://schemas.openxmlformats.org/presentationml/2006/main">
+  <p:cSld>
+    <p:bg>
+      <p:bgRef idx="1001">
+        <a:schemeClr val="bg1"/>
+      </p:bgRef>
+    </p:bg>
+    <p:spTree>
+      <p:nvGrpSpPr>
+        <p:cNvPr id="1" name=""/>
+        <p:cNvGrpSpPr/>
+        <p:nvPr/>
+      </p:nvGrpSpPr>
+      <p:grpSpPr>
+        <a:xfrm>
+          <a:off x="0" y="0"/>
+          <a:ext cx="0" cy="0"/>
+          <a:chOff x="0" y="0"/>
+          <a:chExt cx="0" cy="0"/>
+        </a:xfrm>
+      </p:grpSpPr>
+      <p:sp>
+        <p:nvSpPr>
+          <p:cNvPr id="2" name="머리글 개체 틀 1"/>
+          <p:cNvSpPr>
+            <a:spLocks noGrp="1"/>
+          </p:cNvSpPr>
+          <p:nvPr>
+            <p:ph type="hdr" sz="quarter"/>
+          </p:nvPr>
+        </p:nvSpPr>
+        <p:spPr>
+          <a:xfrm>
+            <a:off x="0" y="0"/>
+            <a:ext cx="2971800" cy="458788"/>
+          </a:xfrm>
+          <a:prstGeom prst="rect">
+            <a:avLst/>
+          </a:prstGeom>
+        </p:spPr>
+        <p:txBody>
+          <a:bodyPr vert="horz" lIns="91440" tIns="45720" rIns="91440" bIns="45720" rtlCol="0"/>
+          <a:lstStyle>
+            <a:lvl1pPr algn="l">
+              <a:defRPr sz="1200"/>
+            </a:lvl1pPr>
+          </a:lstStyle>
+          <a:p>
+            <a:endParaRPr lang="ko-KR" altLang="en-US"/>
+          </a:p>
+        </p:txBody>
+      </p:sp>
+      <p:sp>
+        <p:nvSpPr>
+          <p:cNvPr id="3" name="날짜 개체 틀 2"/>
+          <p:cNvSpPr>
+            <a:spLocks noGrp="1"/>
+          </p:cNvSpPr>
+          <p:nvPr>
+            <p:ph type="dt" idx="1"/>
+          </p:nvPr>
+        </p:nvSpPr>
+        <p:spPr>
+          <a:xfrm>
+            <a:off x="3884613" y="0"/>
+            <a:ext cx="2971800" cy="458788"/>
+          </a:xfrm>
+          <a:prstGeom prst="rect">
+            <a:avLst/>
+          </a:prstGeom>
+        </p:spPr>
+        <p:txBody>
+          <a:bodyPr vert="horz" lIns="91440" tIns="45720" rIns="91440" bIns="45720" rtlCol="0"/>
+          <a:lstStyle>
+            <a:lvl1pPr algn="r">
+              <a:defRPr sz="1200"/>
+            </a:lvl1pPr>
+          </a:lstStyle>
+          <a:p>
+            <a:fld id="{B3AA8C62-9861-4C43-BC73-4C5499AEC0FC}" type="datetimeFigureOut">
+              <a:rPr lang="ko-KR" altLang="en-US" smtClean="0"/>
+              <a:t>2016-04-03</a:t>
+            </a:fld>
+            <a:endParaRPr lang="ko-KR" altLang="en-US"/>
+          </a:p>
+        </p:txBody>
+      </p:sp>
+      <p:sp>
+        <p:nvSpPr>
+          <p:cNvPr id="4" name="슬라이드 이미지 개체 틀 3"/>
+          <p:cNvSpPr>
+            <a:spLocks noGrp="1" noRot="1" noChangeAspect="1"/>
+          </p:cNvSpPr>
+          <p:nvPr>
+            <p:ph type="sldImg" idx="2"/>
+          </p:nvPr>
+        </p:nvSpPr>
+        <p:spPr>
+          <a:xfrm>
+            <a:off x="685800" y="1143000"/>
+            <a:ext cx="5486400" cy="3086100"/>
+          </a:xfrm>
+          <a:prstGeom prst="rect">
+            <a:avLst/>
+          </a:prstGeom>
+          <a:noFill/>
+          <a:ln w="12700">
+            <a:solidFill>
+              <a:prstClr val="black"/>
+            </a:solidFill>
+          </a:ln>
+        </p:spPr>
+        <p:txBody>
+          <a:bodyPr vert="horz" lIns="91440" tIns="45720" rIns="91440" bIns="45720" rtlCol="0" anchor="ctr"/>
+          <a:lstStyle/>
+          <a:p>
+            <a:endParaRPr lang="ko-KR" altLang="en-US"/>
+          </a:p>
+        </p:txBody>
+      </p:sp>
+      <p:sp>
+        <p:nvSpPr>
+          <p:cNvPr id="5" name="슬라이드 노트 개체 틀 4"/>
+          <p:cNvSpPr>
+            <a:spLocks noGrp="1"/>
+          </p:cNvSpPr>
+          <p:nvPr>
+            <p:ph type="body" sz="quarter" idx="3"/>
+          </p:nvPr>
+        </p:nvSpPr>
+        <p:spPr>
+          <a:xfrm>
+            <a:off x="685800" y="4400550"/>
+            <a:ext cx="5486400" cy="3600450"/>
+          </a:xfrm>
+          <a:prstGeom prst="rect">
+            <a:avLst/>
+          </a:prstGeom>
+        </p:spPr>
+        <p:txBody>
+          <a:bodyPr vert="horz" lIns="91440" tIns="45720" rIns="91440" bIns="45720" rtlCol="0"/>
+          <a:lstStyle/>
+          <a:p>
+            <a:pPr lvl="0"/>
+            <a:r>
+              <a:rPr lang="ko-KR" altLang="en-US" smtClean="0"/>
+              <a:t>마스터 텍스트 스타일을 편집합니다</a:t>
+            </a:r>
+          </a:p>
+          <a:p>
+            <a:pPr lvl="1"/>
+            <a:r>
+              <a:rPr lang="ko-KR" altLang="en-US" smtClean="0"/>
+              <a:t>둘째 수준</a:t>
+            </a:r>
+          </a:p>
+          <a:p>
+            <a:pPr lvl="2"/>
+            <a:r>
+              <a:rPr lang="ko-KR" altLang="en-US" smtClean="0"/>
+              <a:t>셋째 수준</a:t>
+            </a:r>
+          </a:p>
+          <a:p>
+            <a:pPr lvl="3"/>
+            <a:r>
+              <a:rPr lang="ko-KR" altLang="en-US" smtClean="0"/>
+              <a:t>넷째 수준</a:t>
+            </a:r>
+          </a:p>
+          <a:p>
+            <a:pPr lvl="4"/>
+            <a:r>
+              <a:rPr lang="ko-KR" altLang="en-US" smtClean="0"/>
+              <a:t>다섯째 수준</a:t>
+            </a:r>
+            <a:endParaRPr lang="ko-KR" altLang="en-US"/>
+          </a:p>
+        </p:txBody>
+      </p:sp>
+      <p:sp>
+        <p:nvSpPr>
+          <p:cNvPr id="6" name="바닥글 개체 틀 5"/>
+          <p:cNvSpPr>
+            <a:spLocks noGrp="1"/>
+          </p:cNvSpPr>
+          <p:nvPr>
+            <p:ph type="ftr" sz="quarter" idx="4"/>
+          </p:nvPr>
+        </p:nvSpPr>
+        <p:spPr>
+          <a:xfrm>
+            <a:off x="0" y="8685213"/>
+            <a:ext cx="2971800" cy="458787"/>
+          </a:xfrm>
+          <a:prstGeom prst="rect">
+            <a:avLst/>
+          </a:prstGeom>
+        </p:spPr>
+        <p:txBody>
+          <a:bodyPr vert="horz" lIns="91440" tIns="45720" rIns="91440" bIns="45720" rtlCol="0" anchor="b"/>
+          <a:lstStyle>
+            <a:lvl1pPr algn="l">
+              <a:defRPr sz="1200"/>
+            </a:lvl1pPr>
+          </a:lstStyle>
+          <a:p>
+            <a:endParaRPr lang="ko-KR" altLang="en-US"/>
+          </a:p>
+        </p:txBody>
+      </p:sp>
+      <p:sp>
+        <p:nvSpPr>
+          <p:cNvPr id="7" name="슬라이드 번호 개체 틀 6"/>
+          <p:cNvSpPr>
+            <a:spLocks noGrp="1"/>
+          </p:cNvSpPr>
+          <p:nvPr>
+            <p:ph type="sldNum" sz="quarter" idx="5"/>
+          </p:nvPr>
+        </p:nvSpPr>
+        <p:spPr>
+          <a:xfrm>
+            <a:off x="3884613" y="8685213"/>
+            <a:ext cx="2971800" cy="458787"/>
+          </a:xfrm>
+          <a:prstGeom prst="rect">
+            <a:avLst/>
+          </a:prstGeom>
+        </p:spPr>
+        <p:txBody>
+          <a:bodyPr vert="horz" lIns="91440" tIns="45720" rIns="91440" bIns="45720" rtlCol="0" anchor="b"/>
+          <a:lstStyle>
+            <a:lvl1pPr algn="r">
+              <a:defRPr sz="1200"/>
+            </a:lvl1pPr>
+          </a:lstStyle>
+          <a:p>
+            <a:fld id="{1294507C-DB1C-4E08-8A89-3C2714CCAD0C}" type="slidenum">
+              <a:rPr lang="ko-KR" altLang="en-US" smtClean="0"/>
+              <a:t>‹#›</a:t>
+            </a:fld>
+            <a:endParaRPr lang="ko-KR" altLang="en-US"/>
+          </a:p>
+        </p:txBody>
+      </p:sp>
+    </p:spTree>
+    <p:extLst>
+      <p:ext uri="{BB962C8B-B14F-4D97-AF65-F5344CB8AC3E}">
+        <p14:creationId xmlns:p14="http://schemas.microsoft.com/office/powerpoint/2010/main" val="3942737344"/>
+      </p:ext>
+    </p:extLst>
+  </p:cSld>
+  <p:clrMap bg1="lt1" tx1="dk1" bg2="lt2" tx2="dk2" accent1="accent1" accent2="accent2" accent3="accent3" accent4="accent4" accent5="accent5" accent6="accent6" hlink="hlink" folHlink="folHlink"/>
+  <p:notesStyle>
+    <a:lvl1pPr marL="0" algn="l" defTabSz="914400" rtl="0" eaLnBrk="1" latinLnBrk="1" hangingPunct="1">
+      <a:defRPr sz="1200" kern="1200">
+        <a:solidFill>
+          <a:schemeClr val="tx1"/>
+        </a:solidFill>
+        <a:latin typeface="+mn-lt"/>
+        <a:ea typeface="+mn-ea"/>
+        <a:cs typeface="+mn-cs"/>
+      </a:defRPr>
+    </a:lvl1pPr>
+    <a:lvl2pPr marL="457200" algn="l" defTabSz="914400" rtl="0" eaLnBrk="1" latinLnBrk="1" hangingPunct="1">
+      <a:defRPr sz="1200" kern="1200">
+        <a:solidFill>
+          <a:schemeClr val="tx1"/>
+        </a:solidFill>
+        <a:latin typeface="+mn-lt"/>
+        <a:ea typeface="+mn-ea"/>
+        <a:cs typeface="+mn-cs"/>
+      </a:defRPr>
+    </a:lvl2pPr>
+    <a:lvl3pPr marL="914400" algn="l" defTabSz="914400" rtl="0" eaLnBrk="1" latinLnBrk="1" hangingPunct="1">
+      <a:defRPr sz="1200" kern="1200">
+        <a:solidFill>
+          <a:schemeClr val="tx1"/>
+        </a:solidFill>
+        <a:latin typeface="+mn-lt"/>
+        <a:ea typeface="+mn-ea"/>
+        <a:cs typeface="+mn-cs"/>
+      </a:defRPr>
+    </a:lvl3pPr>
+    <a:lvl4pPr marL="1371600" algn="l" defTabSz="914400" rtl="0" eaLnBrk="1" latinLnBrk="1" hangingPunct="1">
+      <a:defRPr sz="1200" kern="1200">
+        <a:solidFill>
+          <a:schemeClr val="tx1"/>
+        </a:solidFill>
+        <a:latin typeface="+mn-lt"/>
+        <a:ea typeface="+mn-ea"/>
+        <a:cs typeface="+mn-cs"/>
+      </a:defRPr>
+    </a:lvl4pPr>
+    <a:lvl5pPr marL="1828800" algn="l" defTabSz="914400" rtl="0" eaLnBrk="1" latinLnBrk="1" hangingPunct="1">
+      <a:defRPr sz="1200" kern="1200">
+        <a:solidFill>
+          <a:schemeClr val="tx1"/>
+        </a:solidFill>
+        <a:latin typeface="+mn-lt"/>
+        <a:ea typeface="+mn-ea"/>
+        <a:cs typeface="+mn-cs"/>
+      </a:defRPr>
+    </a:lvl5pPr>
+    <a:lvl6pPr marL="2286000" algn="l" defTabSz="914400" rtl="0" eaLnBrk="1" latinLnBrk="1" hangingPunct="1">
+      <a:defRPr sz="1200" kern="1200">
+        <a:solidFill>
+          <a:schemeClr val="tx1"/>
+        </a:solidFill>
+        <a:latin typeface="+mn-lt"/>
+        <a:ea typeface="+mn-ea"/>
+        <a:cs typeface="+mn-cs"/>
+      </a:defRPr>
+    </a:lvl6pPr>
+    <a:lvl7pPr marL="2743200" algn="l" defTabSz="914400" rtl="0" eaLnBrk="1" latinLnBrk="1" hangingPunct="1">
+      <a:defRPr sz="1200" kern="1200">
+        <a:solidFill>
+          <a:schemeClr val="tx1"/>
+        </a:solidFill>
+        <a:latin typeface="+mn-lt"/>
+        <a:ea typeface="+mn-ea"/>
+        <a:cs typeface="+mn-cs"/>
+      </a:defRPr>
+    </a:lvl7pPr>
+    <a:lvl8pPr marL="3200400" algn="l" defTabSz="914400" rtl="0" eaLnBrk="1" latinLnBrk="1" hangingPunct="1">
+      <a:defRPr sz="1200" kern="1200">
+        <a:solidFill>
+          <a:schemeClr val="tx1"/>
+        </a:solidFill>
+        <a:latin typeface="+mn-lt"/>
+        <a:ea typeface="+mn-ea"/>
+        <a:cs typeface="+mn-cs"/>
+      </a:defRPr>
+    </a:lvl8pPr>
+    <a:lvl9pPr marL="3657600" algn="l" defTabSz="914400" rtl="0" eaLnBrk="1" latinLnBrk="1" hangingPunct="1">
+      <a:defRPr sz="1200" kern="1200">
+        <a:solidFill>
+          <a:schemeClr val="tx1"/>
+        </a:solidFill>
+        <a:latin typeface="+mn-lt"/>
+        <a:ea typeface="+mn-ea"/>
+        <a:cs typeface="+mn-cs"/>
+      </a:defRPr>
+    </a:lvl9pPr>
+  </p:notesStyle>
+</p:notesMaster>
 </file>
 
 <file path=ppt/slideLayouts/slideLayout1.xml><?xml version="1.0" encoding="utf-8"?>
@@ -336,10 +693,10 @@
           <a:bodyPr/>
           <a:lstStyle/>
           <a:p>
-            <a:fld id="{4BDF68E2-58F2-4D09-BE8B-E3BD06533059}" type="datetimeFigureOut">
-              <a:rPr lang="en-US" dirty="0"/>
-              <a:t>4/3/2016</a:t>
-            </a:fld>
+            <a:r>
+              <a:rPr lang="en-US" altLang="ko-KR" smtClean="0"/>
+              <a:t>2016-04-03</a:t>
+            </a:r>
             <a:endParaRPr lang="en-US" dirty="0"/>
           </a:p>
         </p:txBody>
@@ -359,6 +716,10 @@
           <a:bodyPr/>
           <a:lstStyle/>
           <a:p>
+            <a:r>
+              <a:rPr lang="en-US" smtClean="0"/>
+              <a:t>written by Sentio</a:t>
+            </a:r>
             <a:endParaRPr lang="en-US" dirty="0"/>
           </a:p>
         </p:txBody>
@@ -544,10 +905,10 @@
           <a:bodyPr/>
           <a:lstStyle/>
           <a:p>
-            <a:fld id="{2E2D6473-DF6D-4702-B328-E0DD40540A4E}" type="datetimeFigureOut">
-              <a:rPr lang="en-US" dirty="0"/>
-              <a:t>4/3/2016</a:t>
-            </a:fld>
+            <a:r>
+              <a:rPr lang="en-US" altLang="ko-KR" smtClean="0"/>
+              <a:t>2016-04-03</a:t>
+            </a:r>
             <a:endParaRPr lang="en-US" dirty="0"/>
           </a:p>
         </p:txBody>
@@ -567,6 +928,10 @@
           <a:bodyPr/>
           <a:lstStyle/>
           <a:p>
+            <a:r>
+              <a:rPr lang="en-US" smtClean="0"/>
+              <a:t>written by Sentio</a:t>
+            </a:r>
             <a:endParaRPr lang="en-US" dirty="0"/>
           </a:p>
         </p:txBody>
@@ -800,10 +1165,10 @@
           <a:bodyPr/>
           <a:lstStyle/>
           <a:p>
-            <a:fld id="{E26F7E3A-B166-407D-9866-32884E7D5B37}" type="datetimeFigureOut">
-              <a:rPr lang="en-US" dirty="0"/>
-              <a:t>4/3/2016</a:t>
-            </a:fld>
+            <a:r>
+              <a:rPr lang="en-US" altLang="ko-KR" smtClean="0"/>
+              <a:t>2016-04-03</a:t>
+            </a:r>
             <a:endParaRPr lang="en-US" dirty="0"/>
           </a:p>
         </p:txBody>
@@ -823,6 +1188,10 @@
           <a:bodyPr/>
           <a:lstStyle/>
           <a:p>
+            <a:r>
+              <a:rPr lang="en-US" smtClean="0"/>
+              <a:t>written by Sentio</a:t>
+            </a:r>
             <a:endParaRPr lang="en-US" dirty="0"/>
           </a:p>
         </p:txBody>
@@ -1049,11 +1418,10 @@
           <a:bodyPr/>
           <a:lstStyle/>
           <a:p>
-            <a:fld id="{B61BEF0D-F0BB-DE4B-95CE-6DB70DBA9567}" type="datetimeFigureOut">
-              <a:rPr lang="en-US" dirty="0"/>
-              <a:pPr/>
-              <a:t>4/3/2016</a:t>
-            </a:fld>
+            <a:r>
+              <a:rPr lang="en-US" altLang="ko-KR" smtClean="0"/>
+              <a:t>2016-04-03</a:t>
+            </a:r>
             <a:endParaRPr lang="en-US" dirty="0"/>
           </a:p>
         </p:txBody>
@@ -1073,6 +1441,10 @@
           <a:bodyPr/>
           <a:lstStyle/>
           <a:p>
+            <a:r>
+              <a:rPr lang="en-US" smtClean="0"/>
+              <a:t>written by Sentio</a:t>
+            </a:r>
             <a:endParaRPr lang="en-US" dirty="0"/>
           </a:p>
         </p:txBody>
@@ -1318,11 +1690,10 @@
           <a:bodyPr/>
           <a:lstStyle/>
           <a:p>
-            <a:fld id="{B61BEF0D-F0BB-DE4B-95CE-6DB70DBA9567}" type="datetimeFigureOut">
-              <a:rPr lang="en-US" dirty="0"/>
-              <a:pPr/>
-              <a:t>4/3/2016</a:t>
-            </a:fld>
+            <a:r>
+              <a:rPr lang="en-US" altLang="ko-KR" smtClean="0"/>
+              <a:t>2016-04-03</a:t>
+            </a:r>
             <a:endParaRPr lang="en-US" dirty="0"/>
           </a:p>
         </p:txBody>
@@ -1342,6 +1713,10 @@
           <a:bodyPr/>
           <a:lstStyle/>
           <a:p>
+            <a:r>
+              <a:rPr lang="en-US" smtClean="0"/>
+              <a:t>written by Sentio</a:t>
+            </a:r>
             <a:endParaRPr lang="en-US" dirty="0"/>
           </a:p>
         </p:txBody>
@@ -1649,11 +2024,10 @@
           <a:bodyPr/>
           <a:lstStyle/>
           <a:p>
-            <a:fld id="{B61BEF0D-F0BB-DE4B-95CE-6DB70DBA9567}" type="datetimeFigureOut">
-              <a:rPr lang="en-US" dirty="0"/>
-              <a:pPr/>
-              <a:t>4/3/2016</a:t>
-            </a:fld>
+            <a:r>
+              <a:rPr lang="en-US" altLang="ko-KR" smtClean="0"/>
+              <a:t>2016-04-03</a:t>
+            </a:r>
             <a:endParaRPr lang="en-US" dirty="0"/>
           </a:p>
         </p:txBody>
@@ -1673,6 +2047,10 @@
           <a:bodyPr/>
           <a:lstStyle/>
           <a:p>
+            <a:r>
+              <a:rPr lang="en-US" smtClean="0"/>
+              <a:t>written by Sentio</a:t>
+            </a:r>
             <a:endParaRPr lang="en-US" dirty="0"/>
           </a:p>
         </p:txBody>
@@ -1974,11 +2352,10 @@
           <a:bodyPr/>
           <a:lstStyle/>
           <a:p>
-            <a:fld id="{B61BEF0D-F0BB-DE4B-95CE-6DB70DBA9567}" type="datetimeFigureOut">
-              <a:rPr lang="en-US" dirty="0"/>
-              <a:pPr/>
-              <a:t>4/3/2016</a:t>
-            </a:fld>
+            <a:r>
+              <a:rPr lang="en-US" altLang="ko-KR" smtClean="0"/>
+              <a:t>2016-04-03</a:t>
+            </a:r>
             <a:endParaRPr lang="en-US" dirty="0"/>
           </a:p>
         </p:txBody>
@@ -1998,6 +2375,10 @@
           <a:bodyPr/>
           <a:lstStyle/>
           <a:p>
+            <a:r>
+              <a:rPr lang="en-US" smtClean="0"/>
+              <a:t>written by Sentio</a:t>
+            </a:r>
             <a:endParaRPr lang="en-US" dirty="0"/>
           </a:p>
         </p:txBody>
@@ -2433,11 +2814,10 @@
           <a:bodyPr/>
           <a:lstStyle/>
           <a:p>
-            <a:fld id="{B61BEF0D-F0BB-DE4B-95CE-6DB70DBA9567}" type="datetimeFigureOut">
-              <a:rPr lang="en-US" dirty="0"/>
-              <a:pPr/>
-              <a:t>4/3/2016</a:t>
-            </a:fld>
+            <a:r>
+              <a:rPr lang="en-US" altLang="ko-KR" smtClean="0"/>
+              <a:t>2016-04-03</a:t>
+            </a:r>
             <a:endParaRPr lang="en-US" dirty="0"/>
           </a:p>
         </p:txBody>
@@ -2457,6 +2837,10 @@
           <a:bodyPr/>
           <a:lstStyle/>
           <a:p>
+            <a:r>
+              <a:rPr lang="en-US" smtClean="0"/>
+              <a:t>written by Sentio</a:t>
+            </a:r>
             <a:endParaRPr lang="en-US" dirty="0"/>
           </a:p>
         </p:txBody>
@@ -2640,11 +3024,10 @@
           <a:bodyPr/>
           <a:lstStyle/>
           <a:p>
-            <a:fld id="{B61BEF0D-F0BB-DE4B-95CE-6DB70DBA9567}" type="datetimeFigureOut">
-              <a:rPr lang="en-US" dirty="0"/>
-              <a:pPr/>
-              <a:t>4/3/2016</a:t>
-            </a:fld>
+            <a:r>
+              <a:rPr lang="en-US" altLang="ko-KR" smtClean="0"/>
+              <a:t>2016-04-03</a:t>
+            </a:r>
             <a:endParaRPr lang="en-US" dirty="0"/>
           </a:p>
         </p:txBody>
@@ -2664,6 +3047,10 @@
           <a:bodyPr/>
           <a:lstStyle/>
           <a:p>
+            <a:r>
+              <a:rPr lang="en-US" smtClean="0"/>
+              <a:t>written by Sentio</a:t>
+            </a:r>
             <a:endParaRPr lang="en-US" dirty="0"/>
           </a:p>
         </p:txBody>
@@ -2819,11 +3206,10 @@
           <a:bodyPr/>
           <a:lstStyle/>
           <a:p>
-            <a:fld id="{B61BEF0D-F0BB-DE4B-95CE-6DB70DBA9567}" type="datetimeFigureOut">
-              <a:rPr lang="en-US" dirty="0"/>
-              <a:pPr/>
-              <a:t>4/3/2016</a:t>
-            </a:fld>
+            <a:r>
+              <a:rPr lang="en-US" altLang="ko-KR" smtClean="0"/>
+              <a:t>2016-04-03</a:t>
+            </a:r>
             <a:endParaRPr lang="en-US" dirty="0"/>
           </a:p>
         </p:txBody>
@@ -2843,6 +3229,10 @@
           <a:bodyPr/>
           <a:lstStyle/>
           <a:p>
+            <a:r>
+              <a:rPr lang="en-US" smtClean="0"/>
+              <a:t>written by Sentio</a:t>
+            </a:r>
             <a:endParaRPr lang="en-US" dirty="0"/>
           </a:p>
         </p:txBody>
@@ -3154,11 +3544,10 @@
           <a:bodyPr/>
           <a:lstStyle/>
           <a:p>
-            <a:fld id="{B61BEF0D-F0BB-DE4B-95CE-6DB70DBA9567}" type="datetimeFigureOut">
-              <a:rPr lang="en-US" dirty="0"/>
-              <a:pPr/>
-              <a:t>4/3/2016</a:t>
-            </a:fld>
+            <a:r>
+              <a:rPr lang="en-US" altLang="ko-KR" smtClean="0"/>
+              <a:t>2016-04-03</a:t>
+            </a:r>
             <a:endParaRPr lang="en-US" dirty="0"/>
           </a:p>
         </p:txBody>
@@ -3178,6 +3567,10 @@
           <a:bodyPr/>
           <a:lstStyle/>
           <a:p>
+            <a:r>
+              <a:rPr lang="en-US" smtClean="0"/>
+              <a:t>written by Sentio</a:t>
+            </a:r>
             <a:endParaRPr lang="en-US" dirty="0"/>
           </a:p>
         </p:txBody>
@@ -3412,10 +3805,10 @@
           <a:bodyPr/>
           <a:lstStyle/>
           <a:p>
-            <a:fld id="{528FC5F6-F338-4AE4-BB23-26385BCFC423}" type="datetimeFigureOut">
-              <a:rPr lang="en-US" dirty="0"/>
-              <a:t>4/3/2016</a:t>
-            </a:fld>
+            <a:r>
+              <a:rPr lang="en-US" altLang="ko-KR" smtClean="0"/>
+              <a:t>2016-04-03</a:t>
+            </a:r>
             <a:endParaRPr lang="en-US" dirty="0"/>
           </a:p>
         </p:txBody>
@@ -3435,6 +3828,10 @@
           <a:bodyPr/>
           <a:lstStyle/>
           <a:p>
+            <a:r>
+              <a:rPr lang="en-US" smtClean="0"/>
+              <a:t>written by Sentio</a:t>
+            </a:r>
             <a:endParaRPr lang="en-US" dirty="0"/>
           </a:p>
         </p:txBody>
@@ -3675,11 +4072,10 @@
           <a:bodyPr/>
           <a:lstStyle/>
           <a:p>
-            <a:fld id="{B61BEF0D-F0BB-DE4B-95CE-6DB70DBA9567}" type="datetimeFigureOut">
-              <a:rPr lang="en-US" dirty="0"/>
-              <a:pPr/>
-              <a:t>4/3/2016</a:t>
-            </a:fld>
+            <a:r>
+              <a:rPr lang="en-US" altLang="ko-KR" smtClean="0"/>
+              <a:t>2016-04-03</a:t>
+            </a:r>
             <a:endParaRPr lang="en-US" dirty="0"/>
           </a:p>
         </p:txBody>
@@ -3699,6 +4095,10 @@
           <a:bodyPr/>
           <a:lstStyle/>
           <a:p>
+            <a:r>
+              <a:rPr lang="en-US" smtClean="0"/>
+              <a:t>written by Sentio</a:t>
+            </a:r>
             <a:endParaRPr lang="en-US" dirty="0"/>
           </a:p>
         </p:txBody>
@@ -4015,11 +4415,10 @@
           <a:bodyPr/>
           <a:lstStyle/>
           <a:p>
-            <a:fld id="{B61BEF0D-F0BB-DE4B-95CE-6DB70DBA9567}" type="datetimeFigureOut">
-              <a:rPr lang="en-US" dirty="0"/>
-              <a:pPr/>
-              <a:t>4/3/2016</a:t>
-            </a:fld>
+            <a:r>
+              <a:rPr lang="en-US" altLang="ko-KR" smtClean="0"/>
+              <a:t>2016-04-03</a:t>
+            </a:r>
             <a:endParaRPr lang="en-US" dirty="0"/>
           </a:p>
         </p:txBody>
@@ -4039,6 +4438,10 @@
           <a:bodyPr/>
           <a:lstStyle/>
           <a:p>
+            <a:r>
+              <a:rPr lang="en-US" smtClean="0"/>
+              <a:t>written by Sentio</a:t>
+            </a:r>
             <a:endParaRPr lang="en-US" dirty="0"/>
           </a:p>
         </p:txBody>
@@ -4418,11 +4821,10 @@
           <a:bodyPr/>
           <a:lstStyle/>
           <a:p>
-            <a:fld id="{B61BEF0D-F0BB-DE4B-95CE-6DB70DBA9567}" type="datetimeFigureOut">
-              <a:rPr lang="en-US" dirty="0"/>
-              <a:pPr/>
-              <a:t>4/3/2016</a:t>
-            </a:fld>
+            <a:r>
+              <a:rPr lang="en-US" altLang="ko-KR" smtClean="0"/>
+              <a:t>2016-04-03</a:t>
+            </a:r>
             <a:endParaRPr lang="en-US" dirty="0"/>
           </a:p>
         </p:txBody>
@@ -4442,6 +4844,10 @@
           <a:bodyPr/>
           <a:lstStyle/>
           <a:p>
+            <a:r>
+              <a:rPr lang="en-US" smtClean="0"/>
+              <a:t>written by Sentio</a:t>
+            </a:r>
             <a:endParaRPr lang="en-US" dirty="0"/>
           </a:p>
         </p:txBody>
@@ -4756,11 +5162,10 @@
           <a:bodyPr/>
           <a:lstStyle/>
           <a:p>
-            <a:fld id="{B61BEF0D-F0BB-DE4B-95CE-6DB70DBA9567}" type="datetimeFigureOut">
-              <a:rPr lang="en-US" dirty="0"/>
-              <a:pPr/>
-              <a:t>4/3/2016</a:t>
-            </a:fld>
+            <a:r>
+              <a:rPr lang="en-US" altLang="ko-KR" smtClean="0"/>
+              <a:t>2016-04-03</a:t>
+            </a:r>
             <a:endParaRPr lang="en-US" dirty="0"/>
           </a:p>
         </p:txBody>
@@ -4780,6 +5185,10 @@
           <a:bodyPr/>
           <a:lstStyle/>
           <a:p>
+            <a:r>
+              <a:rPr lang="en-US" smtClean="0"/>
+              <a:t>written by Sentio</a:t>
+            </a:r>
             <a:endParaRPr lang="en-US" dirty="0"/>
           </a:p>
         </p:txBody>
@@ -5078,11 +5487,10 @@
           <a:bodyPr/>
           <a:lstStyle/>
           <a:p>
-            <a:fld id="{B61BEF0D-F0BB-DE4B-95CE-6DB70DBA9567}" type="datetimeFigureOut">
-              <a:rPr lang="en-US" dirty="0"/>
-              <a:pPr/>
-              <a:t>4/3/2016</a:t>
-            </a:fld>
+            <a:r>
+              <a:rPr lang="en-US" altLang="ko-KR" smtClean="0"/>
+              <a:t>2016-04-03</a:t>
+            </a:r>
             <a:endParaRPr lang="en-US" dirty="0"/>
           </a:p>
         </p:txBody>
@@ -5102,6 +5510,10 @@
           <a:bodyPr/>
           <a:lstStyle/>
           <a:p>
+            <a:r>
+              <a:rPr lang="en-US" smtClean="0"/>
+              <a:t>written by Sentio</a:t>
+            </a:r>
             <a:endParaRPr lang="en-US" dirty="0"/>
           </a:p>
         </p:txBody>
@@ -5476,11 +5888,10 @@
           <a:bodyPr/>
           <a:lstStyle/>
           <a:p>
-            <a:fld id="{B61BEF0D-F0BB-DE4B-95CE-6DB70DBA9567}" type="datetimeFigureOut">
-              <a:rPr lang="en-US" dirty="0"/>
-              <a:pPr/>
-              <a:t>4/3/2016</a:t>
-            </a:fld>
+            <a:r>
+              <a:rPr lang="en-US" altLang="ko-KR" smtClean="0"/>
+              <a:t>2016-04-03</a:t>
+            </a:r>
             <a:endParaRPr lang="en-US" dirty="0"/>
           </a:p>
         </p:txBody>
@@ -5500,6 +5911,10 @@
           <a:bodyPr/>
           <a:lstStyle/>
           <a:p>
+            <a:r>
+              <a:rPr lang="en-US" smtClean="0"/>
+              <a:t>written by Sentio</a:t>
+            </a:r>
             <a:endParaRPr lang="en-US" dirty="0"/>
           </a:p>
         </p:txBody>
@@ -5735,11 +6150,10 @@
           <a:bodyPr/>
           <a:lstStyle/>
           <a:p>
-            <a:fld id="{B61BEF0D-F0BB-DE4B-95CE-6DB70DBA9567}" type="datetimeFigureOut">
-              <a:rPr lang="en-US" dirty="0"/>
-              <a:pPr/>
-              <a:t>4/3/2016</a:t>
-            </a:fld>
+            <a:r>
+              <a:rPr lang="en-US" altLang="ko-KR" smtClean="0"/>
+              <a:t>2016-04-03</a:t>
+            </a:r>
             <a:endParaRPr lang="en-US" dirty="0"/>
           </a:p>
         </p:txBody>
@@ -5759,6 +6173,10 @@
           <a:bodyPr/>
           <a:lstStyle/>
           <a:p>
+            <a:r>
+              <a:rPr lang="en-US" smtClean="0"/>
+              <a:t>written by Sentio</a:t>
+            </a:r>
             <a:endParaRPr lang="en-US" dirty="0"/>
           </a:p>
         </p:txBody>
@@ -5999,11 +6417,10 @@
           <a:bodyPr/>
           <a:lstStyle/>
           <a:p>
-            <a:fld id="{B61BEF0D-F0BB-DE4B-95CE-6DB70DBA9567}" type="datetimeFigureOut">
-              <a:rPr lang="en-US" dirty="0"/>
-              <a:pPr/>
-              <a:t>4/3/2016</a:t>
-            </a:fld>
+            <a:r>
+              <a:rPr lang="en-US" altLang="ko-KR" smtClean="0"/>
+              <a:t>2016-04-03</a:t>
+            </a:r>
             <a:endParaRPr lang="en-US" dirty="0"/>
           </a:p>
         </p:txBody>
@@ -6023,6 +6440,10 @@
           <a:bodyPr/>
           <a:lstStyle/>
           <a:p>
+            <a:r>
+              <a:rPr lang="en-US" smtClean="0"/>
+              <a:t>written by Sentio</a:t>
+            </a:r>
             <a:endParaRPr lang="en-US" dirty="0"/>
           </a:p>
         </p:txBody>
@@ -6143,6 +6564,13 @@
   <p:clrMapOvr>
     <a:masterClrMapping/>
   </p:clrMapOvr>
+  <p:timing>
+    <p:tnLst>
+      <p:par>
+        <p:cTn id="1" dur="indefinite" restart="never" nodeType="tmRoot"/>
+      </p:par>
+    </p:tnLst>
+  </p:timing>
 </p:sldLayout>
 </file>
 
@@ -6866,10 +7294,10 @@
           <a:bodyPr/>
           <a:lstStyle/>
           <a:p>
-            <a:fld id="{76A7E85F-F389-4DAD-BFE3-266C3406FF2A}" type="datetimeFigureOut">
-              <a:rPr lang="ko-KR" altLang="en-US" smtClean="0"/>
+            <a:r>
+              <a:rPr lang="en-US" altLang="ko-KR" smtClean="0"/>
               <a:t>2016-04-03</a:t>
-            </a:fld>
+            </a:r>
             <a:endParaRPr lang="ko-KR" altLang="en-US"/>
           </a:p>
         </p:txBody>
@@ -6889,6 +7317,10 @@
           <a:bodyPr/>
           <a:lstStyle/>
           <a:p>
+            <a:r>
+              <a:rPr lang="en-US" altLang="ko-KR" smtClean="0"/>
+              <a:t>written by Sentio</a:t>
+            </a:r>
             <a:endParaRPr lang="ko-KR" altLang="en-US"/>
           </a:p>
         </p:txBody>
@@ -6926,6 +7358,13 @@
   <p:clrMapOvr>
     <a:masterClrMapping/>
   </p:clrMapOvr>
+  <p:timing>
+    <p:tnLst>
+      <p:par>
+        <p:cTn id="1" dur="indefinite" restart="never" nodeType="tmRoot"/>
+      </p:par>
+    </p:tnLst>
+  </p:timing>
 </p:sldLayout>
 </file>
 
@@ -7042,10 +7481,10 @@
           <a:bodyPr/>
           <a:lstStyle/>
           <a:p>
-            <a:fld id="{76A7E85F-F389-4DAD-BFE3-266C3406FF2A}" type="datetimeFigureOut">
-              <a:rPr lang="ko-KR" altLang="en-US" smtClean="0"/>
+            <a:r>
+              <a:rPr lang="en-US" altLang="ko-KR" smtClean="0"/>
               <a:t>2016-04-03</a:t>
-            </a:fld>
+            </a:r>
             <a:endParaRPr lang="ko-KR" altLang="en-US"/>
           </a:p>
         </p:txBody>
@@ -7065,6 +7504,10 @@
           <a:bodyPr/>
           <a:lstStyle/>
           <a:p>
+            <a:r>
+              <a:rPr lang="en-US" altLang="ko-KR" smtClean="0"/>
+              <a:t>written by Sentio</a:t>
+            </a:r>
             <a:endParaRPr lang="ko-KR" altLang="en-US"/>
           </a:p>
         </p:txBody>
@@ -7102,6 +7545,13 @@
   <p:clrMapOvr>
     <a:masterClrMapping/>
   </p:clrMapOvr>
+  <p:timing>
+    <p:tnLst>
+      <p:par>
+        <p:cTn id="1" dur="indefinite" restart="never" nodeType="tmRoot"/>
+      </p:par>
+    </p:tnLst>
+  </p:timing>
 </p:sldLayout>
 </file>
 
@@ -7385,10 +7835,10 @@
           <a:bodyPr/>
           <a:lstStyle/>
           <a:p>
-            <a:fld id="{20EBB0C4-6273-4C6E-B9BD-2EDC30F1CD52}" type="datetimeFigureOut">
-              <a:rPr lang="en-US" dirty="0"/>
-              <a:t>4/3/2016</a:t>
-            </a:fld>
+            <a:r>
+              <a:rPr lang="en-US" altLang="ko-KR" smtClean="0"/>
+              <a:t>2016-04-03</a:t>
+            </a:r>
             <a:endParaRPr lang="en-US" dirty="0"/>
           </a:p>
         </p:txBody>
@@ -7408,6 +7858,10 @@
           <a:bodyPr/>
           <a:lstStyle/>
           <a:p>
+            <a:r>
+              <a:rPr lang="en-US" smtClean="0"/>
+              <a:t>written by Sentio</a:t>
+            </a:r>
             <a:endParaRPr lang="en-US" dirty="0"/>
           </a:p>
         </p:txBody>
@@ -7670,10 +8124,10 @@
           <a:bodyPr/>
           <a:lstStyle/>
           <a:p>
-            <a:fld id="{76A7E85F-F389-4DAD-BFE3-266C3406FF2A}" type="datetimeFigureOut">
-              <a:rPr lang="ko-KR" altLang="en-US" smtClean="0"/>
+            <a:r>
+              <a:rPr lang="en-US" altLang="ko-KR" smtClean="0"/>
               <a:t>2016-04-03</a:t>
-            </a:fld>
+            </a:r>
             <a:endParaRPr lang="ko-KR" altLang="en-US"/>
           </a:p>
         </p:txBody>
@@ -7693,6 +8147,10 @@
           <a:bodyPr/>
           <a:lstStyle/>
           <a:p>
+            <a:r>
+              <a:rPr lang="en-US" altLang="ko-KR" smtClean="0"/>
+              <a:t>written by Sentio</a:t>
+            </a:r>
             <a:endParaRPr lang="ko-KR" altLang="en-US"/>
           </a:p>
         </p:txBody>
@@ -7902,10 +8360,10 @@
           <a:bodyPr/>
           <a:lstStyle/>
           <a:p>
-            <a:fld id="{76A7E85F-F389-4DAD-BFE3-266C3406FF2A}" type="datetimeFigureOut">
-              <a:rPr lang="ko-KR" altLang="en-US" smtClean="0"/>
+            <a:r>
+              <a:rPr lang="en-US" altLang="ko-KR" smtClean="0"/>
               <a:t>2016-04-03</a:t>
-            </a:fld>
+            </a:r>
             <a:endParaRPr lang="ko-KR" altLang="en-US"/>
           </a:p>
         </p:txBody>
@@ -7925,6 +8383,10 @@
           <a:bodyPr/>
           <a:lstStyle/>
           <a:p>
+            <a:r>
+              <a:rPr lang="en-US" altLang="ko-KR" smtClean="0"/>
+              <a:t>written by Sentio</a:t>
+            </a:r>
             <a:endParaRPr lang="ko-KR" altLang="en-US"/>
           </a:p>
         </p:txBody>
@@ -8276,10 +8738,10 @@
           <a:bodyPr/>
           <a:lstStyle/>
           <a:p>
-            <a:fld id="{76A7E85F-F389-4DAD-BFE3-266C3406FF2A}" type="datetimeFigureOut">
-              <a:rPr lang="ko-KR" altLang="en-US" smtClean="0"/>
+            <a:r>
+              <a:rPr lang="en-US" altLang="ko-KR" smtClean="0"/>
               <a:t>2016-04-03</a:t>
-            </a:fld>
+            </a:r>
             <a:endParaRPr lang="ko-KR" altLang="en-US"/>
           </a:p>
         </p:txBody>
@@ -8299,6 +8761,10 @@
           <a:bodyPr/>
           <a:lstStyle/>
           <a:p>
+            <a:r>
+              <a:rPr lang="en-US" altLang="ko-KR" smtClean="0"/>
+              <a:t>written by Sentio</a:t>
+            </a:r>
             <a:endParaRPr lang="ko-KR" altLang="en-US"/>
           </a:p>
         </p:txBody>
@@ -8399,10 +8865,10 @@
           <a:bodyPr/>
           <a:lstStyle/>
           <a:p>
-            <a:fld id="{76A7E85F-F389-4DAD-BFE3-266C3406FF2A}" type="datetimeFigureOut">
-              <a:rPr lang="ko-KR" altLang="en-US" smtClean="0"/>
+            <a:r>
+              <a:rPr lang="en-US" altLang="ko-KR" smtClean="0"/>
               <a:t>2016-04-03</a:t>
-            </a:fld>
+            </a:r>
             <a:endParaRPr lang="ko-KR" altLang="en-US"/>
           </a:p>
         </p:txBody>
@@ -8422,6 +8888,10 @@
           <a:bodyPr/>
           <a:lstStyle/>
           <a:p>
+            <a:r>
+              <a:rPr lang="en-US" altLang="ko-KR" smtClean="0"/>
+              <a:t>written by Sentio</a:t>
+            </a:r>
             <a:endParaRPr lang="ko-KR" altLang="en-US"/>
           </a:p>
         </p:txBody>
@@ -8494,10 +8964,10 @@
           <a:bodyPr/>
           <a:lstStyle/>
           <a:p>
-            <a:fld id="{76A7E85F-F389-4DAD-BFE3-266C3406FF2A}" type="datetimeFigureOut">
-              <a:rPr lang="ko-KR" altLang="en-US" smtClean="0"/>
+            <a:r>
+              <a:rPr lang="en-US" altLang="ko-KR" smtClean="0"/>
               <a:t>2016-04-03</a:t>
-            </a:fld>
+            </a:r>
             <a:endParaRPr lang="ko-KR" altLang="en-US"/>
           </a:p>
         </p:txBody>
@@ -8517,6 +8987,10 @@
           <a:bodyPr/>
           <a:lstStyle/>
           <a:p>
+            <a:r>
+              <a:rPr lang="en-US" altLang="ko-KR" smtClean="0"/>
+              <a:t>written by Sentio</a:t>
+            </a:r>
             <a:endParaRPr lang="ko-KR" altLang="en-US"/>
           </a:p>
         </p:txBody>
@@ -8749,10 +9223,10 @@
           <a:bodyPr/>
           <a:lstStyle/>
           <a:p>
-            <a:fld id="{76A7E85F-F389-4DAD-BFE3-266C3406FF2A}" type="datetimeFigureOut">
-              <a:rPr lang="ko-KR" altLang="en-US" smtClean="0"/>
+            <a:r>
+              <a:rPr lang="en-US" altLang="ko-KR" smtClean="0"/>
               <a:t>2016-04-03</a:t>
-            </a:fld>
+            </a:r>
             <a:endParaRPr lang="ko-KR" altLang="en-US"/>
           </a:p>
         </p:txBody>
@@ -8772,6 +9246,10 @@
           <a:bodyPr/>
           <a:lstStyle/>
           <a:p>
+            <a:r>
+              <a:rPr lang="en-US" altLang="ko-KR" smtClean="0"/>
+              <a:t>written by Sentio</a:t>
+            </a:r>
             <a:endParaRPr lang="ko-KR" altLang="en-US"/>
           </a:p>
         </p:txBody>
@@ -9012,10 +9490,10 @@
           <a:bodyPr/>
           <a:lstStyle/>
           <a:p>
-            <a:fld id="{76A7E85F-F389-4DAD-BFE3-266C3406FF2A}" type="datetimeFigureOut">
-              <a:rPr lang="ko-KR" altLang="en-US" smtClean="0"/>
+            <a:r>
+              <a:rPr lang="en-US" altLang="ko-KR" smtClean="0"/>
               <a:t>2016-04-03</a:t>
-            </a:fld>
+            </a:r>
             <a:endParaRPr lang="ko-KR" altLang="en-US"/>
           </a:p>
         </p:txBody>
@@ -9035,6 +9513,10 @@
           <a:bodyPr/>
           <a:lstStyle/>
           <a:p>
+            <a:r>
+              <a:rPr lang="en-US" altLang="ko-KR" smtClean="0"/>
+              <a:t>written by Sentio</a:t>
+            </a:r>
             <a:endParaRPr lang="ko-KR" altLang="en-US"/>
           </a:p>
         </p:txBody>
@@ -9263,10 +9745,10 @@
           <a:bodyPr/>
           <a:lstStyle/>
           <a:p>
-            <a:fld id="{76A7E85F-F389-4DAD-BFE3-266C3406FF2A}" type="datetimeFigureOut">
-              <a:rPr lang="ko-KR" altLang="en-US" smtClean="0"/>
+            <a:r>
+              <a:rPr lang="en-US" altLang="ko-KR" smtClean="0"/>
               <a:t>2016-04-03</a:t>
-            </a:fld>
+            </a:r>
             <a:endParaRPr lang="ko-KR" altLang="en-US"/>
           </a:p>
         </p:txBody>
@@ -9286,6 +9768,10 @@
           <a:bodyPr/>
           <a:lstStyle/>
           <a:p>
+            <a:r>
+              <a:rPr lang="en-US" altLang="ko-KR" smtClean="0"/>
+              <a:t>written by Sentio</a:t>
+            </a:r>
             <a:endParaRPr lang="ko-KR" altLang="en-US"/>
           </a:p>
         </p:txBody>
@@ -9577,10 +10063,10 @@
           <a:bodyPr/>
           <a:lstStyle/>
           <a:p>
-            <a:fld id="{76A7E85F-F389-4DAD-BFE3-266C3406FF2A}" type="datetimeFigureOut">
-              <a:rPr lang="ko-KR" altLang="en-US" smtClean="0"/>
+            <a:r>
+              <a:rPr lang="en-US" altLang="ko-KR" smtClean="0"/>
               <a:t>2016-04-03</a:t>
-            </a:fld>
+            </a:r>
             <a:endParaRPr lang="ko-KR" altLang="en-US"/>
           </a:p>
         </p:txBody>
@@ -9600,6 +10086,10 @@
           <a:bodyPr/>
           <a:lstStyle/>
           <a:p>
+            <a:r>
+              <a:rPr lang="en-US" altLang="ko-KR" smtClean="0"/>
+              <a:t>written by Sentio</a:t>
+            </a:r>
             <a:endParaRPr lang="ko-KR" altLang="en-US"/>
           </a:p>
         </p:txBody>
@@ -9918,10 +10408,10 @@
           <a:bodyPr/>
           <a:lstStyle/>
           <a:p>
-            <a:fld id="{76A7E85F-F389-4DAD-BFE3-266C3406FF2A}" type="datetimeFigureOut">
-              <a:rPr lang="ko-KR" altLang="en-US" smtClean="0"/>
+            <a:r>
+              <a:rPr lang="en-US" altLang="ko-KR" smtClean="0"/>
               <a:t>2016-04-03</a:t>
-            </a:fld>
+            </a:r>
             <a:endParaRPr lang="ko-KR" altLang="en-US"/>
           </a:p>
         </p:txBody>
@@ -9941,6 +10431,10 @@
           <a:bodyPr/>
           <a:lstStyle/>
           <a:p>
+            <a:r>
+              <a:rPr lang="en-US" altLang="ko-KR" smtClean="0"/>
+              <a:t>written by Sentio</a:t>
+            </a:r>
             <a:endParaRPr lang="ko-KR" altLang="en-US"/>
           </a:p>
         </p:txBody>
@@ -10155,10 +10649,10 @@
           <a:bodyPr/>
           <a:lstStyle/>
           <a:p>
-            <a:fld id="{19AB4D41-86C1-4908-B66A-0B50CEB3BF29}" type="datetimeFigureOut">
-              <a:rPr lang="en-US" dirty="0"/>
-              <a:t>4/3/2016</a:t>
-            </a:fld>
+            <a:r>
+              <a:rPr lang="en-US" altLang="ko-KR" smtClean="0"/>
+              <a:t>2016-04-03</a:t>
+            </a:r>
             <a:endParaRPr lang="en-US" dirty="0"/>
           </a:p>
         </p:txBody>
@@ -10178,6 +10672,10 @@
           <a:bodyPr/>
           <a:lstStyle/>
           <a:p>
+            <a:r>
+              <a:rPr lang="en-US" smtClean="0"/>
+              <a:t>written by Sentio</a:t>
+            </a:r>
             <a:endParaRPr lang="en-US" dirty="0"/>
           </a:p>
         </p:txBody>
@@ -10469,10 +10967,10 @@
           <a:bodyPr/>
           <a:lstStyle/>
           <a:p>
-            <a:fld id="{76A7E85F-F389-4DAD-BFE3-266C3406FF2A}" type="datetimeFigureOut">
-              <a:rPr lang="ko-KR" altLang="en-US" smtClean="0"/>
+            <a:r>
+              <a:rPr lang="en-US" altLang="ko-KR" smtClean="0"/>
               <a:t>2016-04-03</a:t>
-            </a:fld>
+            </a:r>
             <a:endParaRPr lang="ko-KR" altLang="en-US"/>
           </a:p>
         </p:txBody>
@@ -10492,6 +10990,10 @@
           <a:bodyPr/>
           <a:lstStyle/>
           <a:p>
+            <a:r>
+              <a:rPr lang="en-US" altLang="ko-KR" smtClean="0"/>
+              <a:t>written by Sentio</a:t>
+            </a:r>
             <a:endParaRPr lang="ko-KR" altLang="en-US"/>
           </a:p>
         </p:txBody>
@@ -10862,10 +11364,10 @@
           <a:bodyPr/>
           <a:lstStyle/>
           <a:p>
-            <a:fld id="{76A7E85F-F389-4DAD-BFE3-266C3406FF2A}" type="datetimeFigureOut">
-              <a:rPr lang="ko-KR" altLang="en-US" smtClean="0"/>
+            <a:r>
+              <a:rPr lang="en-US" altLang="ko-KR" smtClean="0"/>
               <a:t>2016-04-03</a:t>
-            </a:fld>
+            </a:r>
             <a:endParaRPr lang="ko-KR" altLang="en-US"/>
           </a:p>
         </p:txBody>
@@ -10885,6 +11387,10 @@
           <a:bodyPr/>
           <a:lstStyle/>
           <a:p>
+            <a:r>
+              <a:rPr lang="en-US" altLang="ko-KR" smtClean="0"/>
+              <a:t>written by Sentio</a:t>
+            </a:r>
             <a:endParaRPr lang="ko-KR" altLang="en-US"/>
           </a:p>
         </p:txBody>
@@ -11032,10 +11538,10 @@
           <a:bodyPr/>
           <a:lstStyle/>
           <a:p>
-            <a:fld id="{76A7E85F-F389-4DAD-BFE3-266C3406FF2A}" type="datetimeFigureOut">
-              <a:rPr lang="ko-KR" altLang="en-US" smtClean="0"/>
+            <a:r>
+              <a:rPr lang="en-US" altLang="ko-KR" smtClean="0"/>
               <a:t>2016-04-03</a:t>
-            </a:fld>
+            </a:r>
             <a:endParaRPr lang="ko-KR" altLang="en-US"/>
           </a:p>
         </p:txBody>
@@ -11055,6 +11561,10 @@
           <a:bodyPr/>
           <a:lstStyle/>
           <a:p>
+            <a:r>
+              <a:rPr lang="en-US" altLang="ko-KR" smtClean="0"/>
+              <a:t>written by Sentio</a:t>
+            </a:r>
             <a:endParaRPr lang="ko-KR" altLang="en-US"/>
           </a:p>
         </p:txBody>
@@ -11212,10 +11722,10 @@
           <a:bodyPr/>
           <a:lstStyle/>
           <a:p>
-            <a:fld id="{76A7E85F-F389-4DAD-BFE3-266C3406FF2A}" type="datetimeFigureOut">
-              <a:rPr lang="ko-KR" altLang="en-US" smtClean="0"/>
+            <a:r>
+              <a:rPr lang="en-US" altLang="ko-KR" smtClean="0"/>
               <a:t>2016-04-03</a:t>
-            </a:fld>
+            </a:r>
             <a:endParaRPr lang="ko-KR" altLang="en-US"/>
           </a:p>
         </p:txBody>
@@ -11235,6 +11745,10 @@
           <a:bodyPr/>
           <a:lstStyle/>
           <a:p>
+            <a:r>
+              <a:rPr lang="en-US" altLang="ko-KR" smtClean="0"/>
+              <a:t>written by Sentio</a:t>
+            </a:r>
             <a:endParaRPr lang="ko-KR" altLang="en-US"/>
           </a:p>
         </p:txBody>
@@ -11995,29 +12509,33 @@
           <a:bodyPr/>
           <a:lstStyle/>
           <a:p>
-            <a:fld id="{4BDF68E2-58F2-4D09-BE8B-E3BD06533059}" type="datetimeFigureOut">
+            <a:r>
+              <a:rPr lang="en-US" altLang="ko-KR" smtClean="0"/>
+              <a:t>2016-04-03</a:t>
+            </a:r>
+            <a:endParaRPr lang="en-US" dirty="0"/>
+          </a:p>
+        </p:txBody>
+      </p:sp>
+      <p:sp>
+        <p:nvSpPr>
+          <p:cNvPr id="5" name="Footer Placeholder 4"/>
+          <p:cNvSpPr>
+            <a:spLocks noGrp="1"/>
+          </p:cNvSpPr>
+          <p:nvPr>
+            <p:ph type="ftr" sz="quarter" idx="11"/>
+          </p:nvPr>
+        </p:nvSpPr>
+        <p:spPr/>
+        <p:txBody>
+          <a:bodyPr/>
+          <a:lstStyle/>
+          <a:p>
+            <a:r>
               <a:rPr lang="en-US" smtClean="0"/>
-              <a:t>4/3/2016</a:t>
-            </a:fld>
-            <a:endParaRPr lang="en-US" dirty="0"/>
-          </a:p>
-        </p:txBody>
-      </p:sp>
-      <p:sp>
-        <p:nvSpPr>
-          <p:cNvPr id="5" name="Footer Placeholder 4"/>
-          <p:cNvSpPr>
-            <a:spLocks noGrp="1"/>
-          </p:cNvSpPr>
-          <p:nvPr>
-            <p:ph type="ftr" sz="quarter" idx="11"/>
-          </p:nvPr>
-        </p:nvSpPr>
-        <p:spPr/>
-        <p:txBody>
-          <a:bodyPr/>
-          <a:lstStyle/>
-          <a:p>
+              <a:t>written by Sentio</a:t>
+            </a:r>
             <a:endParaRPr lang="en-US" dirty="0"/>
           </a:p>
         </p:txBody>
@@ -12171,29 +12689,33 @@
           <a:bodyPr/>
           <a:lstStyle/>
           <a:p>
-            <a:fld id="{528FC5F6-F338-4AE4-BB23-26385BCFC423}" type="datetimeFigureOut">
+            <a:r>
+              <a:rPr lang="en-US" altLang="ko-KR" smtClean="0"/>
+              <a:t>2016-04-03</a:t>
+            </a:r>
+            <a:endParaRPr lang="en-US" dirty="0"/>
+          </a:p>
+        </p:txBody>
+      </p:sp>
+      <p:sp>
+        <p:nvSpPr>
+          <p:cNvPr id="5" name="Footer Placeholder 4"/>
+          <p:cNvSpPr>
+            <a:spLocks noGrp="1"/>
+          </p:cNvSpPr>
+          <p:nvPr>
+            <p:ph type="ftr" sz="quarter" idx="11"/>
+          </p:nvPr>
+        </p:nvSpPr>
+        <p:spPr/>
+        <p:txBody>
+          <a:bodyPr/>
+          <a:lstStyle/>
+          <a:p>
+            <a:r>
               <a:rPr lang="en-US" smtClean="0"/>
-              <a:t>4/3/2016</a:t>
-            </a:fld>
-            <a:endParaRPr lang="en-US" dirty="0"/>
-          </a:p>
-        </p:txBody>
-      </p:sp>
-      <p:sp>
-        <p:nvSpPr>
-          <p:cNvPr id="5" name="Footer Placeholder 4"/>
-          <p:cNvSpPr>
-            <a:spLocks noGrp="1"/>
-          </p:cNvSpPr>
-          <p:nvPr>
-            <p:ph type="ftr" sz="quarter" idx="11"/>
-          </p:nvPr>
-        </p:nvSpPr>
-        <p:spPr/>
-        <p:txBody>
-          <a:bodyPr/>
-          <a:lstStyle/>
-          <a:p>
+              <a:t>written by Sentio</a:t>
+            </a:r>
             <a:endParaRPr lang="en-US" dirty="0"/>
           </a:p>
         </p:txBody>
@@ -12418,29 +12940,33 @@
           <a:bodyPr/>
           <a:lstStyle/>
           <a:p>
-            <a:fld id="{20EBB0C4-6273-4C6E-B9BD-2EDC30F1CD52}" type="datetimeFigureOut">
+            <a:r>
+              <a:rPr lang="en-US" altLang="ko-KR" smtClean="0"/>
+              <a:t>2016-04-03</a:t>
+            </a:r>
+            <a:endParaRPr lang="en-US" dirty="0"/>
+          </a:p>
+        </p:txBody>
+      </p:sp>
+      <p:sp>
+        <p:nvSpPr>
+          <p:cNvPr id="5" name="Footer Placeholder 4"/>
+          <p:cNvSpPr>
+            <a:spLocks noGrp="1"/>
+          </p:cNvSpPr>
+          <p:nvPr>
+            <p:ph type="ftr" sz="quarter" idx="11"/>
+          </p:nvPr>
+        </p:nvSpPr>
+        <p:spPr/>
+        <p:txBody>
+          <a:bodyPr/>
+          <a:lstStyle/>
+          <a:p>
+            <a:r>
               <a:rPr lang="en-US" smtClean="0"/>
-              <a:t>4/3/2016</a:t>
-            </a:fld>
-            <a:endParaRPr lang="en-US" dirty="0"/>
-          </a:p>
-        </p:txBody>
-      </p:sp>
-      <p:sp>
-        <p:nvSpPr>
-          <p:cNvPr id="5" name="Footer Placeholder 4"/>
-          <p:cNvSpPr>
-            <a:spLocks noGrp="1"/>
-          </p:cNvSpPr>
-          <p:nvPr>
-            <p:ph type="ftr" sz="quarter" idx="11"/>
-          </p:nvPr>
-        </p:nvSpPr>
-        <p:spPr/>
-        <p:txBody>
-          <a:bodyPr/>
-          <a:lstStyle/>
-          <a:p>
+              <a:t>written by Sentio</a:t>
+            </a:r>
             <a:endParaRPr lang="en-US" dirty="0"/>
           </a:p>
         </p:txBody>
@@ -12650,29 +13176,33 @@
           <a:bodyPr/>
           <a:lstStyle/>
           <a:p>
-            <a:fld id="{19AB4D41-86C1-4908-B66A-0B50CEB3BF29}" type="datetimeFigureOut">
+            <a:r>
+              <a:rPr lang="en-US" altLang="ko-KR" smtClean="0"/>
+              <a:t>2016-04-03</a:t>
+            </a:r>
+            <a:endParaRPr lang="en-US" dirty="0"/>
+          </a:p>
+        </p:txBody>
+      </p:sp>
+      <p:sp>
+        <p:nvSpPr>
+          <p:cNvPr id="6" name="Footer Placeholder 5"/>
+          <p:cNvSpPr>
+            <a:spLocks noGrp="1"/>
+          </p:cNvSpPr>
+          <p:nvPr>
+            <p:ph type="ftr" sz="quarter" idx="11"/>
+          </p:nvPr>
+        </p:nvSpPr>
+        <p:spPr/>
+        <p:txBody>
+          <a:bodyPr/>
+          <a:lstStyle/>
+          <a:p>
+            <a:r>
               <a:rPr lang="en-US" smtClean="0"/>
-              <a:t>4/3/2016</a:t>
-            </a:fld>
-            <a:endParaRPr lang="en-US" dirty="0"/>
-          </a:p>
-        </p:txBody>
-      </p:sp>
-      <p:sp>
-        <p:nvSpPr>
-          <p:cNvPr id="6" name="Footer Placeholder 5"/>
-          <p:cNvSpPr>
-            <a:spLocks noGrp="1"/>
-          </p:cNvSpPr>
-          <p:nvPr>
-            <p:ph type="ftr" sz="quarter" idx="11"/>
-          </p:nvPr>
-        </p:nvSpPr>
-        <p:spPr/>
-        <p:txBody>
-          <a:bodyPr/>
-          <a:lstStyle/>
-          <a:p>
+              <a:t>written by Sentio</a:t>
+            </a:r>
             <a:endParaRPr lang="en-US" dirty="0"/>
           </a:p>
         </p:txBody>
@@ -13024,29 +13554,33 @@
           <a:bodyPr/>
           <a:lstStyle/>
           <a:p>
-            <a:fld id="{E6426E2C-56C1-4E0D-A793-0088A7FDD37E}" type="datetimeFigureOut">
+            <a:r>
+              <a:rPr lang="en-US" altLang="ko-KR" smtClean="0"/>
+              <a:t>2016-04-03</a:t>
+            </a:r>
+            <a:endParaRPr lang="en-US" dirty="0"/>
+          </a:p>
+        </p:txBody>
+      </p:sp>
+      <p:sp>
+        <p:nvSpPr>
+          <p:cNvPr id="8" name="Footer Placeholder 7"/>
+          <p:cNvSpPr>
+            <a:spLocks noGrp="1"/>
+          </p:cNvSpPr>
+          <p:nvPr>
+            <p:ph type="ftr" sz="quarter" idx="11"/>
+          </p:nvPr>
+        </p:nvSpPr>
+        <p:spPr/>
+        <p:txBody>
+          <a:bodyPr/>
+          <a:lstStyle/>
+          <a:p>
+            <a:r>
               <a:rPr lang="en-US" smtClean="0"/>
-              <a:t>4/3/2016</a:t>
-            </a:fld>
-            <a:endParaRPr lang="en-US" dirty="0"/>
-          </a:p>
-        </p:txBody>
-      </p:sp>
-      <p:sp>
-        <p:nvSpPr>
-          <p:cNvPr id="8" name="Footer Placeholder 7"/>
-          <p:cNvSpPr>
-            <a:spLocks noGrp="1"/>
-          </p:cNvSpPr>
-          <p:nvPr>
-            <p:ph type="ftr" sz="quarter" idx="11"/>
-          </p:nvPr>
-        </p:nvSpPr>
-        <p:spPr/>
-        <p:txBody>
-          <a:bodyPr/>
-          <a:lstStyle/>
-          <a:p>
+              <a:t>written by Sentio</a:t>
+            </a:r>
             <a:endParaRPr lang="en-US" dirty="0"/>
           </a:p>
         </p:txBody>
@@ -13147,29 +13681,33 @@
           <a:bodyPr/>
           <a:lstStyle/>
           <a:p>
-            <a:fld id="{C8C39B41-D8B5-4052-B551-9B5525EAA8B6}" type="datetimeFigureOut">
+            <a:r>
+              <a:rPr lang="en-US" altLang="ko-KR" smtClean="0"/>
+              <a:t>2016-04-03</a:t>
+            </a:r>
+            <a:endParaRPr lang="en-US" dirty="0"/>
+          </a:p>
+        </p:txBody>
+      </p:sp>
+      <p:sp>
+        <p:nvSpPr>
+          <p:cNvPr id="4" name="Footer Placeholder 3"/>
+          <p:cNvSpPr>
+            <a:spLocks noGrp="1"/>
+          </p:cNvSpPr>
+          <p:nvPr>
+            <p:ph type="ftr" sz="quarter" idx="11"/>
+          </p:nvPr>
+        </p:nvSpPr>
+        <p:spPr/>
+        <p:txBody>
+          <a:bodyPr/>
+          <a:lstStyle/>
+          <a:p>
+            <a:r>
               <a:rPr lang="en-US" smtClean="0"/>
-              <a:t>4/3/2016</a:t>
-            </a:fld>
-            <a:endParaRPr lang="en-US" dirty="0"/>
-          </a:p>
-        </p:txBody>
-      </p:sp>
-      <p:sp>
-        <p:nvSpPr>
-          <p:cNvPr id="4" name="Footer Placeholder 3"/>
-          <p:cNvSpPr>
-            <a:spLocks noGrp="1"/>
-          </p:cNvSpPr>
-          <p:nvPr>
-            <p:ph type="ftr" sz="quarter" idx="11"/>
-          </p:nvPr>
-        </p:nvSpPr>
-        <p:spPr/>
-        <p:txBody>
-          <a:bodyPr/>
-          <a:lstStyle/>
-          <a:p>
+              <a:t>written by Sentio</a:t>
+            </a:r>
             <a:endParaRPr lang="en-US" dirty="0"/>
           </a:p>
         </p:txBody>
@@ -13526,10 +14064,10 @@
           <a:bodyPr/>
           <a:lstStyle/>
           <a:p>
-            <a:fld id="{E6426E2C-56C1-4E0D-A793-0088A7FDD37E}" type="datetimeFigureOut">
-              <a:rPr lang="en-US" dirty="0"/>
-              <a:t>4/3/2016</a:t>
-            </a:fld>
+            <a:r>
+              <a:rPr lang="en-US" altLang="ko-KR" smtClean="0"/>
+              <a:t>2016-04-03</a:t>
+            </a:r>
             <a:endParaRPr lang="en-US" dirty="0"/>
           </a:p>
         </p:txBody>
@@ -13549,6 +14087,10 @@
           <a:bodyPr/>
           <a:lstStyle/>
           <a:p>
+            <a:r>
+              <a:rPr lang="en-US" smtClean="0"/>
+              <a:t>written by Sentio</a:t>
+            </a:r>
             <a:endParaRPr lang="en-US" dirty="0"/>
           </a:p>
         </p:txBody>
@@ -13621,29 +14163,33 @@
           <a:bodyPr/>
           <a:lstStyle/>
           <a:p>
-            <a:fld id="{4D94136C-8742-45B2-AF27-D93DF72833A9}" type="datetimeFigureOut">
+            <a:r>
+              <a:rPr lang="en-US" altLang="ko-KR" smtClean="0"/>
+              <a:t>2016-04-03</a:t>
+            </a:r>
+            <a:endParaRPr lang="en-US" dirty="0"/>
+          </a:p>
+        </p:txBody>
+      </p:sp>
+      <p:sp>
+        <p:nvSpPr>
+          <p:cNvPr id="3" name="Footer Placeholder 2"/>
+          <p:cNvSpPr>
+            <a:spLocks noGrp="1"/>
+          </p:cNvSpPr>
+          <p:nvPr>
+            <p:ph type="ftr" sz="quarter" idx="11"/>
+          </p:nvPr>
+        </p:nvSpPr>
+        <p:spPr/>
+        <p:txBody>
+          <a:bodyPr/>
+          <a:lstStyle/>
+          <a:p>
+            <a:r>
               <a:rPr lang="en-US" smtClean="0"/>
-              <a:t>4/3/2016</a:t>
-            </a:fld>
-            <a:endParaRPr lang="en-US" dirty="0"/>
-          </a:p>
-        </p:txBody>
-      </p:sp>
-      <p:sp>
-        <p:nvSpPr>
-          <p:cNvPr id="3" name="Footer Placeholder 2"/>
-          <p:cNvSpPr>
-            <a:spLocks noGrp="1"/>
-          </p:cNvSpPr>
-          <p:nvPr>
-            <p:ph type="ftr" sz="quarter" idx="11"/>
-          </p:nvPr>
-        </p:nvSpPr>
-        <p:spPr/>
-        <p:txBody>
-          <a:bodyPr/>
-          <a:lstStyle/>
-          <a:p>
+              <a:t>written by Sentio</a:t>
+            </a:r>
             <a:endParaRPr lang="en-US" dirty="0"/>
           </a:p>
         </p:txBody>
@@ -13877,29 +14423,33 @@
           <a:bodyPr/>
           <a:lstStyle/>
           <a:p>
-            <a:fld id="{32ABBEA6-7C60-4B02-AE87-00D78D8422AF}" type="datetimeFigureOut">
+            <a:r>
+              <a:rPr lang="en-US" altLang="ko-KR" smtClean="0"/>
+              <a:t>2016-04-03</a:t>
+            </a:r>
+            <a:endParaRPr lang="en-US" dirty="0"/>
+          </a:p>
+        </p:txBody>
+      </p:sp>
+      <p:sp>
+        <p:nvSpPr>
+          <p:cNvPr id="6" name="Footer Placeholder 5"/>
+          <p:cNvSpPr>
+            <a:spLocks noGrp="1"/>
+          </p:cNvSpPr>
+          <p:nvPr>
+            <p:ph type="ftr" sz="quarter" idx="11"/>
+          </p:nvPr>
+        </p:nvSpPr>
+        <p:spPr/>
+        <p:txBody>
+          <a:bodyPr/>
+          <a:lstStyle/>
+          <a:p>
+            <a:r>
               <a:rPr lang="en-US" smtClean="0"/>
-              <a:t>4/3/2016</a:t>
-            </a:fld>
-            <a:endParaRPr lang="en-US" dirty="0"/>
-          </a:p>
-        </p:txBody>
-      </p:sp>
-      <p:sp>
-        <p:nvSpPr>
-          <p:cNvPr id="6" name="Footer Placeholder 5"/>
-          <p:cNvSpPr>
-            <a:spLocks noGrp="1"/>
-          </p:cNvSpPr>
-          <p:nvPr>
-            <p:ph type="ftr" sz="quarter" idx="11"/>
-          </p:nvPr>
-        </p:nvSpPr>
-        <p:spPr/>
-        <p:txBody>
-          <a:bodyPr/>
-          <a:lstStyle/>
-          <a:p>
+              <a:t>written by Sentio</a:t>
+            </a:r>
             <a:endParaRPr lang="en-US" dirty="0"/>
           </a:p>
         </p:txBody>
@@ -14141,29 +14691,33 @@
           <a:bodyPr/>
           <a:lstStyle/>
           <a:p>
-            <a:fld id="{C9CAD897-D46E-4AD2-BD9B-49DD3E640873}" type="datetimeFigureOut">
+            <a:r>
+              <a:rPr lang="en-US" altLang="ko-KR" smtClean="0"/>
+              <a:t>2016-04-03</a:t>
+            </a:r>
+            <a:endParaRPr lang="en-US" dirty="0"/>
+          </a:p>
+        </p:txBody>
+      </p:sp>
+      <p:sp>
+        <p:nvSpPr>
+          <p:cNvPr id="6" name="Footer Placeholder 5"/>
+          <p:cNvSpPr>
+            <a:spLocks noGrp="1"/>
+          </p:cNvSpPr>
+          <p:nvPr>
+            <p:ph type="ftr" sz="quarter" idx="11"/>
+          </p:nvPr>
+        </p:nvSpPr>
+        <p:spPr/>
+        <p:txBody>
+          <a:bodyPr/>
+          <a:lstStyle/>
+          <a:p>
+            <a:r>
               <a:rPr lang="en-US" smtClean="0"/>
-              <a:t>4/3/2016</a:t>
-            </a:fld>
-            <a:endParaRPr lang="en-US" dirty="0"/>
-          </a:p>
-        </p:txBody>
-      </p:sp>
-      <p:sp>
-        <p:nvSpPr>
-          <p:cNvPr id="6" name="Footer Placeholder 5"/>
-          <p:cNvSpPr>
-            <a:spLocks noGrp="1"/>
-          </p:cNvSpPr>
-          <p:nvPr>
-            <p:ph type="ftr" sz="quarter" idx="11"/>
-          </p:nvPr>
-        </p:nvSpPr>
-        <p:spPr/>
-        <p:txBody>
-          <a:bodyPr/>
-          <a:lstStyle/>
-          <a:p>
+              <a:t>written by Sentio</a:t>
+            </a:r>
             <a:endParaRPr lang="en-US" dirty="0"/>
           </a:p>
         </p:txBody>
@@ -14392,29 +14946,33 @@
           <a:bodyPr/>
           <a:lstStyle/>
           <a:p>
-            <a:fld id="{98624D31-43A5-475A-80CF-332C9F6DCF35}" type="datetimeFigureOut">
+            <a:r>
+              <a:rPr lang="en-US" altLang="ko-KR" smtClean="0"/>
+              <a:t>2016-04-03</a:t>
+            </a:r>
+            <a:endParaRPr lang="en-US" dirty="0"/>
+          </a:p>
+        </p:txBody>
+      </p:sp>
+      <p:sp>
+        <p:nvSpPr>
+          <p:cNvPr id="5" name="Footer Placeholder 4"/>
+          <p:cNvSpPr>
+            <a:spLocks noGrp="1"/>
+          </p:cNvSpPr>
+          <p:nvPr>
+            <p:ph type="ftr" sz="quarter" idx="11"/>
+          </p:nvPr>
+        </p:nvSpPr>
+        <p:spPr/>
+        <p:txBody>
+          <a:bodyPr/>
+          <a:lstStyle/>
+          <a:p>
+            <a:r>
               <a:rPr lang="en-US" smtClean="0"/>
-              <a:t>4/3/2016</a:t>
-            </a:fld>
-            <a:endParaRPr lang="en-US" dirty="0"/>
-          </a:p>
-        </p:txBody>
-      </p:sp>
-      <p:sp>
-        <p:nvSpPr>
-          <p:cNvPr id="5" name="Footer Placeholder 4"/>
-          <p:cNvSpPr>
-            <a:spLocks noGrp="1"/>
-          </p:cNvSpPr>
-          <p:nvPr>
-            <p:ph type="ftr" sz="quarter" idx="11"/>
-          </p:nvPr>
-        </p:nvSpPr>
-        <p:spPr/>
-        <p:txBody>
-          <a:bodyPr/>
-          <a:lstStyle/>
-          <a:p>
+              <a:t>written by Sentio</a:t>
+            </a:r>
             <a:endParaRPr lang="en-US" dirty="0"/>
           </a:p>
         </p:txBody>
@@ -14453,7 +15011,6 @@
   <p:clrMapOvr>
     <a:masterClrMapping/>
   </p:clrMapOvr>
-  <p:hf sldNum="0" hdr="0" ftr="0" dt="0"/>
 </p:sldLayout>
 </file>
 
@@ -14708,29 +15265,33 @@
           <a:bodyPr/>
           <a:lstStyle/>
           <a:p>
-            <a:fld id="{98624D31-43A5-475A-80CF-332C9F6DCF35}" type="datetimeFigureOut">
+            <a:r>
+              <a:rPr lang="en-US" altLang="ko-KR" smtClean="0"/>
+              <a:t>2016-04-03</a:t>
+            </a:r>
+            <a:endParaRPr lang="en-US" dirty="0"/>
+          </a:p>
+        </p:txBody>
+      </p:sp>
+      <p:sp>
+        <p:nvSpPr>
+          <p:cNvPr id="5" name="Footer Placeholder 4"/>
+          <p:cNvSpPr>
+            <a:spLocks noGrp="1"/>
+          </p:cNvSpPr>
+          <p:nvPr>
+            <p:ph type="ftr" sz="quarter" idx="11"/>
+          </p:nvPr>
+        </p:nvSpPr>
+        <p:spPr/>
+        <p:txBody>
+          <a:bodyPr/>
+          <a:lstStyle/>
+          <a:p>
+            <a:r>
               <a:rPr lang="en-US" smtClean="0"/>
-              <a:t>4/3/2016</a:t>
-            </a:fld>
-            <a:endParaRPr lang="en-US" dirty="0"/>
-          </a:p>
-        </p:txBody>
-      </p:sp>
-      <p:sp>
-        <p:nvSpPr>
-          <p:cNvPr id="5" name="Footer Placeholder 4"/>
-          <p:cNvSpPr>
-            <a:spLocks noGrp="1"/>
-          </p:cNvSpPr>
-          <p:nvPr>
-            <p:ph type="ftr" sz="quarter" idx="11"/>
-          </p:nvPr>
-        </p:nvSpPr>
-        <p:spPr/>
-        <p:txBody>
-          <a:bodyPr/>
-          <a:lstStyle/>
-          <a:p>
+              <a:t>written by Sentio</a:t>
+            </a:r>
             <a:endParaRPr lang="en-US" dirty="0"/>
           </a:p>
         </p:txBody>
@@ -14859,7 +15420,6 @@
   <p:clrMapOvr>
     <a:masterClrMapping/>
   </p:clrMapOvr>
-  <p:hf sldNum="0" hdr="0" ftr="0" dt="0"/>
 </p:sldLayout>
 </file>
 
@@ -15051,29 +15611,33 @@
           <a:bodyPr/>
           <a:lstStyle/>
           <a:p>
-            <a:fld id="{98624D31-43A5-475A-80CF-332C9F6DCF35}" type="datetimeFigureOut">
+            <a:r>
+              <a:rPr lang="en-US" altLang="ko-KR" smtClean="0"/>
+              <a:t>2016-04-03</a:t>
+            </a:r>
+            <a:endParaRPr lang="en-US" dirty="0"/>
+          </a:p>
+        </p:txBody>
+      </p:sp>
+      <p:sp>
+        <p:nvSpPr>
+          <p:cNvPr id="5" name="Footer Placeholder 4"/>
+          <p:cNvSpPr>
+            <a:spLocks noGrp="1"/>
+          </p:cNvSpPr>
+          <p:nvPr>
+            <p:ph type="ftr" sz="quarter" idx="11"/>
+          </p:nvPr>
+        </p:nvSpPr>
+        <p:spPr/>
+        <p:txBody>
+          <a:bodyPr/>
+          <a:lstStyle/>
+          <a:p>
+            <a:r>
               <a:rPr lang="en-US" smtClean="0"/>
-              <a:t>4/3/2016</a:t>
-            </a:fld>
-            <a:endParaRPr lang="en-US" dirty="0"/>
-          </a:p>
-        </p:txBody>
-      </p:sp>
-      <p:sp>
-        <p:nvSpPr>
-          <p:cNvPr id="5" name="Footer Placeholder 4"/>
-          <p:cNvSpPr>
-            <a:spLocks noGrp="1"/>
-          </p:cNvSpPr>
-          <p:nvPr>
-            <p:ph type="ftr" sz="quarter" idx="11"/>
-          </p:nvPr>
-        </p:nvSpPr>
-        <p:spPr/>
-        <p:txBody>
-          <a:bodyPr/>
-          <a:lstStyle/>
-          <a:p>
+              <a:t>written by Sentio</a:t>
+            </a:r>
             <a:endParaRPr lang="en-US" dirty="0"/>
           </a:p>
         </p:txBody>
@@ -15112,7 +15676,6 @@
   <p:clrMapOvr>
     <a:masterClrMapping/>
   </p:clrMapOvr>
-  <p:hf sldNum="0" hdr="0" ftr="0" dt="0"/>
 </p:sldLayout>
 </file>
 
@@ -15367,29 +15930,33 @@
           <a:bodyPr/>
           <a:lstStyle/>
           <a:p>
-            <a:fld id="{98624D31-43A5-475A-80CF-332C9F6DCF35}" type="datetimeFigureOut">
+            <a:r>
+              <a:rPr lang="en-US" altLang="ko-KR" smtClean="0"/>
+              <a:t>2016-04-03</a:t>
+            </a:r>
+            <a:endParaRPr lang="en-US" dirty="0"/>
+          </a:p>
+        </p:txBody>
+      </p:sp>
+      <p:sp>
+        <p:nvSpPr>
+          <p:cNvPr id="5" name="Footer Placeholder 4"/>
+          <p:cNvSpPr>
+            <a:spLocks noGrp="1"/>
+          </p:cNvSpPr>
+          <p:nvPr>
+            <p:ph type="ftr" sz="quarter" idx="11"/>
+          </p:nvPr>
+        </p:nvSpPr>
+        <p:spPr/>
+        <p:txBody>
+          <a:bodyPr/>
+          <a:lstStyle/>
+          <a:p>
+            <a:r>
               <a:rPr lang="en-US" smtClean="0"/>
-              <a:t>4/3/2016</a:t>
-            </a:fld>
-            <a:endParaRPr lang="en-US" dirty="0"/>
-          </a:p>
-        </p:txBody>
-      </p:sp>
-      <p:sp>
-        <p:nvSpPr>
-          <p:cNvPr id="5" name="Footer Placeholder 4"/>
-          <p:cNvSpPr>
-            <a:spLocks noGrp="1"/>
-          </p:cNvSpPr>
-          <p:nvPr>
-            <p:ph type="ftr" sz="quarter" idx="11"/>
-          </p:nvPr>
-        </p:nvSpPr>
-        <p:spPr/>
-        <p:txBody>
-          <a:bodyPr/>
-          <a:lstStyle/>
-          <a:p>
+              <a:t>written by Sentio</a:t>
+            </a:r>
             <a:endParaRPr lang="en-US" dirty="0"/>
           </a:p>
         </p:txBody>
@@ -15510,7 +16077,6 @@
   <p:clrMapOvr>
     <a:masterClrMapping/>
   </p:clrMapOvr>
-  <p:hf sldNum="0" hdr="0" ftr="0" dt="0"/>
 </p:sldLayout>
 </file>
 
@@ -15762,29 +16328,33 @@
           <a:bodyPr/>
           <a:lstStyle/>
           <a:p>
-            <a:fld id="{98624D31-43A5-475A-80CF-332C9F6DCF35}" type="datetimeFigureOut">
+            <a:r>
+              <a:rPr lang="en-US" altLang="ko-KR" smtClean="0"/>
+              <a:t>2016-04-03</a:t>
+            </a:r>
+            <a:endParaRPr lang="en-US" dirty="0"/>
+          </a:p>
+        </p:txBody>
+      </p:sp>
+      <p:sp>
+        <p:nvSpPr>
+          <p:cNvPr id="5" name="Footer Placeholder 4"/>
+          <p:cNvSpPr>
+            <a:spLocks noGrp="1"/>
+          </p:cNvSpPr>
+          <p:nvPr>
+            <p:ph type="ftr" sz="quarter" idx="11"/>
+          </p:nvPr>
+        </p:nvSpPr>
+        <p:spPr/>
+        <p:txBody>
+          <a:bodyPr/>
+          <a:lstStyle/>
+          <a:p>
+            <a:r>
               <a:rPr lang="en-US" smtClean="0"/>
-              <a:t>4/3/2016</a:t>
-            </a:fld>
-            <a:endParaRPr lang="en-US" dirty="0"/>
-          </a:p>
-        </p:txBody>
-      </p:sp>
-      <p:sp>
-        <p:nvSpPr>
-          <p:cNvPr id="5" name="Footer Placeholder 4"/>
-          <p:cNvSpPr>
-            <a:spLocks noGrp="1"/>
-          </p:cNvSpPr>
-          <p:nvPr>
-            <p:ph type="ftr" sz="quarter" idx="11"/>
-          </p:nvPr>
-        </p:nvSpPr>
-        <p:spPr/>
-        <p:txBody>
-          <a:bodyPr/>
-          <a:lstStyle/>
-          <a:p>
+              <a:t>written by Sentio</a:t>
+            </a:r>
             <a:endParaRPr lang="en-US" dirty="0"/>
           </a:p>
         </p:txBody>
@@ -15823,7 +16393,6 @@
   <p:clrMapOvr>
     <a:masterClrMapping/>
   </p:clrMapOvr>
-  <p:hf sldNum="0" hdr="0" ftr="0" dt="0"/>
 </p:sldLayout>
 </file>
 
@@ -15934,29 +16503,33 @@
           <a:bodyPr/>
           <a:lstStyle/>
           <a:p>
-            <a:fld id="{2E2D6473-DF6D-4702-B328-E0DD40540A4E}" type="datetimeFigureOut">
+            <a:r>
+              <a:rPr lang="en-US" altLang="ko-KR" smtClean="0"/>
+              <a:t>2016-04-03</a:t>
+            </a:r>
+            <a:endParaRPr lang="en-US" dirty="0"/>
+          </a:p>
+        </p:txBody>
+      </p:sp>
+      <p:sp>
+        <p:nvSpPr>
+          <p:cNvPr id="5" name="Footer Placeholder 4"/>
+          <p:cNvSpPr>
+            <a:spLocks noGrp="1"/>
+          </p:cNvSpPr>
+          <p:nvPr>
+            <p:ph type="ftr" sz="quarter" idx="11"/>
+          </p:nvPr>
+        </p:nvSpPr>
+        <p:spPr/>
+        <p:txBody>
+          <a:bodyPr/>
+          <a:lstStyle/>
+          <a:p>
+            <a:r>
               <a:rPr lang="en-US" smtClean="0"/>
-              <a:t>4/3/2016</a:t>
-            </a:fld>
-            <a:endParaRPr lang="en-US" dirty="0"/>
-          </a:p>
-        </p:txBody>
-      </p:sp>
-      <p:sp>
-        <p:nvSpPr>
-          <p:cNvPr id="5" name="Footer Placeholder 4"/>
-          <p:cNvSpPr>
-            <a:spLocks noGrp="1"/>
-          </p:cNvSpPr>
-          <p:nvPr>
-            <p:ph type="ftr" sz="quarter" idx="11"/>
-          </p:nvPr>
-        </p:nvSpPr>
-        <p:spPr/>
-        <p:txBody>
-          <a:bodyPr/>
-          <a:lstStyle/>
-          <a:p>
+              <a:t>written by Sentio</a:t>
+            </a:r>
             <a:endParaRPr lang="en-US" dirty="0"/>
           </a:p>
         </p:txBody>
@@ -16114,29 +16687,33 @@
           <a:bodyPr/>
           <a:lstStyle/>
           <a:p>
-            <a:fld id="{E26F7E3A-B166-407D-9866-32884E7D5B37}" type="datetimeFigureOut">
+            <a:r>
+              <a:rPr lang="en-US" altLang="ko-KR" smtClean="0"/>
+              <a:t>2016-04-03</a:t>
+            </a:r>
+            <a:endParaRPr lang="en-US" dirty="0"/>
+          </a:p>
+        </p:txBody>
+      </p:sp>
+      <p:sp>
+        <p:nvSpPr>
+          <p:cNvPr id="5" name="Footer Placeholder 4"/>
+          <p:cNvSpPr>
+            <a:spLocks noGrp="1"/>
+          </p:cNvSpPr>
+          <p:nvPr>
+            <p:ph type="ftr" sz="quarter" idx="11"/>
+          </p:nvPr>
+        </p:nvSpPr>
+        <p:spPr/>
+        <p:txBody>
+          <a:bodyPr/>
+          <a:lstStyle/>
+          <a:p>
+            <a:r>
               <a:rPr lang="en-US" smtClean="0"/>
-              <a:t>4/3/2016</a:t>
-            </a:fld>
-            <a:endParaRPr lang="en-US" dirty="0"/>
-          </a:p>
-        </p:txBody>
-      </p:sp>
-      <p:sp>
-        <p:nvSpPr>
-          <p:cNvPr id="5" name="Footer Placeholder 4"/>
-          <p:cNvSpPr>
-            <a:spLocks noGrp="1"/>
-          </p:cNvSpPr>
-          <p:nvPr>
-            <p:ph type="ftr" sz="quarter" idx="11"/>
-          </p:nvPr>
-        </p:nvSpPr>
-        <p:spPr/>
-        <p:txBody>
-          <a:bodyPr/>
-          <a:lstStyle/>
-          <a:p>
+              <a:t>written by Sentio</a:t>
+            </a:r>
             <a:endParaRPr lang="en-US" dirty="0"/>
           </a:p>
         </p:txBody>
@@ -16232,10 +16809,10 @@
           <a:bodyPr/>
           <a:lstStyle/>
           <a:p>
-            <a:fld id="{C8C39B41-D8B5-4052-B551-9B5525EAA8B6}" type="datetimeFigureOut">
-              <a:rPr lang="en-US" dirty="0"/>
-              <a:t>4/3/2016</a:t>
-            </a:fld>
+            <a:r>
+              <a:rPr lang="en-US" altLang="ko-KR" smtClean="0"/>
+              <a:t>2016-04-03</a:t>
+            </a:r>
             <a:endParaRPr lang="en-US" dirty="0"/>
           </a:p>
         </p:txBody>
@@ -16255,6 +16832,10 @@
           <a:bodyPr/>
           <a:lstStyle/>
           <a:p>
+            <a:r>
+              <a:rPr lang="en-US" smtClean="0"/>
+              <a:t>written by Sentio</a:t>
+            </a:r>
             <a:endParaRPr lang="en-US" dirty="0"/>
           </a:p>
         </p:txBody>
@@ -17015,29 +17596,33 @@
           <a:bodyPr/>
           <a:lstStyle/>
           <a:p>
-            <a:fld id="{4BDF68E2-58F2-4D09-BE8B-E3BD06533059}" type="datetimeFigureOut">
+            <a:r>
+              <a:rPr lang="en-US" altLang="ko-KR" smtClean="0"/>
+              <a:t>2016-04-03</a:t>
+            </a:r>
+            <a:endParaRPr lang="en-US" dirty="0"/>
+          </a:p>
+        </p:txBody>
+      </p:sp>
+      <p:sp>
+        <p:nvSpPr>
+          <p:cNvPr id="5" name="Footer Placeholder 4"/>
+          <p:cNvSpPr>
+            <a:spLocks noGrp="1"/>
+          </p:cNvSpPr>
+          <p:nvPr>
+            <p:ph type="ftr" sz="quarter" idx="11"/>
+          </p:nvPr>
+        </p:nvSpPr>
+        <p:spPr/>
+        <p:txBody>
+          <a:bodyPr/>
+          <a:lstStyle/>
+          <a:p>
+            <a:r>
               <a:rPr lang="en-US" smtClean="0"/>
-              <a:t>4/3/2016</a:t>
-            </a:fld>
-            <a:endParaRPr lang="en-US" dirty="0"/>
-          </a:p>
-        </p:txBody>
-      </p:sp>
-      <p:sp>
-        <p:nvSpPr>
-          <p:cNvPr id="5" name="Footer Placeholder 4"/>
-          <p:cNvSpPr>
-            <a:spLocks noGrp="1"/>
-          </p:cNvSpPr>
-          <p:nvPr>
-            <p:ph type="ftr" sz="quarter" idx="11"/>
-          </p:nvPr>
-        </p:nvSpPr>
-        <p:spPr/>
-        <p:txBody>
-          <a:bodyPr/>
-          <a:lstStyle/>
-          <a:p>
+              <a:t>written by Sentio</a:t>
+            </a:r>
             <a:endParaRPr lang="en-US" dirty="0"/>
           </a:p>
         </p:txBody>
@@ -17191,29 +17776,33 @@
           <a:bodyPr/>
           <a:lstStyle/>
           <a:p>
-            <a:fld id="{528FC5F6-F338-4AE4-BB23-26385BCFC423}" type="datetimeFigureOut">
+            <a:r>
+              <a:rPr lang="en-US" altLang="ko-KR" smtClean="0"/>
+              <a:t>2016-04-03</a:t>
+            </a:r>
+            <a:endParaRPr lang="en-US" dirty="0"/>
+          </a:p>
+        </p:txBody>
+      </p:sp>
+      <p:sp>
+        <p:nvSpPr>
+          <p:cNvPr id="5" name="Footer Placeholder 4"/>
+          <p:cNvSpPr>
+            <a:spLocks noGrp="1"/>
+          </p:cNvSpPr>
+          <p:nvPr>
+            <p:ph type="ftr" sz="quarter" idx="11"/>
+          </p:nvPr>
+        </p:nvSpPr>
+        <p:spPr/>
+        <p:txBody>
+          <a:bodyPr/>
+          <a:lstStyle/>
+          <a:p>
+            <a:r>
               <a:rPr lang="en-US" smtClean="0"/>
-              <a:t>4/3/2016</a:t>
-            </a:fld>
-            <a:endParaRPr lang="en-US" dirty="0"/>
-          </a:p>
-        </p:txBody>
-      </p:sp>
-      <p:sp>
-        <p:nvSpPr>
-          <p:cNvPr id="5" name="Footer Placeholder 4"/>
-          <p:cNvSpPr>
-            <a:spLocks noGrp="1"/>
-          </p:cNvSpPr>
-          <p:nvPr>
-            <p:ph type="ftr" sz="quarter" idx="11"/>
-          </p:nvPr>
-        </p:nvSpPr>
-        <p:spPr/>
-        <p:txBody>
-          <a:bodyPr/>
-          <a:lstStyle/>
-          <a:p>
+              <a:t>written by Sentio</a:t>
+            </a:r>
             <a:endParaRPr lang="en-US" dirty="0"/>
           </a:p>
         </p:txBody>
@@ -17438,29 +18027,33 @@
           <a:bodyPr/>
           <a:lstStyle/>
           <a:p>
-            <a:fld id="{20EBB0C4-6273-4C6E-B9BD-2EDC30F1CD52}" type="datetimeFigureOut">
+            <a:r>
+              <a:rPr lang="en-US" altLang="ko-KR" smtClean="0"/>
+              <a:t>2016-04-03</a:t>
+            </a:r>
+            <a:endParaRPr lang="en-US" dirty="0"/>
+          </a:p>
+        </p:txBody>
+      </p:sp>
+      <p:sp>
+        <p:nvSpPr>
+          <p:cNvPr id="5" name="Footer Placeholder 4"/>
+          <p:cNvSpPr>
+            <a:spLocks noGrp="1"/>
+          </p:cNvSpPr>
+          <p:nvPr>
+            <p:ph type="ftr" sz="quarter" idx="11"/>
+          </p:nvPr>
+        </p:nvSpPr>
+        <p:spPr/>
+        <p:txBody>
+          <a:bodyPr/>
+          <a:lstStyle/>
+          <a:p>
+            <a:r>
               <a:rPr lang="en-US" smtClean="0"/>
-              <a:t>4/3/2016</a:t>
-            </a:fld>
-            <a:endParaRPr lang="en-US" dirty="0"/>
-          </a:p>
-        </p:txBody>
-      </p:sp>
-      <p:sp>
-        <p:nvSpPr>
-          <p:cNvPr id="5" name="Footer Placeholder 4"/>
-          <p:cNvSpPr>
-            <a:spLocks noGrp="1"/>
-          </p:cNvSpPr>
-          <p:nvPr>
-            <p:ph type="ftr" sz="quarter" idx="11"/>
-          </p:nvPr>
-        </p:nvSpPr>
-        <p:spPr/>
-        <p:txBody>
-          <a:bodyPr/>
-          <a:lstStyle/>
-          <a:p>
+              <a:t>written by Sentio</a:t>
+            </a:r>
             <a:endParaRPr lang="en-US" dirty="0"/>
           </a:p>
         </p:txBody>
@@ -17670,29 +18263,33 @@
           <a:bodyPr/>
           <a:lstStyle/>
           <a:p>
-            <a:fld id="{19AB4D41-86C1-4908-B66A-0B50CEB3BF29}" type="datetimeFigureOut">
+            <a:r>
+              <a:rPr lang="en-US" altLang="ko-KR" smtClean="0"/>
+              <a:t>2016-04-03</a:t>
+            </a:r>
+            <a:endParaRPr lang="en-US" dirty="0"/>
+          </a:p>
+        </p:txBody>
+      </p:sp>
+      <p:sp>
+        <p:nvSpPr>
+          <p:cNvPr id="6" name="Footer Placeholder 5"/>
+          <p:cNvSpPr>
+            <a:spLocks noGrp="1"/>
+          </p:cNvSpPr>
+          <p:nvPr>
+            <p:ph type="ftr" sz="quarter" idx="11"/>
+          </p:nvPr>
+        </p:nvSpPr>
+        <p:spPr/>
+        <p:txBody>
+          <a:bodyPr/>
+          <a:lstStyle/>
+          <a:p>
+            <a:r>
               <a:rPr lang="en-US" smtClean="0"/>
-              <a:t>4/3/2016</a:t>
-            </a:fld>
-            <a:endParaRPr lang="en-US" dirty="0"/>
-          </a:p>
-        </p:txBody>
-      </p:sp>
-      <p:sp>
-        <p:nvSpPr>
-          <p:cNvPr id="6" name="Footer Placeholder 5"/>
-          <p:cNvSpPr>
-            <a:spLocks noGrp="1"/>
-          </p:cNvSpPr>
-          <p:nvPr>
-            <p:ph type="ftr" sz="quarter" idx="11"/>
-          </p:nvPr>
-        </p:nvSpPr>
-        <p:spPr/>
-        <p:txBody>
-          <a:bodyPr/>
-          <a:lstStyle/>
-          <a:p>
+              <a:t>written by Sentio</a:t>
+            </a:r>
             <a:endParaRPr lang="en-US" dirty="0"/>
           </a:p>
         </p:txBody>
@@ -18044,29 +18641,33 @@
           <a:bodyPr/>
           <a:lstStyle/>
           <a:p>
-            <a:fld id="{E6426E2C-56C1-4E0D-A793-0088A7FDD37E}" type="datetimeFigureOut">
+            <a:r>
+              <a:rPr lang="en-US" altLang="ko-KR" smtClean="0"/>
+              <a:t>2016-04-03</a:t>
+            </a:r>
+            <a:endParaRPr lang="en-US" dirty="0"/>
+          </a:p>
+        </p:txBody>
+      </p:sp>
+      <p:sp>
+        <p:nvSpPr>
+          <p:cNvPr id="8" name="Footer Placeholder 7"/>
+          <p:cNvSpPr>
+            <a:spLocks noGrp="1"/>
+          </p:cNvSpPr>
+          <p:nvPr>
+            <p:ph type="ftr" sz="quarter" idx="11"/>
+          </p:nvPr>
+        </p:nvSpPr>
+        <p:spPr/>
+        <p:txBody>
+          <a:bodyPr/>
+          <a:lstStyle/>
+          <a:p>
+            <a:r>
               <a:rPr lang="en-US" smtClean="0"/>
-              <a:t>4/3/2016</a:t>
-            </a:fld>
-            <a:endParaRPr lang="en-US" dirty="0"/>
-          </a:p>
-        </p:txBody>
-      </p:sp>
-      <p:sp>
-        <p:nvSpPr>
-          <p:cNvPr id="8" name="Footer Placeholder 7"/>
-          <p:cNvSpPr>
-            <a:spLocks noGrp="1"/>
-          </p:cNvSpPr>
-          <p:nvPr>
-            <p:ph type="ftr" sz="quarter" idx="11"/>
-          </p:nvPr>
-        </p:nvSpPr>
-        <p:spPr/>
-        <p:txBody>
-          <a:bodyPr/>
-          <a:lstStyle/>
-          <a:p>
+              <a:t>written by Sentio</a:t>
+            </a:r>
             <a:endParaRPr lang="en-US" dirty="0"/>
           </a:p>
         </p:txBody>
@@ -18167,29 +18768,33 @@
           <a:bodyPr/>
           <a:lstStyle/>
           <a:p>
-            <a:fld id="{C8C39B41-D8B5-4052-B551-9B5525EAA8B6}" type="datetimeFigureOut">
+            <a:r>
+              <a:rPr lang="en-US" altLang="ko-KR" smtClean="0"/>
+              <a:t>2016-04-03</a:t>
+            </a:r>
+            <a:endParaRPr lang="en-US" dirty="0"/>
+          </a:p>
+        </p:txBody>
+      </p:sp>
+      <p:sp>
+        <p:nvSpPr>
+          <p:cNvPr id="4" name="Footer Placeholder 3"/>
+          <p:cNvSpPr>
+            <a:spLocks noGrp="1"/>
+          </p:cNvSpPr>
+          <p:nvPr>
+            <p:ph type="ftr" sz="quarter" idx="11"/>
+          </p:nvPr>
+        </p:nvSpPr>
+        <p:spPr/>
+        <p:txBody>
+          <a:bodyPr/>
+          <a:lstStyle/>
+          <a:p>
+            <a:r>
               <a:rPr lang="en-US" smtClean="0"/>
-              <a:t>4/3/2016</a:t>
-            </a:fld>
-            <a:endParaRPr lang="en-US" dirty="0"/>
-          </a:p>
-        </p:txBody>
-      </p:sp>
-      <p:sp>
-        <p:nvSpPr>
-          <p:cNvPr id="4" name="Footer Placeholder 3"/>
-          <p:cNvSpPr>
-            <a:spLocks noGrp="1"/>
-          </p:cNvSpPr>
-          <p:nvPr>
-            <p:ph type="ftr" sz="quarter" idx="11"/>
-          </p:nvPr>
-        </p:nvSpPr>
-        <p:spPr/>
-        <p:txBody>
-          <a:bodyPr/>
-          <a:lstStyle/>
-          <a:p>
+              <a:t>written by Sentio</a:t>
+            </a:r>
             <a:endParaRPr lang="en-US" dirty="0"/>
           </a:p>
         </p:txBody>
@@ -18262,29 +18867,33 @@
           <a:bodyPr/>
           <a:lstStyle/>
           <a:p>
-            <a:fld id="{4D94136C-8742-45B2-AF27-D93DF72833A9}" type="datetimeFigureOut">
+            <a:r>
+              <a:rPr lang="en-US" altLang="ko-KR" smtClean="0"/>
+              <a:t>2016-04-03</a:t>
+            </a:r>
+            <a:endParaRPr lang="en-US" dirty="0"/>
+          </a:p>
+        </p:txBody>
+      </p:sp>
+      <p:sp>
+        <p:nvSpPr>
+          <p:cNvPr id="3" name="Footer Placeholder 2"/>
+          <p:cNvSpPr>
+            <a:spLocks noGrp="1"/>
+          </p:cNvSpPr>
+          <p:nvPr>
+            <p:ph type="ftr" sz="quarter" idx="11"/>
+          </p:nvPr>
+        </p:nvSpPr>
+        <p:spPr/>
+        <p:txBody>
+          <a:bodyPr/>
+          <a:lstStyle/>
+          <a:p>
+            <a:r>
               <a:rPr lang="en-US" smtClean="0"/>
-              <a:t>4/3/2016</a:t>
-            </a:fld>
-            <a:endParaRPr lang="en-US" dirty="0"/>
-          </a:p>
-        </p:txBody>
-      </p:sp>
-      <p:sp>
-        <p:nvSpPr>
-          <p:cNvPr id="3" name="Footer Placeholder 2"/>
-          <p:cNvSpPr>
-            <a:spLocks noGrp="1"/>
-          </p:cNvSpPr>
-          <p:nvPr>
-            <p:ph type="ftr" sz="quarter" idx="11"/>
-          </p:nvPr>
-        </p:nvSpPr>
-        <p:spPr/>
-        <p:txBody>
-          <a:bodyPr/>
-          <a:lstStyle/>
-          <a:p>
+              <a:t>written by Sentio</a:t>
+            </a:r>
             <a:endParaRPr lang="en-US" dirty="0"/>
           </a:p>
         </p:txBody>
@@ -18518,29 +19127,33 @@
           <a:bodyPr/>
           <a:lstStyle/>
           <a:p>
-            <a:fld id="{32ABBEA6-7C60-4B02-AE87-00D78D8422AF}" type="datetimeFigureOut">
+            <a:r>
+              <a:rPr lang="en-US" altLang="ko-KR" smtClean="0"/>
+              <a:t>2016-04-03</a:t>
+            </a:r>
+            <a:endParaRPr lang="en-US" dirty="0"/>
+          </a:p>
+        </p:txBody>
+      </p:sp>
+      <p:sp>
+        <p:nvSpPr>
+          <p:cNvPr id="6" name="Footer Placeholder 5"/>
+          <p:cNvSpPr>
+            <a:spLocks noGrp="1"/>
+          </p:cNvSpPr>
+          <p:nvPr>
+            <p:ph type="ftr" sz="quarter" idx="11"/>
+          </p:nvPr>
+        </p:nvSpPr>
+        <p:spPr/>
+        <p:txBody>
+          <a:bodyPr/>
+          <a:lstStyle/>
+          <a:p>
+            <a:r>
               <a:rPr lang="en-US" smtClean="0"/>
-              <a:t>4/3/2016</a:t>
-            </a:fld>
-            <a:endParaRPr lang="en-US" dirty="0"/>
-          </a:p>
-        </p:txBody>
-      </p:sp>
-      <p:sp>
-        <p:nvSpPr>
-          <p:cNvPr id="6" name="Footer Placeholder 5"/>
-          <p:cNvSpPr>
-            <a:spLocks noGrp="1"/>
-          </p:cNvSpPr>
-          <p:nvPr>
-            <p:ph type="ftr" sz="quarter" idx="11"/>
-          </p:nvPr>
-        </p:nvSpPr>
-        <p:spPr/>
-        <p:txBody>
-          <a:bodyPr/>
-          <a:lstStyle/>
-          <a:p>
+              <a:t>written by Sentio</a:t>
+            </a:r>
             <a:endParaRPr lang="en-US" dirty="0"/>
           </a:p>
         </p:txBody>
@@ -18782,29 +19395,33 @@
           <a:bodyPr/>
           <a:lstStyle/>
           <a:p>
-            <a:fld id="{C9CAD897-D46E-4AD2-BD9B-49DD3E640873}" type="datetimeFigureOut">
+            <a:r>
+              <a:rPr lang="en-US" altLang="ko-KR" smtClean="0"/>
+              <a:t>2016-04-03</a:t>
+            </a:r>
+            <a:endParaRPr lang="en-US" dirty="0"/>
+          </a:p>
+        </p:txBody>
+      </p:sp>
+      <p:sp>
+        <p:nvSpPr>
+          <p:cNvPr id="6" name="Footer Placeholder 5"/>
+          <p:cNvSpPr>
+            <a:spLocks noGrp="1"/>
+          </p:cNvSpPr>
+          <p:nvPr>
+            <p:ph type="ftr" sz="quarter" idx="11"/>
+          </p:nvPr>
+        </p:nvSpPr>
+        <p:spPr/>
+        <p:txBody>
+          <a:bodyPr/>
+          <a:lstStyle/>
+          <a:p>
+            <a:r>
               <a:rPr lang="en-US" smtClean="0"/>
-              <a:t>4/3/2016</a:t>
-            </a:fld>
-            <a:endParaRPr lang="en-US" dirty="0"/>
-          </a:p>
-        </p:txBody>
-      </p:sp>
-      <p:sp>
-        <p:nvSpPr>
-          <p:cNvPr id="6" name="Footer Placeholder 5"/>
-          <p:cNvSpPr>
-            <a:spLocks noGrp="1"/>
-          </p:cNvSpPr>
-          <p:nvPr>
-            <p:ph type="ftr" sz="quarter" idx="11"/>
-          </p:nvPr>
-        </p:nvSpPr>
-        <p:spPr/>
-        <p:txBody>
-          <a:bodyPr/>
-          <a:lstStyle/>
-          <a:p>
+              <a:t>written by Sentio</a:t>
+            </a:r>
             <a:endParaRPr lang="en-US" dirty="0"/>
           </a:p>
         </p:txBody>
@@ -19033,29 +19650,33 @@
           <a:bodyPr/>
           <a:lstStyle/>
           <a:p>
-            <a:fld id="{98624D31-43A5-475A-80CF-332C9F6DCF35}" type="datetimeFigureOut">
+            <a:r>
+              <a:rPr lang="en-US" altLang="ko-KR" smtClean="0"/>
+              <a:t>2016-04-03</a:t>
+            </a:r>
+            <a:endParaRPr lang="en-US" dirty="0"/>
+          </a:p>
+        </p:txBody>
+      </p:sp>
+      <p:sp>
+        <p:nvSpPr>
+          <p:cNvPr id="5" name="Footer Placeholder 4"/>
+          <p:cNvSpPr>
+            <a:spLocks noGrp="1"/>
+          </p:cNvSpPr>
+          <p:nvPr>
+            <p:ph type="ftr" sz="quarter" idx="11"/>
+          </p:nvPr>
+        </p:nvSpPr>
+        <p:spPr/>
+        <p:txBody>
+          <a:bodyPr/>
+          <a:lstStyle/>
+          <a:p>
+            <a:r>
               <a:rPr lang="en-US" smtClean="0"/>
-              <a:t>4/3/2016</a:t>
-            </a:fld>
-            <a:endParaRPr lang="en-US" dirty="0"/>
-          </a:p>
-        </p:txBody>
-      </p:sp>
-      <p:sp>
-        <p:nvSpPr>
-          <p:cNvPr id="5" name="Footer Placeholder 4"/>
-          <p:cNvSpPr>
-            <a:spLocks noGrp="1"/>
-          </p:cNvSpPr>
-          <p:nvPr>
-            <p:ph type="ftr" sz="quarter" idx="11"/>
-          </p:nvPr>
-        </p:nvSpPr>
-        <p:spPr/>
-        <p:txBody>
-          <a:bodyPr/>
-          <a:lstStyle/>
-          <a:p>
+              <a:t>written by Sentio</a:t>
+            </a:r>
             <a:endParaRPr lang="en-US" dirty="0"/>
           </a:p>
         </p:txBody>
@@ -19094,7 +19715,6 @@
   <p:clrMapOvr>
     <a:masterClrMapping/>
   </p:clrMapOvr>
-  <p:hf sldNum="0" hdr="0" ftr="0" dt="0"/>
 </p:sldLayout>
 </file>
 
@@ -19206,10 +19826,10 @@
           <a:bodyPr/>
           <a:lstStyle/>
           <a:p>
-            <a:fld id="{4D94136C-8742-45B2-AF27-D93DF72833A9}" type="datetimeFigureOut">
-              <a:rPr lang="en-US" dirty="0"/>
-              <a:t>4/3/2016</a:t>
-            </a:fld>
+            <a:r>
+              <a:rPr lang="en-US" altLang="ko-KR" smtClean="0"/>
+              <a:t>2016-04-03</a:t>
+            </a:r>
             <a:endParaRPr lang="en-US" dirty="0"/>
           </a:p>
         </p:txBody>
@@ -19237,6 +19857,10 @@
             </a:lvl1pPr>
           </a:lstStyle>
           <a:p>
+            <a:r>
+              <a:rPr lang="en-US" smtClean="0"/>
+              <a:t>written by Sentio</a:t>
+            </a:r>
             <a:endParaRPr lang="en-US" dirty="0"/>
           </a:p>
         </p:txBody>
@@ -19529,29 +20153,33 @@
           <a:bodyPr/>
           <a:lstStyle/>
           <a:p>
-            <a:fld id="{98624D31-43A5-475A-80CF-332C9F6DCF35}" type="datetimeFigureOut">
+            <a:r>
+              <a:rPr lang="en-US" altLang="ko-KR" smtClean="0"/>
+              <a:t>2016-04-03</a:t>
+            </a:r>
+            <a:endParaRPr lang="en-US" dirty="0"/>
+          </a:p>
+        </p:txBody>
+      </p:sp>
+      <p:sp>
+        <p:nvSpPr>
+          <p:cNvPr id="5" name="Footer Placeholder 4"/>
+          <p:cNvSpPr>
+            <a:spLocks noGrp="1"/>
+          </p:cNvSpPr>
+          <p:nvPr>
+            <p:ph type="ftr" sz="quarter" idx="11"/>
+          </p:nvPr>
+        </p:nvSpPr>
+        <p:spPr/>
+        <p:txBody>
+          <a:bodyPr/>
+          <a:lstStyle/>
+          <a:p>
+            <a:r>
               <a:rPr lang="en-US" smtClean="0"/>
-              <a:t>4/3/2016</a:t>
-            </a:fld>
-            <a:endParaRPr lang="en-US" dirty="0"/>
-          </a:p>
-        </p:txBody>
-      </p:sp>
-      <p:sp>
-        <p:nvSpPr>
-          <p:cNvPr id="5" name="Footer Placeholder 4"/>
-          <p:cNvSpPr>
-            <a:spLocks noGrp="1"/>
-          </p:cNvSpPr>
-          <p:nvPr>
-            <p:ph type="ftr" sz="quarter" idx="11"/>
-          </p:nvPr>
-        </p:nvSpPr>
-        <p:spPr/>
-        <p:txBody>
-          <a:bodyPr/>
-          <a:lstStyle/>
-          <a:p>
+              <a:t>written by Sentio</a:t>
+            </a:r>
             <a:endParaRPr lang="en-US" dirty="0"/>
           </a:p>
         </p:txBody>
@@ -19680,7 +20308,6 @@
   <p:clrMapOvr>
     <a:masterClrMapping/>
   </p:clrMapOvr>
-  <p:hf sldNum="0" hdr="0" ftr="0" dt="0"/>
 </p:sldLayout>
 </file>
 
@@ -19872,29 +20499,33 @@
           <a:bodyPr/>
           <a:lstStyle/>
           <a:p>
-            <a:fld id="{98624D31-43A5-475A-80CF-332C9F6DCF35}" type="datetimeFigureOut">
+            <a:r>
+              <a:rPr lang="en-US" altLang="ko-KR" smtClean="0"/>
+              <a:t>2016-04-03</a:t>
+            </a:r>
+            <a:endParaRPr lang="en-US" dirty="0"/>
+          </a:p>
+        </p:txBody>
+      </p:sp>
+      <p:sp>
+        <p:nvSpPr>
+          <p:cNvPr id="5" name="Footer Placeholder 4"/>
+          <p:cNvSpPr>
+            <a:spLocks noGrp="1"/>
+          </p:cNvSpPr>
+          <p:nvPr>
+            <p:ph type="ftr" sz="quarter" idx="11"/>
+          </p:nvPr>
+        </p:nvSpPr>
+        <p:spPr/>
+        <p:txBody>
+          <a:bodyPr/>
+          <a:lstStyle/>
+          <a:p>
+            <a:r>
               <a:rPr lang="en-US" smtClean="0"/>
-              <a:t>4/3/2016</a:t>
-            </a:fld>
-            <a:endParaRPr lang="en-US" dirty="0"/>
-          </a:p>
-        </p:txBody>
-      </p:sp>
-      <p:sp>
-        <p:nvSpPr>
-          <p:cNvPr id="5" name="Footer Placeholder 4"/>
-          <p:cNvSpPr>
-            <a:spLocks noGrp="1"/>
-          </p:cNvSpPr>
-          <p:nvPr>
-            <p:ph type="ftr" sz="quarter" idx="11"/>
-          </p:nvPr>
-        </p:nvSpPr>
-        <p:spPr/>
-        <p:txBody>
-          <a:bodyPr/>
-          <a:lstStyle/>
-          <a:p>
+              <a:t>written by Sentio</a:t>
+            </a:r>
             <a:endParaRPr lang="en-US" dirty="0"/>
           </a:p>
         </p:txBody>
@@ -19933,7 +20564,6 @@
   <p:clrMapOvr>
     <a:masterClrMapping/>
   </p:clrMapOvr>
-  <p:hf sldNum="0" hdr="0" ftr="0" dt="0"/>
 </p:sldLayout>
 </file>
 
@@ -20188,29 +20818,33 @@
           <a:bodyPr/>
           <a:lstStyle/>
           <a:p>
-            <a:fld id="{98624D31-43A5-475A-80CF-332C9F6DCF35}" type="datetimeFigureOut">
+            <a:r>
+              <a:rPr lang="en-US" altLang="ko-KR" smtClean="0"/>
+              <a:t>2016-04-03</a:t>
+            </a:r>
+            <a:endParaRPr lang="en-US" dirty="0"/>
+          </a:p>
+        </p:txBody>
+      </p:sp>
+      <p:sp>
+        <p:nvSpPr>
+          <p:cNvPr id="5" name="Footer Placeholder 4"/>
+          <p:cNvSpPr>
+            <a:spLocks noGrp="1"/>
+          </p:cNvSpPr>
+          <p:nvPr>
+            <p:ph type="ftr" sz="quarter" idx="11"/>
+          </p:nvPr>
+        </p:nvSpPr>
+        <p:spPr/>
+        <p:txBody>
+          <a:bodyPr/>
+          <a:lstStyle/>
+          <a:p>
+            <a:r>
               <a:rPr lang="en-US" smtClean="0"/>
-              <a:t>4/3/2016</a:t>
-            </a:fld>
-            <a:endParaRPr lang="en-US" dirty="0"/>
-          </a:p>
-        </p:txBody>
-      </p:sp>
-      <p:sp>
-        <p:nvSpPr>
-          <p:cNvPr id="5" name="Footer Placeholder 4"/>
-          <p:cNvSpPr>
-            <a:spLocks noGrp="1"/>
-          </p:cNvSpPr>
-          <p:nvPr>
-            <p:ph type="ftr" sz="quarter" idx="11"/>
-          </p:nvPr>
-        </p:nvSpPr>
-        <p:spPr/>
-        <p:txBody>
-          <a:bodyPr/>
-          <a:lstStyle/>
-          <a:p>
+              <a:t>written by Sentio</a:t>
+            </a:r>
             <a:endParaRPr lang="en-US" dirty="0"/>
           </a:p>
         </p:txBody>
@@ -20331,7 +20965,6 @@
   <p:clrMapOvr>
     <a:masterClrMapping/>
   </p:clrMapOvr>
-  <p:hf sldNum="0" hdr="0" ftr="0" dt="0"/>
 </p:sldLayout>
 </file>
 
@@ -20583,29 +21216,33 @@
           <a:bodyPr/>
           <a:lstStyle/>
           <a:p>
-            <a:fld id="{98624D31-43A5-475A-80CF-332C9F6DCF35}" type="datetimeFigureOut">
+            <a:r>
+              <a:rPr lang="en-US" altLang="ko-KR" smtClean="0"/>
+              <a:t>2016-04-03</a:t>
+            </a:r>
+            <a:endParaRPr lang="en-US" dirty="0"/>
+          </a:p>
+        </p:txBody>
+      </p:sp>
+      <p:sp>
+        <p:nvSpPr>
+          <p:cNvPr id="5" name="Footer Placeholder 4"/>
+          <p:cNvSpPr>
+            <a:spLocks noGrp="1"/>
+          </p:cNvSpPr>
+          <p:nvPr>
+            <p:ph type="ftr" sz="quarter" idx="11"/>
+          </p:nvPr>
+        </p:nvSpPr>
+        <p:spPr/>
+        <p:txBody>
+          <a:bodyPr/>
+          <a:lstStyle/>
+          <a:p>
+            <a:r>
               <a:rPr lang="en-US" smtClean="0"/>
-              <a:t>4/3/2016</a:t>
-            </a:fld>
-            <a:endParaRPr lang="en-US" dirty="0"/>
-          </a:p>
-        </p:txBody>
-      </p:sp>
-      <p:sp>
-        <p:nvSpPr>
-          <p:cNvPr id="5" name="Footer Placeholder 4"/>
-          <p:cNvSpPr>
-            <a:spLocks noGrp="1"/>
-          </p:cNvSpPr>
-          <p:nvPr>
-            <p:ph type="ftr" sz="quarter" idx="11"/>
-          </p:nvPr>
-        </p:nvSpPr>
-        <p:spPr/>
-        <p:txBody>
-          <a:bodyPr/>
-          <a:lstStyle/>
-          <a:p>
+              <a:t>written by Sentio</a:t>
+            </a:r>
             <a:endParaRPr lang="en-US" dirty="0"/>
           </a:p>
         </p:txBody>
@@ -20644,7 +21281,6 @@
   <p:clrMapOvr>
     <a:masterClrMapping/>
   </p:clrMapOvr>
-  <p:hf sldNum="0" hdr="0" ftr="0" dt="0"/>
 </p:sldLayout>
 </file>
 
@@ -20755,29 +21391,33 @@
           <a:bodyPr/>
           <a:lstStyle/>
           <a:p>
-            <a:fld id="{2E2D6473-DF6D-4702-B328-E0DD40540A4E}" type="datetimeFigureOut">
+            <a:r>
+              <a:rPr lang="en-US" altLang="ko-KR" smtClean="0"/>
+              <a:t>2016-04-03</a:t>
+            </a:r>
+            <a:endParaRPr lang="en-US" dirty="0"/>
+          </a:p>
+        </p:txBody>
+      </p:sp>
+      <p:sp>
+        <p:nvSpPr>
+          <p:cNvPr id="5" name="Footer Placeholder 4"/>
+          <p:cNvSpPr>
+            <a:spLocks noGrp="1"/>
+          </p:cNvSpPr>
+          <p:nvPr>
+            <p:ph type="ftr" sz="quarter" idx="11"/>
+          </p:nvPr>
+        </p:nvSpPr>
+        <p:spPr/>
+        <p:txBody>
+          <a:bodyPr/>
+          <a:lstStyle/>
+          <a:p>
+            <a:r>
               <a:rPr lang="en-US" smtClean="0"/>
-              <a:t>4/3/2016</a:t>
-            </a:fld>
-            <a:endParaRPr lang="en-US" dirty="0"/>
-          </a:p>
-        </p:txBody>
-      </p:sp>
-      <p:sp>
-        <p:nvSpPr>
-          <p:cNvPr id="5" name="Footer Placeholder 4"/>
-          <p:cNvSpPr>
-            <a:spLocks noGrp="1"/>
-          </p:cNvSpPr>
-          <p:nvPr>
-            <p:ph type="ftr" sz="quarter" idx="11"/>
-          </p:nvPr>
-        </p:nvSpPr>
-        <p:spPr/>
-        <p:txBody>
-          <a:bodyPr/>
-          <a:lstStyle/>
-          <a:p>
+              <a:t>written by Sentio</a:t>
+            </a:r>
             <a:endParaRPr lang="en-US" dirty="0"/>
           </a:p>
         </p:txBody>
@@ -20935,29 +21575,33 @@
           <a:bodyPr/>
           <a:lstStyle/>
           <a:p>
-            <a:fld id="{E26F7E3A-B166-407D-9866-32884E7D5B37}" type="datetimeFigureOut">
+            <a:r>
+              <a:rPr lang="en-US" altLang="ko-KR" smtClean="0"/>
+              <a:t>2016-04-03</a:t>
+            </a:r>
+            <a:endParaRPr lang="en-US" dirty="0"/>
+          </a:p>
+        </p:txBody>
+      </p:sp>
+      <p:sp>
+        <p:nvSpPr>
+          <p:cNvPr id="5" name="Footer Placeholder 4"/>
+          <p:cNvSpPr>
+            <a:spLocks noGrp="1"/>
+          </p:cNvSpPr>
+          <p:nvPr>
+            <p:ph type="ftr" sz="quarter" idx="11"/>
+          </p:nvPr>
+        </p:nvSpPr>
+        <p:spPr/>
+        <p:txBody>
+          <a:bodyPr/>
+          <a:lstStyle/>
+          <a:p>
+            <a:r>
               <a:rPr lang="en-US" smtClean="0"/>
-              <a:t>4/3/2016</a:t>
-            </a:fld>
-            <a:endParaRPr lang="en-US" dirty="0"/>
-          </a:p>
-        </p:txBody>
-      </p:sp>
-      <p:sp>
-        <p:nvSpPr>
-          <p:cNvPr id="5" name="Footer Placeholder 4"/>
-          <p:cNvSpPr>
-            <a:spLocks noGrp="1"/>
-          </p:cNvSpPr>
-          <p:nvPr>
-            <p:ph type="ftr" sz="quarter" idx="11"/>
-          </p:nvPr>
-        </p:nvSpPr>
-        <p:spPr/>
-        <p:txBody>
-          <a:bodyPr/>
-          <a:lstStyle/>
-          <a:p>
+              <a:t>written by Sentio</a:t>
+            </a:r>
             <a:endParaRPr lang="en-US" dirty="0"/>
           </a:p>
         </p:txBody>
@@ -21281,10 +21925,10 @@
             </a:lvl1pPr>
           </a:lstStyle>
           <a:p>
-            <a:fld id="{32ABBEA6-7C60-4B02-AE87-00D78D8422AF}" type="datetimeFigureOut">
-              <a:rPr lang="en-US" dirty="0"/>
-              <a:t>4/3/2016</a:t>
-            </a:fld>
+            <a:r>
+              <a:rPr lang="en-US" altLang="ko-KR" smtClean="0"/>
+              <a:t>2016-04-03</a:t>
+            </a:r>
             <a:endParaRPr lang="en-US" dirty="0"/>
           </a:p>
         </p:txBody>
@@ -21317,6 +21961,10 @@
             </a:lvl1pPr>
           </a:lstStyle>
           <a:p>
+            <a:r>
+              <a:rPr lang="en-US" smtClean="0"/>
+              <a:t>written by Sentio</a:t>
+            </a:r>
             <a:endParaRPr lang="en-US" dirty="0"/>
           </a:p>
         </p:txBody>
@@ -21664,10 +22312,10 @@
           <a:bodyPr/>
           <a:lstStyle/>
           <a:p>
-            <a:fld id="{C9CAD897-D46E-4AD2-BD9B-49DD3E640873}" type="datetimeFigureOut">
-              <a:rPr lang="en-US" dirty="0"/>
-              <a:t>4/3/2016</a:t>
-            </a:fld>
+            <a:r>
+              <a:rPr lang="en-US" altLang="ko-KR" smtClean="0"/>
+              <a:t>2016-04-03</a:t>
+            </a:r>
             <a:endParaRPr lang="en-US" dirty="0"/>
           </a:p>
         </p:txBody>
@@ -21687,6 +22335,10 @@
           <a:bodyPr/>
           <a:lstStyle/>
           <a:p>
+            <a:r>
+              <a:rPr lang="en-US" smtClean="0"/>
+              <a:t>written by Sentio</a:t>
+            </a:r>
             <a:endParaRPr lang="en-US" dirty="0"/>
           </a:p>
         </p:txBody>
@@ -21951,10 +22603,10 @@
             </a:lvl1pPr>
           </a:lstStyle>
           <a:p>
-            <a:fld id="{98624D31-43A5-475A-80CF-332C9F6DCF35}" type="datetimeFigureOut">
-              <a:rPr lang="en-US" dirty="0"/>
-              <a:t>4/3/2016</a:t>
-            </a:fld>
+            <a:r>
+              <a:rPr lang="en-US" altLang="ko-KR" smtClean="0"/>
+              <a:t>2016-04-03</a:t>
+            </a:r>
             <a:endParaRPr lang="en-US" dirty="0"/>
           </a:p>
         </p:txBody>
@@ -21990,6 +22642,10 @@
             </a:lvl1pPr>
           </a:lstStyle>
           <a:p>
+            <a:r>
+              <a:rPr lang="en-US" smtClean="0"/>
+              <a:t>written by Sentio</a:t>
+            </a:r>
             <a:endParaRPr lang="en-US" dirty="0"/>
           </a:p>
         </p:txBody>
@@ -22093,7 +22749,7 @@
     <p:sldLayoutId id="2147483760" r:id="rId10"/>
     <p:sldLayoutId id="2147483761" r:id="rId11"/>
   </p:sldLayoutIdLst>
-  <p:hf sldNum="0" hdr="0" ftr="0" dt="0"/>
+  <p:hf hdr="0"/>
   <p:txStyles>
     <p:titleStyle>
       <a:lvl1pPr algn="l" defTabSz="914400" rtl="0" eaLnBrk="1" latinLnBrk="1" hangingPunct="1">
@@ -24429,11 +25085,10 @@
             </a:lvl1pPr>
           </a:lstStyle>
           <a:p>
-            <a:fld id="{B61BEF0D-F0BB-DE4B-95CE-6DB70DBA9567}" type="datetimeFigureOut">
-              <a:rPr lang="en-US" dirty="0"/>
-              <a:pPr/>
-              <a:t>4/3/2016</a:t>
-            </a:fld>
+            <a:r>
+              <a:rPr lang="en-US" altLang="ko-KR" smtClean="0"/>
+              <a:t>2016-04-03</a:t>
+            </a:r>
             <a:endParaRPr lang="en-US" dirty="0"/>
           </a:p>
         </p:txBody>
@@ -24471,6 +25126,10 @@
             </a:lvl1pPr>
           </a:lstStyle>
           <a:p>
+            <a:r>
+              <a:rPr lang="en-US" smtClean="0"/>
+              <a:t>written by Sentio</a:t>
+            </a:r>
             <a:endParaRPr lang="en-US" dirty="0"/>
           </a:p>
         </p:txBody>
@@ -24541,6 +25200,7 @@
     <p:sldLayoutId id="2147483777" r:id="rId15"/>
     <p:sldLayoutId id="2147483778" r:id="rId16"/>
   </p:sldLayoutIdLst>
+  <p:hf hdr="0"/>
   <p:txStyles>
     <p:titleStyle>
       <a:lvl1pPr algn="l" defTabSz="457200" rtl="0" eaLnBrk="1" latinLnBrk="1" hangingPunct="1">
@@ -25604,7 +26264,7 @@
           <a:bodyPr vert="horz" lIns="91440" tIns="45720" rIns="91440" bIns="45720" rtlCol="0" anchor="ctr"/>
           <a:lstStyle>
             <a:lvl1pPr algn="r">
-              <a:defRPr sz="900">
+              <a:defRPr sz="1100">
                 <a:solidFill>
                   <a:schemeClr val="tx1">
                     <a:tint val="75000"/>
@@ -25614,11 +26274,11 @@
             </a:lvl1pPr>
           </a:lstStyle>
           <a:p>
-            <a:fld id="{76A7E85F-F389-4DAD-BFE3-266C3406FF2A}" type="datetimeFigureOut">
-              <a:rPr lang="ko-KR" altLang="en-US" smtClean="0"/>
+            <a:r>
+              <a:rPr lang="en-US" altLang="ko-KR" dirty="0" smtClean="0"/>
               <a:t>2016-04-03</a:t>
-            </a:fld>
-            <a:endParaRPr lang="ko-KR" altLang="en-US"/>
+            </a:r>
+            <a:endParaRPr lang="ko-KR" altLang="en-US" dirty="0"/>
           </a:p>
         </p:txBody>
       </p:sp>
@@ -25645,7 +26305,7 @@
           <a:bodyPr vert="horz" lIns="91440" tIns="45720" rIns="91440" bIns="45720" rtlCol="0" anchor="ctr"/>
           <a:lstStyle>
             <a:lvl1pPr algn="l">
-              <a:defRPr sz="900">
+              <a:defRPr sz="1400">
                 <a:solidFill>
                   <a:schemeClr val="tx1">
                     <a:tint val="75000"/>
@@ -25655,7 +26315,15 @@
             </a:lvl1pPr>
           </a:lstStyle>
           <a:p>
-            <a:endParaRPr lang="ko-KR" altLang="en-US"/>
+            <a:r>
+              <a:rPr lang="en-US" altLang="ko-KR" dirty="0" smtClean="0"/>
+              <a:t>written by </a:t>
+            </a:r>
+            <a:r>
+              <a:rPr lang="en-US" altLang="ko-KR" dirty="0" err="1" smtClean="0"/>
+              <a:t>Sentio</a:t>
+            </a:r>
+            <a:endParaRPr lang="ko-KR" altLang="en-US" dirty="0"/>
           </a:p>
         </p:txBody>
       </p:sp>
@@ -25682,7 +26350,7 @@
           <a:bodyPr vert="horz" lIns="91440" tIns="45720" rIns="91440" bIns="45720" rtlCol="0" anchor="ctr"/>
           <a:lstStyle>
             <a:lvl1pPr algn="r">
-              <a:defRPr sz="900">
+              <a:defRPr sz="1200">
                 <a:solidFill>
                   <a:schemeClr val="accent1"/>
                 </a:solidFill>
@@ -25692,9 +26360,10 @@
           <a:p>
             <a:fld id="{C168A753-EA86-4144-98D6-44C69181649C}" type="slidenum">
               <a:rPr lang="ko-KR" altLang="en-US" smtClean="0"/>
+              <a:pPr/>
               <a:t>‹#›</a:t>
             </a:fld>
-            <a:endParaRPr lang="ko-KR" altLang="en-US"/>
+            <a:endParaRPr lang="ko-KR" altLang="en-US" dirty="0"/>
           </a:p>
         </p:txBody>
       </p:sp>
@@ -25724,6 +26393,14 @@
     <p:sldLayoutId id="2147483794" r:id="rId15"/>
     <p:sldLayoutId id="2147483795" r:id="rId16"/>
   </p:sldLayoutIdLst>
+  <p:timing>
+    <p:tnLst>
+      <p:par>
+        <p:cTn id="1" dur="indefinite" restart="never" nodeType="tmRoot"/>
+      </p:par>
+    </p:tnLst>
+  </p:timing>
+  <p:hf hdr="0"/>
   <p:txStyles>
     <p:titleStyle>
       <a:lvl1pPr algn="l" defTabSz="457200" rtl="0" eaLnBrk="1" latinLnBrk="1" hangingPunct="1">
@@ -26803,10 +27480,10 @@
             </a:lvl1pPr>
           </a:lstStyle>
           <a:p>
-            <a:fld id="{98624D31-43A5-475A-80CF-332C9F6DCF35}" type="datetimeFigureOut">
-              <a:rPr lang="en-US" smtClean="0"/>
-              <a:t>4/3/2016</a:t>
-            </a:fld>
+            <a:r>
+              <a:rPr lang="en-US" altLang="ko-KR" smtClean="0"/>
+              <a:t>2016-04-03</a:t>
+            </a:r>
             <a:endParaRPr lang="en-US" dirty="0"/>
           </a:p>
         </p:txBody>
@@ -26844,6 +27521,10 @@
             </a:lvl1pPr>
           </a:lstStyle>
           <a:p>
+            <a:r>
+              <a:rPr lang="en-US" smtClean="0"/>
+              <a:t>written by Sentio</a:t>
+            </a:r>
             <a:endParaRPr lang="en-US" dirty="0"/>
           </a:p>
         </p:txBody>
@@ -26914,7 +27595,7 @@
     <p:sldLayoutId id="2147483811" r:id="rId15"/>
     <p:sldLayoutId id="2147483812" r:id="rId16"/>
   </p:sldLayoutIdLst>
-  <p:hf sldNum="0" hdr="0" ftr="0" dt="0"/>
+  <p:hf hdr="0"/>
   <p:txStyles>
     <p:titleStyle>
       <a:lvl1pPr algn="l" defTabSz="457200" rtl="0" eaLnBrk="1" latinLnBrk="1" hangingPunct="1">
@@ -27994,10 +28675,10 @@
             </a:lvl1pPr>
           </a:lstStyle>
           <a:p>
-            <a:fld id="{98624D31-43A5-475A-80CF-332C9F6DCF35}" type="datetimeFigureOut">
-              <a:rPr lang="en-US" smtClean="0"/>
-              <a:t>4/3/2016</a:t>
-            </a:fld>
+            <a:r>
+              <a:rPr lang="en-US" altLang="ko-KR" smtClean="0"/>
+              <a:t>2016-04-03</a:t>
+            </a:r>
             <a:endParaRPr lang="en-US" dirty="0"/>
           </a:p>
         </p:txBody>
@@ -28035,6 +28716,10 @@
             </a:lvl1pPr>
           </a:lstStyle>
           <a:p>
+            <a:r>
+              <a:rPr lang="en-US" smtClean="0"/>
+              <a:t>written by Sentio</a:t>
+            </a:r>
             <a:endParaRPr lang="en-US" dirty="0"/>
           </a:p>
         </p:txBody>
@@ -28105,7 +28790,7 @@
     <p:sldLayoutId id="2147483828" r:id="rId15"/>
     <p:sldLayoutId id="2147483829" r:id="rId16"/>
   </p:sldLayoutIdLst>
-  <p:hf sldNum="0" hdr="0" ftr="0" dt="0"/>
+  <p:hf hdr="0"/>
   <p:txStyles>
     <p:titleStyle>
       <a:lvl1pPr algn="l" defTabSz="457200" rtl="0" eaLnBrk="1" latinLnBrk="1" hangingPunct="1">
@@ -28532,7 +29217,12 @@
             <p:ph type="ctrTitle"/>
           </p:nvPr>
         </p:nvSpPr>
-        <p:spPr/>
+        <p:spPr>
+          <a:xfrm>
+            <a:off x="1507066" y="1255001"/>
+            <a:ext cx="7766936" cy="1775581"/>
+          </a:xfrm>
+        </p:spPr>
         <p:txBody>
           <a:bodyPr/>
           <a:lstStyle/>
@@ -28594,7 +29284,12 @@
             <p:ph type="subTitle" idx="1"/>
           </p:nvPr>
         </p:nvSpPr>
-        <p:spPr/>
+        <p:spPr>
+          <a:xfrm>
+            <a:off x="1507066" y="3399914"/>
+            <a:ext cx="7766936" cy="1644572"/>
+          </a:xfrm>
+        </p:spPr>
         <p:txBody>
           <a:bodyPr>
             <a:normAutofit/>
@@ -28612,9 +29307,147 @@
               </a:rPr>
               <a:t>Design</a:t>
             </a:r>
-            <a:endParaRPr lang="ko-KR" altLang="en-US" sz="2400" dirty="0">
+          </a:p>
+          <a:p>
+            <a:pPr marL="342900" indent="-342900" algn="l">
+              <a:buFont typeface="+mj-lt"/>
+              <a:buAutoNum type="arabicPeriod"/>
+            </a:pPr>
+            <a:r>
+              <a:rPr lang="en-US" altLang="ko-KR" sz="2400" dirty="0" smtClean="0">
+                <a:latin typeface="나눔바른펜" panose="020B0503000000000000" pitchFamily="50" charset="-127"/>
+                <a:ea typeface="나눔바른펜" panose="020B0503000000000000" pitchFamily="50" charset="-127"/>
+              </a:rPr>
+              <a:t>Plan</a:t>
+            </a:r>
+          </a:p>
+          <a:p>
+            <a:pPr marL="342900" indent="-342900" algn="l">
+              <a:buFont typeface="+mj-lt"/>
+              <a:buAutoNum type="arabicPeriod"/>
+            </a:pPr>
+            <a:r>
+              <a:rPr lang="en-US" altLang="ko-KR" sz="2400" dirty="0" smtClean="0">
+                <a:latin typeface="나눔바른펜" panose="020B0503000000000000" pitchFamily="50" charset="-127"/>
+                <a:ea typeface="나눔바른펜" panose="020B0503000000000000" pitchFamily="50" charset="-127"/>
+              </a:rPr>
+              <a:t>Reflect</a:t>
+            </a:r>
+            <a:endParaRPr lang="en-US" altLang="ko-KR" sz="2400" dirty="0" smtClean="0">
               <a:latin typeface="나눔바른펜" panose="020B0503000000000000" pitchFamily="50" charset="-127"/>
               <a:ea typeface="나눔바른펜" panose="020B0503000000000000" pitchFamily="50" charset="-127"/>
+            </a:endParaRPr>
+          </a:p>
+        </p:txBody>
+      </p:sp>
+      <p:sp>
+        <p:nvSpPr>
+          <p:cNvPr id="4" name="바닥글 개체 틀 3"/>
+          <p:cNvSpPr>
+            <a:spLocks noGrp="1"/>
+          </p:cNvSpPr>
+          <p:nvPr>
+            <p:ph type="ftr" sz="quarter" idx="11"/>
+          </p:nvPr>
+        </p:nvSpPr>
+        <p:spPr/>
+        <p:txBody>
+          <a:bodyPr/>
+          <a:lstStyle/>
+          <a:p>
+            <a:r>
+              <a:rPr lang="en-US" altLang="ko-KR" smtClean="0"/>
+              <a:t>written by Sentio</a:t>
+            </a:r>
+            <a:endParaRPr lang="ko-KR" altLang="en-US"/>
+          </a:p>
+        </p:txBody>
+      </p:sp>
+      <p:sp>
+        <p:nvSpPr>
+          <p:cNvPr id="5" name="슬라이드 번호 개체 틀 4"/>
+          <p:cNvSpPr>
+            <a:spLocks noGrp="1"/>
+          </p:cNvSpPr>
+          <p:nvPr>
+            <p:ph type="sldNum" sz="quarter" idx="12"/>
+          </p:nvPr>
+        </p:nvSpPr>
+        <p:spPr/>
+        <p:txBody>
+          <a:bodyPr/>
+          <a:lstStyle/>
+          <a:p>
+            <a:fld id="{C168A753-EA86-4144-98D6-44C69181649C}" type="slidenum">
+              <a:rPr lang="ko-KR" altLang="en-US" smtClean="0"/>
+              <a:t>1</a:t>
+            </a:fld>
+            <a:endParaRPr lang="ko-KR" altLang="en-US"/>
+          </a:p>
+        </p:txBody>
+      </p:sp>
+      <p:sp>
+        <p:nvSpPr>
+          <p:cNvPr id="6" name="날짜 개체 틀 5"/>
+          <p:cNvSpPr>
+            <a:spLocks noGrp="1"/>
+          </p:cNvSpPr>
+          <p:nvPr>
+            <p:ph type="dt" sz="half" idx="10"/>
+          </p:nvPr>
+        </p:nvSpPr>
+        <p:spPr/>
+        <p:txBody>
+          <a:bodyPr/>
+          <a:lstStyle/>
+          <a:p>
+            <a:r>
+              <a:rPr lang="en-US" altLang="ko-KR" smtClean="0"/>
+              <a:t>2016-04-03</a:t>
+            </a:r>
+            <a:endParaRPr lang="ko-KR" altLang="en-US"/>
+          </a:p>
+        </p:txBody>
+      </p:sp>
+      <p:sp>
+        <p:nvSpPr>
+          <p:cNvPr id="8" name="TextBox 7"/>
+          <p:cNvSpPr txBox="1"/>
+          <p:nvPr/>
+        </p:nvSpPr>
+        <p:spPr>
+          <a:xfrm>
+            <a:off x="4686499" y="5413818"/>
+            <a:ext cx="4576894" cy="369332"/>
+          </a:xfrm>
+          <a:prstGeom prst="rect">
+            <a:avLst/>
+          </a:prstGeom>
+          <a:noFill/>
+        </p:spPr>
+        <p:txBody>
+          <a:bodyPr wrap="none" rtlCol="0">
+            <a:spAutoFit/>
+          </a:bodyPr>
+          <a:lstStyle/>
+          <a:p>
+            <a:r>
+              <a:rPr lang="en-US" altLang="ko" dirty="0">
+                <a:solidFill>
+                  <a:srgbClr val="002060"/>
+                </a:solidFill>
+                <a:latin typeface="휴먼편지체" panose="02030504000101010101" pitchFamily="18" charset="-127"/>
+                <a:ea typeface="휴먼편지체" panose="02030504000101010101" pitchFamily="18" charset="-127"/>
+                <a:hlinkClick r:id="rId2"/>
+              </a:rPr>
+              <a:t>https://github.com/SentioMe/D2D_Project.git</a:t>
+            </a:r>
+            <a:endParaRPr lang="ko-KR" altLang="en-US" dirty="0">
+              <a:solidFill>
+                <a:srgbClr val="002060"/>
+              </a:solidFill>
+              <a:latin typeface="휴먼편지체" panose="02030504000101010101" pitchFamily="18" charset="-127"/>
+              <a:ea typeface="휴먼편지체" panose="02030504000101010101" pitchFamily="18" charset="-127"/>
             </a:endParaRPr>
           </a:p>
         </p:txBody>
@@ -28629,74 +29462,13 @@
   <p:clrMapOvr>
     <a:masterClrMapping/>
   </p:clrMapOvr>
-</p:sld>
-</file>
-
-<file path=ppt/slides/slide2.xml><?xml version="1.0" encoding="utf-8"?>
-<p:sld xmlns:a="http://schemas.openxmlformats.org/drawingml/2006/main" xmlns:r="http://schemas.openxmlformats.org/officeDocument/2006/relationships" xmlns:p="http://schemas.openxmlformats.org/presentationml/2006/main">
-  <p:cSld>
-    <p:spTree>
-      <p:nvGrpSpPr>
-        <p:cNvPr id="1" name=""/>
-        <p:cNvGrpSpPr/>
-        <p:nvPr/>
-      </p:nvGrpSpPr>
-      <p:grpSpPr>
-        <a:xfrm>
-          <a:off x="0" y="0"/>
-          <a:ext cx="0" cy="0"/>
-          <a:chOff x="0" y="0"/>
-          <a:chExt cx="0" cy="0"/>
-        </a:xfrm>
-      </p:grpSpPr>
-      <p:sp>
-        <p:nvSpPr>
-          <p:cNvPr id="2" name="제목 1"/>
-          <p:cNvSpPr>
-            <a:spLocks noGrp="1"/>
-          </p:cNvSpPr>
-          <p:nvPr>
-            <p:ph type="title"/>
-          </p:nvPr>
-        </p:nvSpPr>
-        <p:spPr/>
-        <p:txBody>
-          <a:bodyPr/>
-          <a:lstStyle/>
-          <a:p>
-            <a:endParaRPr lang="ko-KR" altLang="en-US"/>
-          </a:p>
-        </p:txBody>
-      </p:sp>
-      <p:sp>
-        <p:nvSpPr>
-          <p:cNvPr id="3" name="내용 개체 틀 2"/>
-          <p:cNvSpPr>
-            <a:spLocks noGrp="1"/>
-          </p:cNvSpPr>
-          <p:nvPr>
-            <p:ph idx="1"/>
-          </p:nvPr>
-        </p:nvSpPr>
-        <p:spPr/>
-        <p:txBody>
-          <a:bodyPr/>
-          <a:lstStyle/>
-          <a:p>
-            <a:endParaRPr lang="ko-KR" altLang="en-US"/>
-          </a:p>
-        </p:txBody>
-      </p:sp>
-    </p:spTree>
-    <p:extLst>
-      <p:ext uri="{BB962C8B-B14F-4D97-AF65-F5344CB8AC3E}">
-        <p14:creationId xmlns:p14="http://schemas.microsoft.com/office/powerpoint/2010/main" val="416190176"/>
-      </p:ext>
-    </p:extLst>
-  </p:cSld>
-  <p:clrMapOvr>
-    <a:masterClrMapping/>
-  </p:clrMapOvr>
+  <p:timing>
+    <p:tnLst>
+      <p:par>
+        <p:cTn id="1" dur="indefinite" restart="never" nodeType="tmRoot"/>
+      </p:par>
+    </p:tnLst>
+  </p:timing>
 </p:sld>
 </file>
 
@@ -29995,4 +30767,265 @@
     </a:ext>
   </a:extLst>
 </a:theme>
+</file>
+
+<file path=ppt/theme/theme6.xml><?xml version="1.0" encoding="utf-8"?>
+<a:theme xmlns:a="http://schemas.openxmlformats.org/drawingml/2006/main" name="Office 테마">
+  <a:themeElements>
+    <a:clrScheme name="Office">
+      <a:dk1>
+        <a:sysClr val="windowText" lastClr="000000"/>
+      </a:dk1>
+      <a:lt1>
+        <a:sysClr val="window" lastClr="FFFFFF"/>
+      </a:lt1>
+      <a:dk2>
+        <a:srgbClr val="44546A"/>
+      </a:dk2>
+      <a:lt2>
+        <a:srgbClr val="E7E6E6"/>
+      </a:lt2>
+      <a:accent1>
+        <a:srgbClr val="5B9BD5"/>
+      </a:accent1>
+      <a:accent2>
+        <a:srgbClr val="ED7D31"/>
+      </a:accent2>
+      <a:accent3>
+        <a:srgbClr val="A5A5A5"/>
+      </a:accent3>
+      <a:accent4>
+        <a:srgbClr val="FFC000"/>
+      </a:accent4>
+      <a:accent5>
+        <a:srgbClr val="4472C4"/>
+      </a:accent5>
+      <a:accent6>
+        <a:srgbClr val="70AD47"/>
+      </a:accent6>
+      <a:hlink>
+        <a:srgbClr val="0563C1"/>
+      </a:hlink>
+      <a:folHlink>
+        <a:srgbClr val="954F72"/>
+      </a:folHlink>
+    </a:clrScheme>
+    <a:fontScheme name="Office">
+      <a:majorFont>
+        <a:latin typeface="맑은 고딕" panose="020F0302020204030204"/>
+        <a:ea typeface=""/>
+        <a:cs typeface=""/>
+        <a:font script="Jpan" typeface="ＭＳ Ｐゴシック"/>
+        <a:font script="Hang" typeface="맑은 고딕"/>
+        <a:font script="Hans" typeface="宋体"/>
+        <a:font script="Hant" typeface="新細明體"/>
+        <a:font script="Arab" typeface="Times New Roman"/>
+        <a:font script="Hebr" typeface="Times New Roman"/>
+        <a:font script="Thai" typeface="Angsana New"/>
+        <a:font script="Ethi" typeface="Nyala"/>
+        <a:font script="Beng" typeface="Vrinda"/>
+        <a:font script="Gujr" typeface="Shruti"/>
+        <a:font script="Khmr" typeface="MoolBoran"/>
+        <a:font script="Knda" typeface="Tunga"/>
+        <a:font script="Guru" typeface="Raavi"/>
+        <a:font script="Cans" typeface="Euphemia"/>
+        <a:font script="Cher" typeface="Plantagenet Cherokee"/>
+        <a:font script="Yiii" typeface="Microsoft Yi Baiti"/>
+        <a:font script="Tibt" typeface="Microsoft Himalaya"/>
+        <a:font script="Thaa" typeface="MV Boli"/>
+        <a:font script="Deva" typeface="Mangal"/>
+        <a:font script="Telu" typeface="Gautami"/>
+        <a:font script="Taml" typeface="Latha"/>
+        <a:font script="Syrc" typeface="Estrangelo Edessa"/>
+        <a:font script="Orya" typeface="Kalinga"/>
+        <a:font script="Mlym" typeface="Kartika"/>
+        <a:font script="Laoo" typeface="DokChampa"/>
+        <a:font script="Sinh" typeface="Iskoola Pota"/>
+        <a:font script="Mong" typeface="Mongolian Baiti"/>
+        <a:font script="Viet" typeface="Times New Roman"/>
+        <a:font script="Uigh" typeface="Microsoft Uighur"/>
+        <a:font script="Geor" typeface="Sylfaen"/>
+      </a:majorFont>
+      <a:minorFont>
+        <a:latin typeface="맑은 고딕" panose="020F0502020204030204"/>
+        <a:ea typeface=""/>
+        <a:cs typeface=""/>
+        <a:font script="Jpan" typeface="ＭＳ Ｐゴシック"/>
+        <a:font script="Hang" typeface="맑은 고딕"/>
+        <a:font script="Hans" typeface="宋体"/>
+        <a:font script="Hant" typeface="新細明體"/>
+        <a:font script="Arab" typeface="Arial"/>
+        <a:font script="Hebr" typeface="Arial"/>
+        <a:font script="Thai" typeface="Cordia New"/>
+        <a:font script="Ethi" typeface="Nyala"/>
+        <a:font script="Beng" typeface="Vrinda"/>
+        <a:font script="Gujr" typeface="Shruti"/>
+        <a:font script="Khmr" typeface="DaunPenh"/>
+        <a:font script="Knda" typeface="Tunga"/>
+        <a:font script="Guru" typeface="Raavi"/>
+        <a:font script="Cans" typeface="Euphemia"/>
+        <a:font script="Cher" typeface="Plantagenet Cherokee"/>
+        <a:font script="Yiii" typeface="Microsoft Yi Baiti"/>
+        <a:font script="Tibt" typeface="Microsoft Himalaya"/>
+        <a:font script="Thaa" typeface="MV Boli"/>
+        <a:font script="Deva" typeface="Mangal"/>
+        <a:font script="Telu" typeface="Gautami"/>
+        <a:font script="Taml" typeface="Latha"/>
+        <a:font script="Syrc" typeface="Estrangelo Edessa"/>
+        <a:font script="Orya" typeface="Kalinga"/>
+        <a:font script="Mlym" typeface="Kartika"/>
+        <a:font script="Laoo" typeface="DokChampa"/>
+        <a:font script="Sinh" typeface="Iskoola Pota"/>
+        <a:font script="Mong" typeface="Mongolian Baiti"/>
+        <a:font script="Viet" typeface="Arial"/>
+        <a:font script="Uigh" typeface="Microsoft Uighur"/>
+        <a:font script="Geor" typeface="Sylfaen"/>
+      </a:minorFont>
+    </a:fontScheme>
+    <a:fmtScheme name="Office">
+      <a:fillStyleLst>
+        <a:solidFill>
+          <a:schemeClr val="phClr"/>
+        </a:solidFill>
+        <a:gradFill rotWithShape="1">
+          <a:gsLst>
+            <a:gs pos="0">
+              <a:schemeClr val="phClr">
+                <a:lumMod val="110000"/>
+                <a:satMod val="105000"/>
+                <a:tint val="67000"/>
+              </a:schemeClr>
+            </a:gs>
+            <a:gs pos="50000">
+              <a:schemeClr val="phClr">
+                <a:lumMod val="105000"/>
+                <a:satMod val="103000"/>
+                <a:tint val="73000"/>
+              </a:schemeClr>
+            </a:gs>
+            <a:gs pos="100000">
+              <a:schemeClr val="phClr">
+                <a:lumMod val="105000"/>
+                <a:satMod val="109000"/>
+                <a:tint val="81000"/>
+              </a:schemeClr>
+            </a:gs>
+          </a:gsLst>
+          <a:lin ang="5400000" scaled="0"/>
+        </a:gradFill>
+        <a:gradFill rotWithShape="1">
+          <a:gsLst>
+            <a:gs pos="0">
+              <a:schemeClr val="phClr">
+                <a:satMod val="103000"/>
+                <a:lumMod val="102000"/>
+                <a:tint val="94000"/>
+              </a:schemeClr>
+            </a:gs>
+            <a:gs pos="50000">
+              <a:schemeClr val="phClr">
+                <a:satMod val="110000"/>
+                <a:lumMod val="100000"/>
+                <a:shade val="100000"/>
+              </a:schemeClr>
+            </a:gs>
+            <a:gs pos="100000">
+              <a:schemeClr val="phClr">
+                <a:lumMod val="99000"/>
+                <a:satMod val="120000"/>
+                <a:shade val="78000"/>
+              </a:schemeClr>
+            </a:gs>
+          </a:gsLst>
+          <a:lin ang="5400000" scaled="0"/>
+        </a:gradFill>
+      </a:fillStyleLst>
+      <a:lnStyleLst>
+        <a:ln w="6350" cap="flat" cmpd="sng" algn="ctr">
+          <a:solidFill>
+            <a:schemeClr val="phClr"/>
+          </a:solidFill>
+          <a:prstDash val="solid"/>
+          <a:miter lim="800000"/>
+        </a:ln>
+        <a:ln w="12700" cap="flat" cmpd="sng" algn="ctr">
+          <a:solidFill>
+            <a:schemeClr val="phClr"/>
+          </a:solidFill>
+          <a:prstDash val="solid"/>
+          <a:miter lim="800000"/>
+        </a:ln>
+        <a:ln w="19050" cap="flat" cmpd="sng" algn="ctr">
+          <a:solidFill>
+            <a:schemeClr val="phClr"/>
+          </a:solidFill>
+          <a:prstDash val="solid"/>
+          <a:miter lim="800000"/>
+        </a:ln>
+      </a:lnStyleLst>
+      <a:effectStyleLst>
+        <a:effectStyle>
+          <a:effectLst/>
+        </a:effectStyle>
+        <a:effectStyle>
+          <a:effectLst/>
+        </a:effectStyle>
+        <a:effectStyle>
+          <a:effectLst>
+            <a:outerShdw blurRad="57150" dist="19050" dir="5400000" algn="ctr" rotWithShape="0">
+              <a:srgbClr val="000000">
+                <a:alpha val="63000"/>
+              </a:srgbClr>
+            </a:outerShdw>
+          </a:effectLst>
+        </a:effectStyle>
+      </a:effectStyleLst>
+      <a:bgFillStyleLst>
+        <a:solidFill>
+          <a:schemeClr val="phClr"/>
+        </a:solidFill>
+        <a:solidFill>
+          <a:schemeClr val="phClr">
+            <a:tint val="95000"/>
+            <a:satMod val="170000"/>
+          </a:schemeClr>
+        </a:solidFill>
+        <a:gradFill rotWithShape="1">
+          <a:gsLst>
+            <a:gs pos="0">
+              <a:schemeClr val="phClr">
+                <a:tint val="93000"/>
+                <a:satMod val="150000"/>
+                <a:shade val="98000"/>
+                <a:lumMod val="102000"/>
+              </a:schemeClr>
+            </a:gs>
+            <a:gs pos="50000">
+              <a:schemeClr val="phClr">
+                <a:tint val="98000"/>
+                <a:satMod val="130000"/>
+                <a:shade val="90000"/>
+                <a:lumMod val="103000"/>
+              </a:schemeClr>
+            </a:gs>
+            <a:gs pos="100000">
+              <a:schemeClr val="phClr">
+                <a:shade val="63000"/>
+                <a:satMod val="120000"/>
+              </a:schemeClr>
+            </a:gs>
+          </a:gsLst>
+          <a:lin ang="5400000" scaled="0"/>
+        </a:gradFill>
+      </a:bgFillStyleLst>
+    </a:fmtScheme>
+  </a:themeElements>
+  <a:objectDefaults/>
+  <a:extraClrSchemeLst/>
+  <a:extLst>
+    <a:ext uri="{05A4C25C-085E-4340-85A3-A5531E510DB2}">
+      <thm15:themeFamily xmlns:thm15="http://schemas.microsoft.com/office/thememl/2012/main" name="Office Theme" id="{62F939B6-93AF-4DB8-9C6B-D6C7DFDC589F}" vid="{4A3C46E8-61CC-4603-A589-7422A47A8E4A}"/>
+    </a:ext>
+  </a:extLst>
+</a:theme>
 </file>
--- a/Direct2D_Framework plan.pptx
+++ b/Direct2D_Framework plan.pptx
@@ -7,13 +7,14 @@
     <p:sldMasterId id="2147483779" r:id="rId3"/>
   </p:sldMasterIdLst>
   <p:notesMasterIdLst>
-    <p:notesMasterId r:id="rId8"/>
+    <p:notesMasterId r:id="rId9"/>
   </p:notesMasterIdLst>
   <p:sldIdLst>
     <p:sldId id="256" r:id="rId4"/>
     <p:sldId id="257" r:id="rId5"/>
     <p:sldId id="258" r:id="rId6"/>
-    <p:sldId id="259" r:id="rId7"/>
+    <p:sldId id="260" r:id="rId7"/>
+    <p:sldId id="259" r:id="rId8"/>
   </p:sldIdLst>
   <p:sldSz cx="12192000" cy="6858000"/>
   <p:notesSz cx="6858000" cy="9144000"/>
@@ -17954,9 +17955,14 @@
               <a:rPr lang="en-US" altLang="ko-KR" sz="2400" dirty="0" smtClean="0">
                 <a:latin typeface="나눔바른펜" panose="020B0503000000000000" pitchFamily="50" charset="-127"/>
                 <a:ea typeface="나눔바른펜" panose="020B0503000000000000" pitchFamily="50" charset="-127"/>
+                <a:hlinkClick r:id="rId4" action="ppaction://hlinksldjump"/>
               </a:rPr>
               <a:t>Plan</a:t>
             </a:r>
+            <a:endParaRPr lang="en-US" altLang="ko-KR" sz="2400" dirty="0" smtClean="0">
+              <a:latin typeface="나눔바른펜" panose="020B0503000000000000" pitchFamily="50" charset="-127"/>
+              <a:ea typeface="나눔바른펜" panose="020B0503000000000000" pitchFamily="50" charset="-127"/>
+            </a:endParaRPr>
           </a:p>
           <a:p>
             <a:pPr marL="342900" indent="-342900">
@@ -17967,9 +17973,14 @@
               <a:rPr lang="en-US" altLang="ko-KR" sz="2400" dirty="0" smtClean="0">
                 <a:latin typeface="나눔바른펜" panose="020B0503000000000000" pitchFamily="50" charset="-127"/>
                 <a:ea typeface="나눔바른펜" panose="020B0503000000000000" pitchFamily="50" charset="-127"/>
+                <a:hlinkClick r:id="rId5" action="ppaction://hlinksldjump"/>
               </a:rPr>
               <a:t>Reflect</a:t>
             </a:r>
+            <a:endParaRPr lang="en-US" altLang="ko-KR" sz="2400" dirty="0" smtClean="0">
+              <a:latin typeface="나눔바른펜" panose="020B0503000000000000" pitchFamily="50" charset="-127"/>
+              <a:ea typeface="나눔바른펜" panose="020B0503000000000000" pitchFamily="50" charset="-127"/>
+            </a:endParaRPr>
           </a:p>
         </p:txBody>
       </p:sp>
@@ -18039,49 +18050,6 @@
               <a:t>2016-04-03</a:t>
             </a:r>
             <a:endParaRPr lang="ko-KR" altLang="en-US"/>
-          </a:p>
-        </p:txBody>
-      </p:sp>
-      <p:sp>
-        <p:nvSpPr>
-          <p:cNvPr id="8" name="TextBox 7"/>
-          <p:cNvSpPr txBox="1"/>
-          <p:nvPr/>
-        </p:nvSpPr>
-        <p:spPr>
-          <a:xfrm>
-            <a:off x="4686499" y="5413818"/>
-            <a:ext cx="4576894" cy="369332"/>
-          </a:xfrm>
-          <a:prstGeom prst="rect">
-            <a:avLst/>
-          </a:prstGeom>
-          <a:noFill/>
-        </p:spPr>
-        <p:txBody>
-          <a:bodyPr wrap="none" rtlCol="0">
-            <a:spAutoFit/>
-          </a:bodyPr>
-          <a:lstStyle/>
-          <a:p>
-            <a:r>
-              <a:rPr lang="en-US" altLang="ko" dirty="0">
-                <a:solidFill>
-                  <a:srgbClr val="002060"/>
-                </a:solidFill>
-                <a:latin typeface="휴먼편지체" panose="02030504000101010101" pitchFamily="18" charset="-127"/>
-                <a:ea typeface="휴먼편지체" panose="02030504000101010101" pitchFamily="18" charset="-127"/>
-                <a:hlinkClick r:id="rId4"/>
-              </a:rPr>
-              <a:t>https://github.com/SentioMe/D2D_Project.git</a:t>
-            </a:r>
-            <a:endParaRPr lang="ko-KR" altLang="en-US" dirty="0">
-              <a:solidFill>
-                <a:srgbClr val="002060"/>
-              </a:solidFill>
-              <a:latin typeface="휴먼편지체" panose="02030504000101010101" pitchFamily="18" charset="-127"/>
-              <a:ea typeface="휴먼편지체" panose="02030504000101010101" pitchFamily="18" charset="-127"/>
-            </a:endParaRPr>
           </a:p>
         </p:txBody>
       </p:sp>
@@ -18142,6 +18110,7 @@
                 <a:solidFill>
                   <a:srgbClr val="00B050"/>
                 </a:solidFill>
+                <a:ea typeface="나눔바른펜" panose="020B0503000000000000" pitchFamily="50" charset="-127"/>
               </a:rPr>
               <a:t>1. </a:t>
             </a:r>
@@ -18150,6 +18119,7 @@
                 <a:solidFill>
                   <a:schemeClr val="tx1"/>
                 </a:solidFill>
+                <a:ea typeface="나눔바른펜" panose="020B0503000000000000" pitchFamily="50" charset="-127"/>
               </a:rPr>
               <a:t>Intro</a:t>
             </a:r>
@@ -18157,6 +18127,7 @@
               <a:solidFill>
                 <a:schemeClr val="tx1"/>
               </a:solidFill>
+              <a:ea typeface="나눔바른펜" panose="020B0503000000000000" pitchFamily="50" charset="-127"/>
             </a:endParaRPr>
           </a:p>
         </p:txBody>
@@ -18173,8 +18144,8 @@
         </p:nvSpPr>
         <p:spPr>
           <a:xfrm>
-            <a:off x="677334" y="1393372"/>
-            <a:ext cx="8596668" cy="4456402"/>
+            <a:off x="677334" y="1303582"/>
+            <a:ext cx="8596668" cy="4920342"/>
           </a:xfrm>
         </p:spPr>
         <p:txBody>
@@ -18184,184 +18155,431 @@
           <a:lstStyle/>
           <a:p>
             <a:r>
-              <a:rPr lang="ko-KR" altLang="en-US" dirty="0" smtClean="0"/>
+              <a:rPr lang="ko-KR" altLang="en-US" dirty="0" smtClean="0">
+                <a:latin typeface="나눔바른펜" panose="020B0503000000000000" pitchFamily="50" charset="-127"/>
+                <a:ea typeface="나눔바른펜" panose="020B0503000000000000" pitchFamily="50" charset="-127"/>
+              </a:rPr>
               <a:t>제작 목표 </a:t>
             </a:r>
             <a:r>
-              <a:rPr lang="en-US" altLang="ko-KR" dirty="0" smtClean="0"/>
+              <a:rPr lang="en-US" altLang="ko-KR" dirty="0" smtClean="0">
+                <a:latin typeface="나눔바른펜" panose="020B0503000000000000" pitchFamily="50" charset="-127"/>
+                <a:ea typeface="나눔바른펜" panose="020B0503000000000000" pitchFamily="50" charset="-127"/>
+              </a:rPr>
               <a:t>: Direct2D</a:t>
             </a:r>
             <a:r>
-              <a:rPr lang="ko-KR" altLang="en-US" dirty="0" smtClean="0"/>
+              <a:rPr lang="ko-KR" altLang="en-US" dirty="0" smtClean="0">
+                <a:latin typeface="나눔바른펜" panose="020B0503000000000000" pitchFamily="50" charset="-127"/>
+                <a:ea typeface="나눔바른펜" panose="020B0503000000000000" pitchFamily="50" charset="-127"/>
+              </a:rPr>
               <a:t>를 기반으로 하는 </a:t>
             </a:r>
             <a:r>
-              <a:rPr lang="en-US" altLang="ko-KR" dirty="0" smtClean="0"/>
+              <a:rPr lang="en-US" altLang="ko-KR" dirty="0" smtClean="0">
+                <a:latin typeface="나눔바른펜" panose="020B0503000000000000" pitchFamily="50" charset="-127"/>
+                <a:ea typeface="나눔바른펜" panose="020B0503000000000000" pitchFamily="50" charset="-127"/>
+              </a:rPr>
               <a:t>Game Framework</a:t>
             </a:r>
             <a:r>
-              <a:rPr lang="ko-KR" altLang="en-US" dirty="0" smtClean="0"/>
+              <a:rPr lang="ko-KR" altLang="en-US" dirty="0" smtClean="0">
+                <a:latin typeface="나눔바른펜" panose="020B0503000000000000" pitchFamily="50" charset="-127"/>
+                <a:ea typeface="나눔바른펜" panose="020B0503000000000000" pitchFamily="50" charset="-127"/>
+              </a:rPr>
               <a:t>의 제작</a:t>
             </a:r>
-            <a:endParaRPr lang="en-US" altLang="ko-KR" dirty="0" smtClean="0"/>
+            <a:endParaRPr lang="en-US" altLang="ko-KR" dirty="0" smtClean="0">
+              <a:latin typeface="나눔바른펜" panose="020B0503000000000000" pitchFamily="50" charset="-127"/>
+              <a:ea typeface="나눔바른펜" panose="020B0503000000000000" pitchFamily="50" charset="-127"/>
+            </a:endParaRPr>
           </a:p>
           <a:p>
             <a:pPr marL="0" indent="0">
               <a:buNone/>
             </a:pPr>
             <a:r>
-              <a:rPr lang="en-US" altLang="ko-KR" dirty="0"/>
+              <a:rPr lang="en-US" altLang="ko-KR" dirty="0">
+                <a:latin typeface="나눔바른펜" panose="020B0503000000000000" pitchFamily="50" charset="-127"/>
+                <a:ea typeface="나눔바른펜" panose="020B0503000000000000" pitchFamily="50" charset="-127"/>
+              </a:rPr>
               <a:t>	</a:t>
             </a:r>
             <a:r>
-              <a:rPr lang="en-US" altLang="ko-KR" dirty="0" smtClean="0"/>
+              <a:rPr lang="en-US" altLang="ko-KR" dirty="0" smtClean="0">
+                <a:latin typeface="나눔바른펜" panose="020B0503000000000000" pitchFamily="50" charset="-127"/>
+                <a:ea typeface="나눔바른펜" panose="020B0503000000000000" pitchFamily="50" charset="-127"/>
+              </a:rPr>
               <a:t>			-</a:t>
             </a:r>
             <a:r>
-              <a:rPr lang="ko-KR" altLang="en-US" dirty="0" smtClean="0"/>
+              <a:rPr lang="ko-KR" altLang="en-US" dirty="0" smtClean="0">
+                <a:latin typeface="나눔바른펜" panose="020B0503000000000000" pitchFamily="50" charset="-127"/>
+                <a:ea typeface="나눔바른펜" panose="020B0503000000000000" pitchFamily="50" charset="-127"/>
+              </a:rPr>
               <a:t>완성 후 해당 </a:t>
             </a:r>
             <a:r>
-              <a:rPr lang="en-US" altLang="ko-KR" dirty="0" smtClean="0"/>
+              <a:rPr lang="en-US" altLang="ko-KR" dirty="0" smtClean="0">
+                <a:latin typeface="나눔바른펜" panose="020B0503000000000000" pitchFamily="50" charset="-127"/>
+                <a:ea typeface="나눔바른펜" panose="020B0503000000000000" pitchFamily="50" charset="-127"/>
+              </a:rPr>
               <a:t>Framework</a:t>
             </a:r>
             <a:r>
-              <a:rPr lang="ko-KR" altLang="en-US" dirty="0" smtClean="0"/>
+              <a:rPr lang="ko-KR" altLang="en-US" dirty="0" smtClean="0">
+                <a:latin typeface="나눔바른펜" panose="020B0503000000000000" pitchFamily="50" charset="-127"/>
+                <a:ea typeface="나눔바른펜" panose="020B0503000000000000" pitchFamily="50" charset="-127"/>
+              </a:rPr>
               <a:t>를 이용해 간단한 게임 제작을 고려</a:t>
             </a:r>
-            <a:endParaRPr lang="en-US" altLang="ko-KR" dirty="0" smtClean="0"/>
-          </a:p>
-          <a:p>
-            <a:endParaRPr lang="en-US" altLang="ko-KR" dirty="0"/>
-          </a:p>
-          <a:p>
-            <a:r>
-              <a:rPr lang="ko-KR" altLang="en-US" dirty="0"/>
+            <a:endParaRPr lang="en-US" altLang="ko-KR" dirty="0" smtClean="0">
+              <a:latin typeface="나눔바른펜" panose="020B0503000000000000" pitchFamily="50" charset="-127"/>
+              <a:ea typeface="나눔바른펜" panose="020B0503000000000000" pitchFamily="50" charset="-127"/>
+            </a:endParaRPr>
+          </a:p>
+          <a:p>
+            <a:endParaRPr lang="en-US" altLang="ko-KR" dirty="0">
+              <a:latin typeface="나눔바른펜" panose="020B0503000000000000" pitchFamily="50" charset="-127"/>
+              <a:ea typeface="나눔바른펜" panose="020B0503000000000000" pitchFamily="50" charset="-127"/>
+            </a:endParaRPr>
+          </a:p>
+          <a:p>
+            <a:r>
+              <a:rPr lang="ko-KR" altLang="en-US" dirty="0">
+                <a:latin typeface="나눔바른펜" panose="020B0503000000000000" pitchFamily="50" charset="-127"/>
+                <a:ea typeface="나눔바른펜" panose="020B0503000000000000" pitchFamily="50" charset="-127"/>
+              </a:rPr>
               <a:t>제작 이유 </a:t>
             </a:r>
             <a:r>
-              <a:rPr lang="en-US" altLang="ko-KR" dirty="0" smtClean="0"/>
+              <a:rPr lang="en-US" altLang="ko-KR" dirty="0" smtClean="0">
+                <a:latin typeface="나눔바른펜" panose="020B0503000000000000" pitchFamily="50" charset="-127"/>
+                <a:ea typeface="나눔바른펜" panose="020B0503000000000000" pitchFamily="50" charset="-127"/>
+              </a:rPr>
               <a:t>: Programming</a:t>
             </a:r>
             <a:r>
-              <a:rPr lang="ko-KR" altLang="en-US" dirty="0" smtClean="0"/>
+              <a:rPr lang="ko-KR" altLang="en-US" dirty="0" smtClean="0">
+                <a:latin typeface="나눔바른펜" panose="020B0503000000000000" pitchFamily="50" charset="-127"/>
+                <a:ea typeface="나눔바른펜" panose="020B0503000000000000" pitchFamily="50" charset="-127"/>
+              </a:rPr>
               <a:t> </a:t>
             </a:r>
             <a:r>
-              <a:rPr lang="en-US" altLang="ko-KR" dirty="0" smtClean="0"/>
+              <a:rPr lang="en-US" altLang="ko-KR" dirty="0" smtClean="0">
+                <a:latin typeface="나눔바른펜" panose="020B0503000000000000" pitchFamily="50" charset="-127"/>
+                <a:ea typeface="나눔바른펜" panose="020B0503000000000000" pitchFamily="50" charset="-127"/>
+              </a:rPr>
               <a:t>Skill</a:t>
             </a:r>
             <a:r>
-              <a:rPr lang="ko-KR" altLang="en-US" dirty="0"/>
+              <a:rPr lang="ko-KR" altLang="en-US" dirty="0">
+                <a:latin typeface="나눔바른펜" panose="020B0503000000000000" pitchFamily="50" charset="-127"/>
+                <a:ea typeface="나눔바른펜" panose="020B0503000000000000" pitchFamily="50" charset="-127"/>
+              </a:rPr>
               <a:t> </a:t>
             </a:r>
             <a:r>
-              <a:rPr lang="ko-KR" altLang="en-US" dirty="0" smtClean="0"/>
+              <a:rPr lang="ko-KR" altLang="en-US" dirty="0" smtClean="0">
+                <a:latin typeface="나눔바른펜" panose="020B0503000000000000" pitchFamily="50" charset="-127"/>
+                <a:ea typeface="나눔바른펜" panose="020B0503000000000000" pitchFamily="50" charset="-127"/>
+              </a:rPr>
               <a:t>상승을 최우선 목표로 하기 위해</a:t>
             </a:r>
-            <a:endParaRPr lang="en-US" altLang="ko-KR" dirty="0" smtClean="0"/>
+            <a:endParaRPr lang="en-US" altLang="ko-KR" dirty="0" smtClean="0">
+              <a:latin typeface="나눔바른펜" panose="020B0503000000000000" pitchFamily="50" charset="-127"/>
+              <a:ea typeface="나눔바른펜" panose="020B0503000000000000" pitchFamily="50" charset="-127"/>
+            </a:endParaRPr>
           </a:p>
           <a:p>
             <a:pPr marL="0" indent="0">
               <a:buNone/>
             </a:pPr>
             <a:r>
-              <a:rPr lang="en-US" altLang="ko-KR" dirty="0"/>
+              <a:rPr lang="en-US" altLang="ko-KR" dirty="0">
+                <a:latin typeface="나눔바른펜" panose="020B0503000000000000" pitchFamily="50" charset="-127"/>
+                <a:ea typeface="나눔바른펜" panose="020B0503000000000000" pitchFamily="50" charset="-127"/>
+              </a:rPr>
               <a:t> </a:t>
             </a:r>
             <a:r>
-              <a:rPr lang="en-US" altLang="ko-KR" dirty="0" smtClean="0"/>
+              <a:rPr lang="en-US" altLang="ko-KR" dirty="0" smtClean="0">
+                <a:latin typeface="나눔바른펜" panose="020B0503000000000000" pitchFamily="50" charset="-127"/>
+                <a:ea typeface="나눔바른펜" panose="020B0503000000000000" pitchFamily="50" charset="-127"/>
+              </a:rPr>
               <a:t>                      </a:t>
             </a:r>
             <a:r>
-              <a:rPr lang="ko-KR" altLang="en-US" dirty="0" smtClean="0"/>
+              <a:rPr lang="ko-KR" altLang="en-US" dirty="0" smtClean="0">
+                <a:latin typeface="나눔바른펜" panose="020B0503000000000000" pitchFamily="50" charset="-127"/>
+                <a:ea typeface="나눔바른펜" panose="020B0503000000000000" pitchFamily="50" charset="-127"/>
+              </a:rPr>
               <a:t>구조 설계를 가장 많이 할 수 있는 </a:t>
             </a:r>
             <a:r>
-              <a:rPr lang="en-US" altLang="ko-KR" dirty="0" smtClean="0"/>
+              <a:rPr lang="en-US" altLang="ko-KR" dirty="0" smtClean="0">
+                <a:latin typeface="나눔바른펜" panose="020B0503000000000000" pitchFamily="50" charset="-127"/>
+                <a:ea typeface="나눔바른펜" panose="020B0503000000000000" pitchFamily="50" charset="-127"/>
+              </a:rPr>
               <a:t>Framework</a:t>
             </a:r>
             <a:r>
-              <a:rPr lang="ko-KR" altLang="en-US" dirty="0" smtClean="0"/>
+              <a:rPr lang="ko-KR" altLang="en-US" dirty="0" smtClean="0">
+                <a:latin typeface="나눔바른펜" panose="020B0503000000000000" pitchFamily="50" charset="-127"/>
+                <a:ea typeface="나눔바른펜" panose="020B0503000000000000" pitchFamily="50" charset="-127"/>
+              </a:rPr>
               <a:t>에 도전</a:t>
             </a:r>
-            <a:endParaRPr lang="en-US" altLang="ko-KR" dirty="0"/>
+            <a:endParaRPr lang="en-US" altLang="ko-KR" dirty="0">
+              <a:latin typeface="나눔바른펜" panose="020B0503000000000000" pitchFamily="50" charset="-127"/>
+              <a:ea typeface="나눔바른펜" panose="020B0503000000000000" pitchFamily="50" charset="-127"/>
+            </a:endParaRPr>
           </a:p>
           <a:p>
             <a:pPr marL="0" indent="0">
               <a:buNone/>
             </a:pPr>
             <a:r>
-              <a:rPr lang="en-US" altLang="ko-KR" dirty="0" smtClean="0"/>
+              <a:rPr lang="en-US" altLang="ko-KR" dirty="0" smtClean="0">
+                <a:latin typeface="나눔바른펜" panose="020B0503000000000000" pitchFamily="50" charset="-127"/>
+                <a:ea typeface="나눔바른펜" panose="020B0503000000000000" pitchFamily="50" charset="-127"/>
+              </a:rPr>
               <a:t>                       </a:t>
             </a:r>
             <a:r>
-              <a:rPr lang="ko-KR" altLang="en-US" dirty="0" smtClean="0"/>
+              <a:rPr lang="ko-KR" altLang="en-US" dirty="0" smtClean="0">
+                <a:latin typeface="나눔바른펜" panose="020B0503000000000000" pitchFamily="50" charset="-127"/>
+                <a:ea typeface="나눔바른펜" panose="020B0503000000000000" pitchFamily="50" charset="-127"/>
+              </a:rPr>
               <a:t>및</a:t>
             </a:r>
             <a:r>
-              <a:rPr lang="en-US" altLang="ko-KR" dirty="0" smtClean="0"/>
+              <a:rPr lang="en-US" altLang="ko-KR" dirty="0" smtClean="0">
+                <a:latin typeface="나눔바른펜" panose="020B0503000000000000" pitchFamily="50" charset="-127"/>
+                <a:ea typeface="나눔바른펜" panose="020B0503000000000000" pitchFamily="50" charset="-127"/>
+              </a:rPr>
               <a:t>, Direct2D</a:t>
             </a:r>
             <a:r>
-              <a:rPr lang="ko-KR" altLang="en-US" dirty="0" smtClean="0"/>
+              <a:rPr lang="ko-KR" altLang="en-US" dirty="0" smtClean="0">
+                <a:latin typeface="나눔바른펜" panose="020B0503000000000000" pitchFamily="50" charset="-127"/>
+                <a:ea typeface="나눔바른펜" panose="020B0503000000000000" pitchFamily="50" charset="-127"/>
+              </a:rPr>
               <a:t>를 활용하고 싶기 때문</a:t>
             </a:r>
-            <a:endParaRPr lang="en-US" altLang="ko-KR" dirty="0"/>
-          </a:p>
-          <a:p>
-            <a:endParaRPr lang="en-US" altLang="ko-KR" dirty="0" smtClean="0"/>
-          </a:p>
-          <a:p>
-            <a:r>
-              <a:rPr lang="ko-KR" altLang="en-US" dirty="0" smtClean="0"/>
+            <a:endParaRPr lang="en-US" altLang="ko-KR" dirty="0">
+              <a:latin typeface="나눔바른펜" panose="020B0503000000000000" pitchFamily="50" charset="-127"/>
+              <a:ea typeface="나눔바른펜" panose="020B0503000000000000" pitchFamily="50" charset="-127"/>
+            </a:endParaRPr>
+          </a:p>
+          <a:p>
+            <a:endParaRPr lang="en-US" altLang="ko-KR" dirty="0" smtClean="0">
+              <a:latin typeface="나눔바른펜" panose="020B0503000000000000" pitchFamily="50" charset="-127"/>
+              <a:ea typeface="나눔바른펜" panose="020B0503000000000000" pitchFamily="50" charset="-127"/>
+            </a:endParaRPr>
+          </a:p>
+          <a:p>
+            <a:r>
+              <a:rPr lang="ko-KR" altLang="en-US" dirty="0" smtClean="0">
+                <a:latin typeface="나눔바른펜" panose="020B0503000000000000" pitchFamily="50" charset="-127"/>
+                <a:ea typeface="나눔바른펜" panose="020B0503000000000000" pitchFamily="50" charset="-127"/>
+              </a:rPr>
               <a:t>제작 기간 </a:t>
             </a:r>
             <a:r>
-              <a:rPr lang="en-US" altLang="ko-KR" dirty="0" smtClean="0"/>
+              <a:rPr lang="en-US" altLang="ko-KR" dirty="0" smtClean="0">
+                <a:latin typeface="나눔바른펜" panose="020B0503000000000000" pitchFamily="50" charset="-127"/>
+                <a:ea typeface="나눔바른펜" panose="020B0503000000000000" pitchFamily="50" charset="-127"/>
+              </a:rPr>
               <a:t>: 2016. 04. 03 ~ 2016. 07. 03 (3</a:t>
             </a:r>
             <a:r>
-              <a:rPr lang="ko-KR" altLang="en-US" dirty="0" smtClean="0"/>
+              <a:rPr lang="ko-KR" altLang="en-US" dirty="0" smtClean="0">
+                <a:latin typeface="나눔바른펜" panose="020B0503000000000000" pitchFamily="50" charset="-127"/>
+                <a:ea typeface="나눔바른펜" panose="020B0503000000000000" pitchFamily="50" charset="-127"/>
+              </a:rPr>
               <a:t>개월</a:t>
             </a:r>
             <a:r>
-              <a:rPr lang="en-US" altLang="ko-KR" dirty="0" smtClean="0"/>
+              <a:rPr lang="en-US" altLang="ko-KR" dirty="0" smtClean="0">
+                <a:latin typeface="나눔바른펜" panose="020B0503000000000000" pitchFamily="50" charset="-127"/>
+                <a:ea typeface="나눔바른펜" panose="020B0503000000000000" pitchFamily="50" charset="-127"/>
+              </a:rPr>
               <a:t>)</a:t>
             </a:r>
           </a:p>
           <a:p>
-            <a:endParaRPr lang="en-US" altLang="ko-KR" dirty="0"/>
-          </a:p>
-          <a:p>
-            <a:r>
-              <a:rPr lang="ko-KR" altLang="en-US" dirty="0" smtClean="0"/>
+            <a:endParaRPr lang="en-US" altLang="ko-KR" dirty="0">
+              <a:latin typeface="나눔바른펜" panose="020B0503000000000000" pitchFamily="50" charset="-127"/>
+              <a:ea typeface="나눔바른펜" panose="020B0503000000000000" pitchFamily="50" charset="-127"/>
+            </a:endParaRPr>
+          </a:p>
+          <a:p>
+            <a:r>
+              <a:rPr lang="ko-KR" altLang="en-US" dirty="0" smtClean="0">
+                <a:latin typeface="나눔바른펜" panose="020B0503000000000000" pitchFamily="50" charset="-127"/>
+                <a:ea typeface="나눔바른펜" panose="020B0503000000000000" pitchFamily="50" charset="-127"/>
+              </a:rPr>
               <a:t>제작 환경</a:t>
             </a:r>
-            <a:endParaRPr lang="en-US" altLang="ko-KR" dirty="0" smtClean="0"/>
+            <a:endParaRPr lang="en-US" altLang="ko-KR" dirty="0" smtClean="0">
+              <a:latin typeface="나눔바른펜" panose="020B0503000000000000" pitchFamily="50" charset="-127"/>
+              <a:ea typeface="나눔바른펜" panose="020B0503000000000000" pitchFamily="50" charset="-127"/>
+            </a:endParaRPr>
           </a:p>
           <a:p>
             <a:pPr lvl="1"/>
             <a:r>
-              <a:rPr lang="ko-KR" altLang="en-US" dirty="0" smtClean="0"/>
+              <a:rPr lang="ko-KR" altLang="en-US" dirty="0" smtClean="0">
+                <a:latin typeface="나눔바른펜" panose="020B0503000000000000" pitchFamily="50" charset="-127"/>
+                <a:ea typeface="나눔바른펜" panose="020B0503000000000000" pitchFamily="50" charset="-127"/>
+              </a:rPr>
               <a:t>언어 </a:t>
             </a:r>
             <a:r>
-              <a:rPr lang="en-US" altLang="ko-KR" dirty="0" smtClean="0"/>
+              <a:rPr lang="en-US" altLang="ko-KR" dirty="0" smtClean="0">
+                <a:latin typeface="나눔바른펜" panose="020B0503000000000000" pitchFamily="50" charset="-127"/>
+                <a:ea typeface="나눔바른펜" panose="020B0503000000000000" pitchFamily="50" charset="-127"/>
+              </a:rPr>
               <a:t>: C++</a:t>
             </a:r>
           </a:p>
           <a:p>
             <a:pPr lvl="1"/>
             <a:r>
-              <a:rPr lang="ko-KR" altLang="en-US" dirty="0" smtClean="0"/>
+              <a:rPr lang="ko-KR" altLang="en-US" dirty="0" smtClean="0">
+                <a:latin typeface="나눔바른펜" panose="020B0503000000000000" pitchFamily="50" charset="-127"/>
+                <a:ea typeface="나눔바른펜" panose="020B0503000000000000" pitchFamily="50" charset="-127"/>
+              </a:rPr>
               <a:t>라이브러리 </a:t>
             </a:r>
             <a:r>
-              <a:rPr lang="en-US" altLang="ko-KR" dirty="0" smtClean="0"/>
-              <a:t>: Direct2D (Rendering), WIC (Image Convert), FMOD (Sound)</a:t>
-            </a:r>
-            <a:endParaRPr lang="ko-KR" altLang="en-US" dirty="0"/>
+              <a:rPr lang="en-US" altLang="ko-KR" dirty="0" smtClean="0">
+                <a:latin typeface="나눔바른펜" panose="020B0503000000000000" pitchFamily="50" charset="-127"/>
+                <a:ea typeface="나눔바른펜" panose="020B0503000000000000" pitchFamily="50" charset="-127"/>
+              </a:rPr>
+              <a:t>: Direct2D (Rendering), WIC (Image Convert), FMOD (Sound</a:t>
+            </a:r>
+            <a:r>
+              <a:rPr lang="en-US" altLang="ko-KR" dirty="0" smtClean="0">
+                <a:latin typeface="나눔바른펜" panose="020B0503000000000000" pitchFamily="50" charset="-127"/>
+                <a:ea typeface="나눔바른펜" panose="020B0503000000000000" pitchFamily="50" charset="-127"/>
+              </a:rPr>
+              <a:t>)</a:t>
+            </a:r>
+          </a:p>
+          <a:p>
+            <a:pPr lvl="1"/>
+            <a:r>
+              <a:rPr lang="ko-KR" altLang="en-US" dirty="0" smtClean="0">
+                <a:latin typeface="나눔바른펜" panose="020B0503000000000000" pitchFamily="50" charset="-127"/>
+                <a:ea typeface="나눔바른펜" panose="020B0503000000000000" pitchFamily="50" charset="-127"/>
+              </a:rPr>
+              <a:t>버전관리 </a:t>
+            </a:r>
+            <a:r>
+              <a:rPr lang="en-US" altLang="ko-KR" dirty="0" smtClean="0">
+                <a:latin typeface="나눔바른펜" panose="020B0503000000000000" pitchFamily="50" charset="-127"/>
+                <a:ea typeface="나눔바른펜" panose="020B0503000000000000" pitchFamily="50" charset="-127"/>
+              </a:rPr>
+              <a:t>: </a:t>
+            </a:r>
+            <a:r>
+              <a:rPr lang="en-US" altLang="ko-KR" dirty="0" err="1" smtClean="0">
+                <a:latin typeface="나눔바른펜" panose="020B0503000000000000" pitchFamily="50" charset="-127"/>
+                <a:ea typeface="나눔바른펜" panose="020B0503000000000000" pitchFamily="50" charset="-127"/>
+              </a:rPr>
+              <a:t>Git</a:t>
+            </a:r>
+            <a:r>
+              <a:rPr lang="en-US" altLang="ko-KR" dirty="0" smtClean="0">
+                <a:latin typeface="나눔바른펜" panose="020B0503000000000000" pitchFamily="50" charset="-127"/>
+                <a:ea typeface="나눔바른펜" panose="020B0503000000000000" pitchFamily="50" charset="-127"/>
+              </a:rPr>
+              <a:t> (</a:t>
+            </a:r>
+            <a:r>
+              <a:rPr lang="en-US" altLang="ko-KR" dirty="0" err="1" smtClean="0">
+                <a:latin typeface="나눔바른펜" panose="020B0503000000000000" pitchFamily="50" charset="-127"/>
+                <a:ea typeface="나눔바른펜" panose="020B0503000000000000" pitchFamily="50" charset="-127"/>
+              </a:rPr>
+              <a:t>GitHub</a:t>
+            </a:r>
+            <a:r>
+              <a:rPr lang="en-US" altLang="ko-KR" dirty="0" smtClean="0">
+                <a:latin typeface="나눔바른펜" panose="020B0503000000000000" pitchFamily="50" charset="-127"/>
+                <a:ea typeface="나눔바른펜" panose="020B0503000000000000" pitchFamily="50" charset="-127"/>
+              </a:rPr>
+              <a:t> </a:t>
+            </a:r>
+            <a:r>
+              <a:rPr lang="ko-KR" altLang="en-US" dirty="0" smtClean="0">
+                <a:latin typeface="나눔바른펜" panose="020B0503000000000000" pitchFamily="50" charset="-127"/>
+                <a:ea typeface="나눔바른펜" panose="020B0503000000000000" pitchFamily="50" charset="-127"/>
+              </a:rPr>
+              <a:t>사용</a:t>
+            </a:r>
+            <a:r>
+              <a:rPr lang="en-US" altLang="ko-KR" dirty="0">
+                <a:latin typeface="나눔바른펜" panose="020B0503000000000000" pitchFamily="50" charset="-127"/>
+                <a:ea typeface="나눔바른펜" panose="020B0503000000000000" pitchFamily="50" charset="-127"/>
+              </a:rPr>
+              <a:t> </a:t>
+            </a:r>
+            <a:r>
+              <a:rPr lang="en-US" altLang="ko-KR" dirty="0" smtClean="0">
+                <a:latin typeface="나눔바른펜" panose="020B0503000000000000" pitchFamily="50" charset="-127"/>
+                <a:ea typeface="나눔바른펜" panose="020B0503000000000000" pitchFamily="50" charset="-127"/>
+              </a:rPr>
+              <a:t>| </a:t>
+            </a:r>
+            <a:r>
+              <a:rPr lang="en-US" altLang="ko" dirty="0">
+                <a:solidFill>
+                  <a:srgbClr val="0070C0"/>
+                </a:solidFill>
+                <a:latin typeface="나눔바른펜" panose="020B0503000000000000" pitchFamily="50" charset="-127"/>
+                <a:ea typeface="나눔바른펜" panose="020B0503000000000000" pitchFamily="50" charset="-127"/>
+                <a:hlinkClick r:id="rId2"/>
+              </a:rPr>
+              <a:t>https://</a:t>
+            </a:r>
+            <a:r>
+              <a:rPr lang="en-US" altLang="ko" dirty="0" smtClean="0">
+                <a:solidFill>
+                  <a:srgbClr val="0070C0"/>
+                </a:solidFill>
+                <a:latin typeface="나눔바른펜" panose="020B0503000000000000" pitchFamily="50" charset="-127"/>
+                <a:ea typeface="나눔바른펜" panose="020B0503000000000000" pitchFamily="50" charset="-127"/>
+                <a:hlinkClick r:id="rId2"/>
+              </a:rPr>
+              <a:t>github.com/SentioMe/D2D_Project.git</a:t>
+            </a:r>
+            <a:r>
+              <a:rPr lang="en-US" altLang="ko" dirty="0" smtClean="0">
+                <a:solidFill>
+                  <a:srgbClr val="002060"/>
+                </a:solidFill>
+                <a:latin typeface="나눔바른펜" panose="020B0503000000000000" pitchFamily="50" charset="-127"/>
+                <a:ea typeface="나눔바른펜" panose="020B0503000000000000" pitchFamily="50" charset="-127"/>
+              </a:rPr>
+              <a:t>)</a:t>
+            </a:r>
+            <a:endParaRPr lang="ko-KR" altLang="en-US" dirty="0">
+              <a:solidFill>
+                <a:srgbClr val="002060"/>
+              </a:solidFill>
+              <a:latin typeface="나눔바른펜" panose="020B0503000000000000" pitchFamily="50" charset="-127"/>
+              <a:ea typeface="나눔바른펜" panose="020B0503000000000000" pitchFamily="50" charset="-127"/>
+            </a:endParaRPr>
+          </a:p>
+          <a:p>
+            <a:pPr lvl="1"/>
+            <a:endParaRPr lang="ko-KR" altLang="en-US" dirty="0">
+              <a:latin typeface="나눔바른펜" panose="020B0503000000000000" pitchFamily="50" charset="-127"/>
+              <a:ea typeface="나눔바른펜" panose="020B0503000000000000" pitchFamily="50" charset="-127"/>
+            </a:endParaRPr>
           </a:p>
         </p:txBody>
       </p:sp>
@@ -18474,7 +18692,7 @@
         </p:nvSpPr>
         <p:spPr>
           <a:xfrm>
-            <a:off x="677334" y="1393372"/>
+            <a:off x="677334" y="1271452"/>
             <a:ext cx="8596668" cy="4456402"/>
           </a:xfrm>
           <a:prstGeom prst="rect">
@@ -18714,15 +18932,24 @@
           </a:lstStyle>
           <a:p>
             <a:r>
-              <a:rPr lang="en-US" altLang="ko-KR" dirty="0" smtClean="0"/>
+              <a:rPr lang="en-US" altLang="ko-KR" dirty="0" smtClean="0">
+                <a:latin typeface="나눔바른펜" panose="020B0503000000000000" pitchFamily="50" charset="-127"/>
+                <a:ea typeface="나눔바른펜" panose="020B0503000000000000" pitchFamily="50" charset="-127"/>
+              </a:rPr>
               <a:t>Framework</a:t>
             </a:r>
             <a:r>
-              <a:rPr lang="ko-KR" altLang="en-US" dirty="0" smtClean="0"/>
+              <a:rPr lang="ko-KR" altLang="en-US" dirty="0" smtClean="0">
+                <a:latin typeface="나눔바른펜" panose="020B0503000000000000" pitchFamily="50" charset="-127"/>
+                <a:ea typeface="나눔바른펜" panose="020B0503000000000000" pitchFamily="50" charset="-127"/>
+              </a:rPr>
               <a:t>의 설계 내역은 첨부된 파일에 작성하였으며</a:t>
             </a:r>
             <a:r>
-              <a:rPr lang="en-US" altLang="ko-KR" dirty="0" smtClean="0"/>
+              <a:rPr lang="en-US" altLang="ko-KR" dirty="0" smtClean="0">
+                <a:latin typeface="나눔바른펜" panose="020B0503000000000000" pitchFamily="50" charset="-127"/>
+                <a:ea typeface="나눔바른펜" panose="020B0503000000000000" pitchFamily="50" charset="-127"/>
+              </a:rPr>
               <a:t>,</a:t>
             </a:r>
           </a:p>
@@ -18731,120 +18958,210 @@
               <a:buNone/>
             </a:pPr>
             <a:r>
-              <a:rPr lang="en-US" altLang="ko-KR" dirty="0"/>
+              <a:rPr lang="en-US" altLang="ko-KR" dirty="0">
+                <a:latin typeface="나눔바른펜" panose="020B0503000000000000" pitchFamily="50" charset="-127"/>
+                <a:ea typeface="나눔바른펜" panose="020B0503000000000000" pitchFamily="50" charset="-127"/>
+              </a:rPr>
               <a:t> </a:t>
             </a:r>
             <a:r>
-              <a:rPr lang="en-US" altLang="ko-KR" dirty="0" smtClean="0"/>
+              <a:rPr lang="en-US" altLang="ko-KR" dirty="0" smtClean="0">
+                <a:latin typeface="나눔바른펜" panose="020B0503000000000000" pitchFamily="50" charset="-127"/>
+                <a:ea typeface="나눔바른펜" panose="020B0503000000000000" pitchFamily="50" charset="-127"/>
+              </a:rPr>
               <a:t>    </a:t>
             </a:r>
             <a:r>
-              <a:rPr lang="ko-KR" altLang="en-US" dirty="0" smtClean="0"/>
+              <a:rPr lang="ko-KR" altLang="en-US" dirty="0" smtClean="0">
+                <a:latin typeface="나눔바른펜" panose="020B0503000000000000" pitchFamily="50" charset="-127"/>
+                <a:ea typeface="나눔바른펜" panose="020B0503000000000000" pitchFamily="50" charset="-127"/>
+              </a:rPr>
               <a:t>조정에 따라 갱신되며</a:t>
             </a:r>
             <a:r>
-              <a:rPr lang="en-US" altLang="ko-KR" dirty="0" smtClean="0"/>
+              <a:rPr lang="en-US" altLang="ko-KR" dirty="0" smtClean="0">
+                <a:latin typeface="나눔바른펜" panose="020B0503000000000000" pitchFamily="50" charset="-127"/>
+                <a:ea typeface="나눔바른펜" panose="020B0503000000000000" pitchFamily="50" charset="-127"/>
+              </a:rPr>
               <a:t>, </a:t>
             </a:r>
             <a:r>
-              <a:rPr lang="ko-KR" altLang="en-US" dirty="0" smtClean="0"/>
+              <a:rPr lang="ko-KR" altLang="en-US" dirty="0" smtClean="0">
+                <a:latin typeface="나눔바른펜" panose="020B0503000000000000" pitchFamily="50" charset="-127"/>
+                <a:ea typeface="나눔바른펜" panose="020B0503000000000000" pitchFamily="50" charset="-127"/>
+              </a:rPr>
               <a:t>기본적인 규약은 아래에 간략히 정리하였다</a:t>
             </a:r>
-            <a:endParaRPr lang="en-US" altLang="ko-KR" dirty="0" smtClean="0"/>
-          </a:p>
-          <a:p>
-            <a:endParaRPr lang="en-US" altLang="ko-KR" dirty="0" smtClean="0"/>
-          </a:p>
-          <a:p>
-            <a:r>
-              <a:rPr lang="ko-KR" altLang="en-US" dirty="0" smtClean="0"/>
+            <a:endParaRPr lang="en-US" altLang="ko-KR" dirty="0" smtClean="0">
+              <a:latin typeface="나눔바른펜" panose="020B0503000000000000" pitchFamily="50" charset="-127"/>
+              <a:ea typeface="나눔바른펜" panose="020B0503000000000000" pitchFamily="50" charset="-127"/>
+            </a:endParaRPr>
+          </a:p>
+          <a:p>
+            <a:endParaRPr lang="en-US" altLang="ko-KR" dirty="0" smtClean="0">
+              <a:latin typeface="나눔바른펜" panose="020B0503000000000000" pitchFamily="50" charset="-127"/>
+              <a:ea typeface="나눔바른펜" panose="020B0503000000000000" pitchFamily="50" charset="-127"/>
+            </a:endParaRPr>
+          </a:p>
+          <a:p>
+            <a:r>
+              <a:rPr lang="ko-KR" altLang="en-US" dirty="0" smtClean="0">
+                <a:latin typeface="나눔바른펜" panose="020B0503000000000000" pitchFamily="50" charset="-127"/>
+                <a:ea typeface="나눔바른펜" panose="020B0503000000000000" pitchFamily="50" charset="-127"/>
+              </a:rPr>
               <a:t>기본 설계</a:t>
             </a:r>
-            <a:endParaRPr lang="en-US" altLang="ko-KR" dirty="0" smtClean="0"/>
+            <a:endParaRPr lang="en-US" altLang="ko-KR" dirty="0" smtClean="0">
+              <a:latin typeface="나눔바른펜" panose="020B0503000000000000" pitchFamily="50" charset="-127"/>
+              <a:ea typeface="나눔바른펜" panose="020B0503000000000000" pitchFamily="50" charset="-127"/>
+            </a:endParaRPr>
           </a:p>
           <a:p>
             <a:pPr lvl="1"/>
             <a:r>
-              <a:rPr lang="en-US" altLang="ko-KR" dirty="0" smtClean="0"/>
+              <a:rPr lang="en-US" altLang="ko-KR" dirty="0" smtClean="0">
+                <a:latin typeface="나눔바른펜" panose="020B0503000000000000" pitchFamily="50" charset="-127"/>
+                <a:ea typeface="나눔바른펜" panose="020B0503000000000000" pitchFamily="50" charset="-127"/>
+              </a:rPr>
               <a:t>Node</a:t>
             </a:r>
             <a:r>
-              <a:rPr lang="ko-KR" altLang="en-US" dirty="0" smtClean="0"/>
+              <a:rPr lang="ko-KR" altLang="en-US" dirty="0" smtClean="0">
+                <a:latin typeface="나눔바른펜" panose="020B0503000000000000" pitchFamily="50" charset="-127"/>
+                <a:ea typeface="나눔바른펜" panose="020B0503000000000000" pitchFamily="50" charset="-127"/>
+              </a:rPr>
               <a:t>와 </a:t>
             </a:r>
             <a:r>
-              <a:rPr lang="en-US" altLang="ko-KR" dirty="0" smtClean="0"/>
+              <a:rPr lang="en-US" altLang="ko-KR" dirty="0" smtClean="0">
+                <a:latin typeface="나눔바른펜" panose="020B0503000000000000" pitchFamily="50" charset="-127"/>
+                <a:ea typeface="나눔바른펜" panose="020B0503000000000000" pitchFamily="50" charset="-127"/>
+              </a:rPr>
               <a:t>Pointer</a:t>
             </a:r>
             <a:r>
-              <a:rPr lang="ko-KR" altLang="en-US" dirty="0" smtClean="0"/>
+              <a:rPr lang="ko-KR" altLang="en-US" dirty="0" smtClean="0">
+                <a:latin typeface="나눔바른펜" panose="020B0503000000000000" pitchFamily="50" charset="-127"/>
+                <a:ea typeface="나눔바른펜" panose="020B0503000000000000" pitchFamily="50" charset="-127"/>
+              </a:rPr>
               <a:t>를 활용해 </a:t>
             </a:r>
             <a:r>
-              <a:rPr lang="en-US" altLang="ko-KR" dirty="0" smtClean="0"/>
+              <a:rPr lang="en-US" altLang="ko-KR" dirty="0" smtClean="0">
+                <a:latin typeface="나눔바른펜" panose="020B0503000000000000" pitchFamily="50" charset="-127"/>
+                <a:ea typeface="나눔바른펜" panose="020B0503000000000000" pitchFamily="50" charset="-127"/>
+              </a:rPr>
               <a:t>Scene Graph </a:t>
             </a:r>
             <a:r>
-              <a:rPr lang="ko-KR" altLang="en-US" dirty="0" smtClean="0"/>
+              <a:rPr lang="ko-KR" altLang="en-US" dirty="0" smtClean="0">
+                <a:latin typeface="나눔바른펜" panose="020B0503000000000000" pitchFamily="50" charset="-127"/>
+                <a:ea typeface="나눔바른펜" panose="020B0503000000000000" pitchFamily="50" charset="-127"/>
+              </a:rPr>
               <a:t>기반의 구조를 설계한다</a:t>
             </a:r>
-            <a:endParaRPr lang="en-US" altLang="ko-KR" dirty="0" smtClean="0"/>
+            <a:endParaRPr lang="en-US" altLang="ko-KR" dirty="0" smtClean="0">
+              <a:latin typeface="나눔바른펜" panose="020B0503000000000000" pitchFamily="50" charset="-127"/>
+              <a:ea typeface="나눔바른펜" panose="020B0503000000000000" pitchFamily="50" charset="-127"/>
+            </a:endParaRPr>
           </a:p>
           <a:p>
             <a:pPr lvl="1"/>
             <a:r>
-              <a:rPr lang="ko-KR" altLang="en-US" dirty="0" smtClean="0"/>
+              <a:rPr lang="ko-KR" altLang="en-US" dirty="0" smtClean="0">
+                <a:latin typeface="나눔바른펜" panose="020B0503000000000000" pitchFamily="50" charset="-127"/>
+                <a:ea typeface="나눔바른펜" panose="020B0503000000000000" pitchFamily="50" charset="-127"/>
+              </a:rPr>
               <a:t>기본형 </a:t>
             </a:r>
             <a:r>
-              <a:rPr lang="en-US" altLang="ko-KR" dirty="0" smtClean="0"/>
+              <a:rPr lang="en-US" altLang="ko-KR" dirty="0" smtClean="0">
+                <a:latin typeface="나눔바른펜" panose="020B0503000000000000" pitchFamily="50" charset="-127"/>
+                <a:ea typeface="나눔바른펜" panose="020B0503000000000000" pitchFamily="50" charset="-127"/>
+              </a:rPr>
               <a:t>Node</a:t>
             </a:r>
             <a:r>
-              <a:rPr lang="ko-KR" altLang="en-US" dirty="0" smtClean="0"/>
+              <a:rPr lang="ko-KR" altLang="en-US" dirty="0" smtClean="0">
+                <a:latin typeface="나눔바른펜" panose="020B0503000000000000" pitchFamily="50" charset="-127"/>
+                <a:ea typeface="나눔바른펜" panose="020B0503000000000000" pitchFamily="50" charset="-127"/>
+              </a:rPr>
               <a:t>를 상속하여 각 기능을 가진 </a:t>
             </a:r>
             <a:r>
-              <a:rPr lang="en-US" altLang="ko-KR" dirty="0" smtClean="0"/>
+              <a:rPr lang="en-US" altLang="ko-KR" dirty="0" smtClean="0">
+                <a:latin typeface="나눔바른펜" panose="020B0503000000000000" pitchFamily="50" charset="-127"/>
+                <a:ea typeface="나눔바른펜" panose="020B0503000000000000" pitchFamily="50" charset="-127"/>
+              </a:rPr>
               <a:t>Node</a:t>
             </a:r>
             <a:r>
-              <a:rPr lang="ko-KR" altLang="en-US" dirty="0" smtClean="0"/>
+              <a:rPr lang="ko-KR" altLang="en-US" dirty="0" smtClean="0">
+                <a:latin typeface="나눔바른펜" panose="020B0503000000000000" pitchFamily="50" charset="-127"/>
+                <a:ea typeface="나눔바른펜" panose="020B0503000000000000" pitchFamily="50" charset="-127"/>
+              </a:rPr>
               <a:t>를 만든다</a:t>
             </a:r>
-            <a:endParaRPr lang="en-US" altLang="ko-KR" dirty="0" smtClean="0"/>
+            <a:endParaRPr lang="en-US" altLang="ko-KR" dirty="0" smtClean="0">
+              <a:latin typeface="나눔바른펜" panose="020B0503000000000000" pitchFamily="50" charset="-127"/>
+              <a:ea typeface="나눔바른펜" panose="020B0503000000000000" pitchFamily="50" charset="-127"/>
+            </a:endParaRPr>
           </a:p>
           <a:p>
             <a:pPr lvl="1"/>
             <a:r>
-              <a:rPr lang="ko-KR" altLang="en-US" dirty="0" smtClean="0"/>
+              <a:rPr lang="ko-KR" altLang="en-US" dirty="0" smtClean="0">
+                <a:latin typeface="나눔바른펜" panose="020B0503000000000000" pitchFamily="50" charset="-127"/>
+                <a:ea typeface="나눔바른펜" panose="020B0503000000000000" pitchFamily="50" charset="-127"/>
+              </a:rPr>
               <a:t>필요에 따라 </a:t>
             </a:r>
             <a:r>
-              <a:rPr lang="en-US" altLang="ko-KR" dirty="0" smtClean="0"/>
+              <a:rPr lang="en-US" altLang="ko-KR" dirty="0" smtClean="0">
+                <a:latin typeface="나눔바른펜" panose="020B0503000000000000" pitchFamily="50" charset="-127"/>
+                <a:ea typeface="나눔바른펜" panose="020B0503000000000000" pitchFamily="50" charset="-127"/>
+              </a:rPr>
               <a:t>Action</a:t>
             </a:r>
             <a:r>
-              <a:rPr lang="ko-KR" altLang="en-US" dirty="0" smtClean="0"/>
+              <a:rPr lang="ko-KR" altLang="en-US" dirty="0" smtClean="0">
+                <a:latin typeface="나눔바른펜" panose="020B0503000000000000" pitchFamily="50" charset="-127"/>
+                <a:ea typeface="나눔바른펜" panose="020B0503000000000000" pitchFamily="50" charset="-127"/>
+              </a:rPr>
               <a:t>과 </a:t>
             </a:r>
             <a:r>
-              <a:rPr lang="en-US" altLang="ko-KR" dirty="0" smtClean="0"/>
+              <a:rPr lang="en-US" altLang="ko-KR" dirty="0" smtClean="0">
+                <a:latin typeface="나눔바른펜" panose="020B0503000000000000" pitchFamily="50" charset="-127"/>
+                <a:ea typeface="나눔바른펜" panose="020B0503000000000000" pitchFamily="50" charset="-127"/>
+              </a:rPr>
               <a:t>Collider</a:t>
             </a:r>
             <a:r>
-              <a:rPr lang="ko-KR" altLang="en-US" dirty="0" smtClean="0"/>
+              <a:rPr lang="ko-KR" altLang="en-US" dirty="0" smtClean="0">
+                <a:latin typeface="나눔바른펜" panose="020B0503000000000000" pitchFamily="50" charset="-127"/>
+                <a:ea typeface="나눔바른펜" panose="020B0503000000000000" pitchFamily="50" charset="-127"/>
+              </a:rPr>
               <a:t>를 </a:t>
             </a:r>
             <a:r>
-              <a:rPr lang="en-US" altLang="ko-KR" dirty="0" smtClean="0"/>
+              <a:rPr lang="en-US" altLang="ko-KR" dirty="0" smtClean="0">
+                <a:latin typeface="나눔바른펜" panose="020B0503000000000000" pitchFamily="50" charset="-127"/>
+                <a:ea typeface="나눔바른펜" panose="020B0503000000000000" pitchFamily="50" charset="-127"/>
+              </a:rPr>
               <a:t>Component</a:t>
             </a:r>
             <a:r>
-              <a:rPr lang="ko-KR" altLang="en-US" dirty="0" smtClean="0"/>
+              <a:rPr lang="ko-KR" altLang="en-US" dirty="0" smtClean="0">
+                <a:latin typeface="나눔바른펜" panose="020B0503000000000000" pitchFamily="50" charset="-127"/>
+                <a:ea typeface="나눔바른펜" panose="020B0503000000000000" pitchFamily="50" charset="-127"/>
+              </a:rPr>
               <a:t>화 할 가능성이 존재한다</a:t>
             </a:r>
-            <a:endParaRPr lang="ko-KR" altLang="en-US" dirty="0"/>
+            <a:endParaRPr lang="ko-KR" altLang="en-US" dirty="0">
+              <a:latin typeface="나눔바른펜" panose="020B0503000000000000" pitchFamily="50" charset="-127"/>
+              <a:ea typeface="나눔바른펜" panose="020B0503000000000000" pitchFamily="50" charset="-127"/>
+            </a:endParaRPr>
           </a:p>
         </p:txBody>
       </p:sp>
@@ -18979,7 +19296,7 @@
           <a:graphicData uri="http://schemas.openxmlformats.org/presentationml/2006/ole">
             <mc:AlternateContent xmlns:mc="http://schemas.openxmlformats.org/markup-compatibility/2006">
               <mc:Choice xmlns:v="urn:schemas-microsoft-com:vml" Requires="v">
-                <p:oleObj spid="_x0000_s1027" name="워크시트" showAsIcon="1" r:id="rId3" imgW="914400" imgH="771480" progId="Excel.Sheet.12">
+                <p:oleObj spid="_x0000_s1029" name="워크시트" showAsIcon="1" r:id="rId3" imgW="914400" imgH="771480" progId="Excel.Sheet.12">
                   <p:embed/>
                 </p:oleObj>
               </mc:Choice>
@@ -19051,6 +19368,163 @@
       </p:grpSpPr>
       <p:sp>
         <p:nvSpPr>
+          <p:cNvPr id="2" name="제목 1"/>
+          <p:cNvSpPr>
+            <a:spLocks noGrp="1"/>
+          </p:cNvSpPr>
+          <p:nvPr>
+            <p:ph type="title"/>
+          </p:nvPr>
+        </p:nvSpPr>
+        <p:spPr/>
+        <p:txBody>
+          <a:bodyPr/>
+          <a:lstStyle/>
+          <a:p>
+            <a:r>
+              <a:rPr lang="en-US" altLang="ko-KR" dirty="0" smtClean="0">
+                <a:solidFill>
+                  <a:srgbClr val="00B050"/>
+                </a:solidFill>
+              </a:rPr>
+              <a:t>3. </a:t>
+            </a:r>
+            <a:r>
+              <a:rPr lang="en-US" altLang="ko-KR" dirty="0" smtClean="0">
+                <a:solidFill>
+                  <a:schemeClr val="tx1"/>
+                </a:solidFill>
+              </a:rPr>
+              <a:t>Plan</a:t>
+            </a:r>
+            <a:endParaRPr lang="ko-KR" altLang="en-US" dirty="0">
+              <a:solidFill>
+                <a:schemeClr val="tx1"/>
+              </a:solidFill>
+            </a:endParaRPr>
+          </a:p>
+        </p:txBody>
+      </p:sp>
+      <p:sp>
+        <p:nvSpPr>
+          <p:cNvPr id="3" name="내용 개체 틀 2"/>
+          <p:cNvSpPr>
+            <a:spLocks noGrp="1"/>
+          </p:cNvSpPr>
+          <p:nvPr>
+            <p:ph idx="1"/>
+          </p:nvPr>
+        </p:nvSpPr>
+        <p:spPr/>
+        <p:txBody>
+          <a:bodyPr/>
+          <a:lstStyle/>
+          <a:p>
+            <a:endParaRPr lang="ko-KR" altLang="en-US"/>
+          </a:p>
+        </p:txBody>
+      </p:sp>
+      <p:sp>
+        <p:nvSpPr>
+          <p:cNvPr id="4" name="날짜 개체 틀 3"/>
+          <p:cNvSpPr>
+            <a:spLocks noGrp="1"/>
+          </p:cNvSpPr>
+          <p:nvPr>
+            <p:ph type="dt" sz="half" idx="10"/>
+          </p:nvPr>
+        </p:nvSpPr>
+        <p:spPr/>
+        <p:txBody>
+          <a:bodyPr/>
+          <a:lstStyle/>
+          <a:p>
+            <a:r>
+              <a:rPr lang="en-US" altLang="ko-KR" smtClean="0"/>
+              <a:t>2016-04-03</a:t>
+            </a:r>
+            <a:endParaRPr lang="ko-KR" altLang="en-US"/>
+          </a:p>
+        </p:txBody>
+      </p:sp>
+      <p:sp>
+        <p:nvSpPr>
+          <p:cNvPr id="5" name="바닥글 개체 틀 4"/>
+          <p:cNvSpPr>
+            <a:spLocks noGrp="1"/>
+          </p:cNvSpPr>
+          <p:nvPr>
+            <p:ph type="ftr" sz="quarter" idx="11"/>
+          </p:nvPr>
+        </p:nvSpPr>
+        <p:spPr/>
+        <p:txBody>
+          <a:bodyPr/>
+          <a:lstStyle/>
+          <a:p>
+            <a:r>
+              <a:rPr lang="en-US" altLang="ko-KR" smtClean="0"/>
+              <a:t>written by Sentio</a:t>
+            </a:r>
+            <a:endParaRPr lang="ko-KR" altLang="en-US"/>
+          </a:p>
+        </p:txBody>
+      </p:sp>
+      <p:sp>
+        <p:nvSpPr>
+          <p:cNvPr id="6" name="슬라이드 번호 개체 틀 5"/>
+          <p:cNvSpPr>
+            <a:spLocks noGrp="1"/>
+          </p:cNvSpPr>
+          <p:nvPr>
+            <p:ph type="sldNum" sz="quarter" idx="12"/>
+          </p:nvPr>
+        </p:nvSpPr>
+        <p:spPr/>
+        <p:txBody>
+          <a:bodyPr/>
+          <a:lstStyle/>
+          <a:p>
+            <a:fld id="{C168A753-EA86-4144-98D6-44C69181649C}" type="slidenum">
+              <a:rPr lang="ko-KR" altLang="en-US" smtClean="0"/>
+              <a:t>4</a:t>
+            </a:fld>
+            <a:endParaRPr lang="ko-KR" altLang="en-US"/>
+          </a:p>
+        </p:txBody>
+      </p:sp>
+    </p:spTree>
+    <p:extLst>
+      <p:ext uri="{BB962C8B-B14F-4D97-AF65-F5344CB8AC3E}">
+        <p14:creationId xmlns:p14="http://schemas.microsoft.com/office/powerpoint/2010/main" val="4090715878"/>
+      </p:ext>
+    </p:extLst>
+  </p:cSld>
+  <p:clrMapOvr>
+    <a:masterClrMapping/>
+  </p:clrMapOvr>
+</p:sld>
+</file>
+
+<file path=ppt/slides/slide5.xml><?xml version="1.0" encoding="utf-8"?>
+<p:sld xmlns:a="http://schemas.openxmlformats.org/drawingml/2006/main" xmlns:r="http://schemas.openxmlformats.org/officeDocument/2006/relationships" xmlns:p="http://schemas.openxmlformats.org/presentationml/2006/main">
+  <p:cSld>
+    <p:spTree>
+      <p:nvGrpSpPr>
+        <p:cNvPr id="1" name=""/>
+        <p:cNvGrpSpPr/>
+        <p:nvPr/>
+      </p:nvGrpSpPr>
+      <p:grpSpPr>
+        <a:xfrm>
+          <a:off x="0" y="0"/>
+          <a:ext cx="0" cy="0"/>
+          <a:chOff x="0" y="0"/>
+          <a:chExt cx="0" cy="0"/>
+        </a:xfrm>
+      </p:grpSpPr>
+      <p:sp>
+        <p:nvSpPr>
           <p:cNvPr id="8" name="텍스트 개체 틀 7"/>
           <p:cNvSpPr>
             <a:spLocks noGrp="1"/>
@@ -19208,7 +19682,7 @@
           <a:p>
             <a:fld id="{C168A753-EA86-4144-98D6-44C69181649C}" type="slidenum">
               <a:rPr lang="ko-KR" altLang="en-US" smtClean="0"/>
-              <a:t>4</a:t>
+              <a:t>5</a:t>
             </a:fld>
             <a:endParaRPr lang="ko-KR" altLang="en-US"/>
           </a:p>
